--- a/docs/Year2/BlockC/MS Teams Assignment Template/Learning Log  -  Y2C_2022-23_ADSAI.pptx
+++ b/docs/Year2/BlockC/MS Teams Assignment Template/Learning Log  -  Y2C_2022-23_ADSAI.pptx
@@ -5,7 +5,7 @@
     <p:sldMasterId id="2147483658" r:id="rId4"/>
   </p:sldMasterIdLst>
   <p:notesMasterIdLst>
-    <p:notesMasterId r:id="rId46"/>
+    <p:notesMasterId r:id="rId47"/>
   </p:notesMasterIdLst>
   <p:sldIdLst>
     <p:sldId id="256" r:id="rId5"/>
@@ -35,28 +35,25 @@
     <p:sldId id="282" r:id="rId29"/>
     <p:sldId id="283" r:id="rId30"/>
     <p:sldId id="286" r:id="rId31"/>
-    <p:sldId id="335" r:id="rId32"/>
-    <p:sldId id="315" r:id="rId33"/>
-    <p:sldId id="292" r:id="rId34"/>
-    <p:sldId id="293" r:id="rId35"/>
-    <p:sldId id="294" r:id="rId36"/>
-    <p:sldId id="336" r:id="rId37"/>
-    <p:sldId id="299" r:id="rId38"/>
-    <p:sldId id="300" r:id="rId39"/>
-    <p:sldId id="337" r:id="rId40"/>
-    <p:sldId id="333" r:id="rId41"/>
-    <p:sldId id="334" r:id="rId42"/>
-    <p:sldId id="296" r:id="rId43"/>
-    <p:sldId id="297" r:id="rId44"/>
-    <p:sldId id="298" r:id="rId45"/>
+    <p:sldId id="315" r:id="rId32"/>
+    <p:sldId id="292" r:id="rId33"/>
+    <p:sldId id="293" r:id="rId34"/>
+    <p:sldId id="294" r:id="rId35"/>
+    <p:sldId id="299" r:id="rId36"/>
+    <p:sldId id="300" r:id="rId37"/>
+    <p:sldId id="337" r:id="rId38"/>
+    <p:sldId id="336" r:id="rId39"/>
+    <p:sldId id="339" r:id="rId40"/>
+    <p:sldId id="338" r:id="rId41"/>
+    <p:sldId id="333" r:id="rId42"/>
+    <p:sldId id="334" r:id="rId43"/>
+    <p:sldId id="296" r:id="rId44"/>
+    <p:sldId id="297" r:id="rId45"/>
+    <p:sldId id="298" r:id="rId46"/>
   </p:sldIdLst>
   <p:sldSz cx="9144000" cy="5143500" type="screen16x9"/>
   <p:notesSz cx="6858000" cy="9144000"/>
   <p:embeddedFontLst>
-    <p:embeddedFont>
-      <p:font typeface="Alfa Slab One" panose="020B0604020202020204" charset="0"/>
-      <p:regular r:id="rId47"/>
-    </p:embeddedFont>
     <p:embeddedFont>
       <p:font typeface="Helvetica Neue" panose="020B0604020202020204" charset="0"/>
       <p:regular r:id="rId48"/>
@@ -65,7 +62,7 @@
       <p:boldItalic r:id="rId51"/>
     </p:embeddedFont>
     <p:embeddedFont>
-      <p:font typeface="Open Sans" panose="020B0606030504020204" pitchFamily="34" charset="0"/>
+      <p:font typeface="Open Sans" pitchFamily="2" charset="0"/>
       <p:regular r:id="rId52"/>
       <p:bold r:id="rId53"/>
       <p:italic r:id="rId54"/>
@@ -355,6 +352,12 @@
 </p:presentation>
 </file>
 
+<file path=ppt/authors.xml><?xml version="1.0" encoding="utf-8"?>
+<p188:authorLst xmlns:a="http://schemas.openxmlformats.org/drawingml/2006/main" xmlns:r="http://schemas.openxmlformats.org/officeDocument/2006/relationships" xmlns:p188="http://schemas.microsoft.com/office/powerpoint/2018/8/main">
+  <p188:author id="{B3F07B12-FAE0-28AD-E538-EEDF72EBCEF7}" name="Noyan, Alican" initials="NA" userId="S::noyan.a@buas.nl::f2106684-872a-4b1d-b983-18c991c41330" providerId="AD"/>
+</p188:authorLst>
+</file>
+
 <file path=ppt/commentAuthors.xml><?xml version="1.0" encoding="utf-8"?>
 <p:cmAuthorLst xmlns:a="http://schemas.openxmlformats.org/drawingml/2006/main" xmlns:r="http://schemas.openxmlformats.org/officeDocument/2006/relationships" xmlns:p="http://schemas.openxmlformats.org/presentationml/2006/main">
   <p:cmAuthor id="1" name="Biswas, Abhishek" initials="BA" lastIdx="1" clrIdx="0">
@@ -371,6 +374,7 @@
 <p1510:revInfo xmlns:a="http://schemas.openxmlformats.org/drawingml/2006/main" xmlns:r="http://schemas.openxmlformats.org/officeDocument/2006/relationships" xmlns:p1510="http://schemas.microsoft.com/office/powerpoint/2015/10/main">
   <p1510:revLst>
     <p1510:client id="{021F3184-B9B0-48E9-BB84-4F46E3F22836}" v="8" dt="2021-08-31T10:05:44.704"/>
+    <p1510:client id="{037D34F7-EC4E-2F26-974D-063F39B79A4A}" v="20" dt="2023-01-31T12:19:40.247"/>
     <p1510:client id="{2B37B9BF-F45E-4790-ABCD-F8EFDB07ACFB}" v="24" dt="2021-08-31T10:03:02.688"/>
     <p1510:client id="{2C351369-646F-4408-9DA0-A3C9314D39E3}" v="35" dt="2021-11-04T15:12:24.104"/>
     <p1510:client id="{342B10AE-9F51-4A99-9205-98D06BBEA5D7}" v="14" dt="2021-09-17T14:30:21.170"/>
@@ -378,6 +382,7 @@
     <p1510:client id="{AD121B51-E0ED-4064-B3F3-5BF26986F106}" v="1" dt="2021-10-12T08:22:19.306"/>
     <p1510:client id="{CB69438A-5F84-4332-AEBF-7ECEA1C9D5A5}" v="29" dt="2021-10-08T07:37:31.922"/>
     <p1510:client id="{CCDE9E4E-5D09-4395-A348-E3BF5775B480}" v="174" dt="2021-09-17T15:01:29.178"/>
+    <p1510:client id="{F6992F49-5864-5155-C852-4A8C5CD986C0}" v="299" dt="2023-02-03T13:38:04.242"/>
     <p1510:client id="{FCE27AD3-2A2C-486D-9BD5-2B0AE5F79050}" v="2" dt="2021-10-22T09:47:28.281"/>
   </p1510:revLst>
 </p1510:revInfo>
@@ -385,30 +390,6 @@
 
 <file path=ppt/changesInfos/changesInfo1.xml><?xml version="1.0" encoding="utf-8"?>
 <pc:chgInfo xmlns:a="http://schemas.openxmlformats.org/drawingml/2006/main" xmlns:r="http://schemas.openxmlformats.org/officeDocument/2006/relationships" xmlns:ac="http://schemas.microsoft.com/office/drawing/2013/main/command" xmlns:pc="http://schemas.microsoft.com/office/powerpoint/2013/main/command">
-  <pc:docChgLst>
-    <pc:chgData name="Blerck, Irene van" userId="S::blerck.i@buas.nl::a459afc0-a645-4902-97f4-db4ffab93732" providerId="AD" clId="Web-{93F31332-918B-45B0-A28E-5082ED56062B}"/>
-    <pc:docChg chg="modSld">
-      <pc:chgData name="Blerck, Irene van" userId="S::blerck.i@buas.nl::a459afc0-a645-4902-97f4-db4ffab93732" providerId="AD" clId="Web-{93F31332-918B-45B0-A28E-5082ED56062B}" dt="2021-09-17T14:25:59.778" v="24" actId="20577"/>
-      <pc:docMkLst>
-        <pc:docMk/>
-      </pc:docMkLst>
-      <pc:sldChg chg="modSp">
-        <pc:chgData name="Blerck, Irene van" userId="S::blerck.i@buas.nl::a459afc0-a645-4902-97f4-db4ffab93732" providerId="AD" clId="Web-{93F31332-918B-45B0-A28E-5082ED56062B}" dt="2021-09-17T14:25:59.778" v="24" actId="20577"/>
-        <pc:sldMkLst>
-          <pc:docMk/>
-          <pc:sldMk cId="0" sldId="265"/>
-        </pc:sldMkLst>
-        <pc:spChg chg="mod">
-          <ac:chgData name="Blerck, Irene van" userId="S::blerck.i@buas.nl::a459afc0-a645-4902-97f4-db4ffab93732" providerId="AD" clId="Web-{93F31332-918B-45B0-A28E-5082ED56062B}" dt="2021-09-17T14:25:59.778" v="24" actId="20577"/>
-          <ac:spMkLst>
-            <pc:docMk/>
-            <pc:sldMk cId="0" sldId="265"/>
-            <ac:spMk id="174" creationId="{00000000-0000-0000-0000-000000000000}"/>
-          </ac:spMkLst>
-        </pc:spChg>
-      </pc:sldChg>
-    </pc:docChg>
-  </pc:docChgLst>
   <pc:docChgLst>
     <pc:chgData name="Biswas, Abhishek" userId="S::biswas.a@buas.nl::fb8d240a-d551-4b24-ab9a-9862bbc79dd8" providerId="AD" clId="Web-{2B37B9BF-F45E-4790-ABCD-F8EFDB07ACFB}"/>
     <pc:docChg chg="modSld">
@@ -479,6 +460,175 @@
     </pc:docChg>
   </pc:docChgLst>
   <pc:docChgLst>
+    <pc:chgData name="Blerck, Irene van" userId="S::blerck.i@buas.nl::a459afc0-a645-4902-97f4-db4ffab93732" providerId="AD" clId="Web-{342B10AE-9F51-4A99-9205-98D06BBEA5D7}"/>
+    <pc:docChg chg="modSld">
+      <pc:chgData name="Blerck, Irene van" userId="S::blerck.i@buas.nl::a459afc0-a645-4902-97f4-db4ffab93732" providerId="AD" clId="Web-{342B10AE-9F51-4A99-9205-98D06BBEA5D7}" dt="2021-09-17T14:30:21.170" v="13" actId="20577"/>
+      <pc:docMkLst>
+        <pc:docMk/>
+      </pc:docMkLst>
+      <pc:sldChg chg="modSp">
+        <pc:chgData name="Blerck, Irene van" userId="S::blerck.i@buas.nl::a459afc0-a645-4902-97f4-db4ffab93732" providerId="AD" clId="Web-{342B10AE-9F51-4A99-9205-98D06BBEA5D7}" dt="2021-09-17T14:30:21.170" v="13" actId="20577"/>
+        <pc:sldMkLst>
+          <pc:docMk/>
+          <pc:sldMk cId="0" sldId="265"/>
+        </pc:sldMkLst>
+        <pc:spChg chg="mod">
+          <ac:chgData name="Blerck, Irene van" userId="S::blerck.i@buas.nl::a459afc0-a645-4902-97f4-db4ffab93732" providerId="AD" clId="Web-{342B10AE-9F51-4A99-9205-98D06BBEA5D7}" dt="2021-09-17T14:30:21.170" v="13" actId="20577"/>
+          <ac:spMkLst>
+            <pc:docMk/>
+            <pc:sldMk cId="0" sldId="265"/>
+            <ac:spMk id="174" creationId="{00000000-0000-0000-0000-000000000000}"/>
+          </ac:spMkLst>
+        </pc:spChg>
+      </pc:sldChg>
+    </pc:docChg>
+  </pc:docChgLst>
+  <pc:docChgLst>
+    <pc:chgData name="Heijligers, Bram" userId="S::heijligers.b@buas.nl::5cef929d-ecf9-4fca-bf12-bc5ee065fc99" providerId="AD" clId="Web-{CB69438A-5F84-4332-AEBF-7ECEA1C9D5A5}"/>
+    <pc:docChg chg="modSld">
+      <pc:chgData name="Heijligers, Bram" userId="S::heijligers.b@buas.nl::5cef929d-ecf9-4fca-bf12-bc5ee065fc99" providerId="AD" clId="Web-{CB69438A-5F84-4332-AEBF-7ECEA1C9D5A5}" dt="2021-10-08T07:37:31.922" v="28" actId="20577"/>
+      <pc:docMkLst>
+        <pc:docMk/>
+      </pc:docMkLst>
+      <pc:sldChg chg="modSp">
+        <pc:chgData name="Heijligers, Bram" userId="S::heijligers.b@buas.nl::5cef929d-ecf9-4fca-bf12-bc5ee065fc99" providerId="AD" clId="Web-{CB69438A-5F84-4332-AEBF-7ECEA1C9D5A5}" dt="2021-10-08T07:37:31.922" v="28" actId="20577"/>
+        <pc:sldMkLst>
+          <pc:docMk/>
+          <pc:sldMk cId="0" sldId="269"/>
+        </pc:sldMkLst>
+        <pc:spChg chg="mod">
+          <ac:chgData name="Heijligers, Bram" userId="S::heijligers.b@buas.nl::5cef929d-ecf9-4fca-bf12-bc5ee065fc99" providerId="AD" clId="Web-{CB69438A-5F84-4332-AEBF-7ECEA1C9D5A5}" dt="2021-10-08T07:37:31.922" v="28" actId="20577"/>
+          <ac:spMkLst>
+            <pc:docMk/>
+            <pc:sldMk cId="0" sldId="269"/>
+            <ac:spMk id="216" creationId="{00000000-0000-0000-0000-000000000000}"/>
+          </ac:spMkLst>
+        </pc:spChg>
+      </pc:sldChg>
+    </pc:docChg>
+  </pc:docChgLst>
+  <pc:docChgLst>
+    <pc:chgData name="Bhushan, Nitin" userId="S::bhushan.n@buas.nl::b70ad1ac-80f8-452d-97e3-49086ae68978" providerId="AD" clId="Web-{2C351369-646F-4408-9DA0-A3C9314D39E3}"/>
+    <pc:docChg chg="modSld">
+      <pc:chgData name="Bhushan, Nitin" userId="S::bhushan.n@buas.nl::b70ad1ac-80f8-452d-97e3-49086ae68978" providerId="AD" clId="Web-{2C351369-646F-4408-9DA0-A3C9314D39E3}" dt="2021-11-04T15:12:24.104" v="34" actId="20577"/>
+      <pc:docMkLst>
+        <pc:docMk/>
+      </pc:docMkLst>
+      <pc:sldChg chg="modSp">
+        <pc:chgData name="Bhushan, Nitin" userId="S::bhushan.n@buas.nl::b70ad1ac-80f8-452d-97e3-49086ae68978" providerId="AD" clId="Web-{2C351369-646F-4408-9DA0-A3C9314D39E3}" dt="2021-11-04T15:12:24.104" v="34" actId="20577"/>
+        <pc:sldMkLst>
+          <pc:docMk/>
+          <pc:sldMk cId="0" sldId="271"/>
+        </pc:sldMkLst>
+        <pc:spChg chg="mod">
+          <ac:chgData name="Bhushan, Nitin" userId="S::bhushan.n@buas.nl::b70ad1ac-80f8-452d-97e3-49086ae68978" providerId="AD" clId="Web-{2C351369-646F-4408-9DA0-A3C9314D39E3}" dt="2021-11-04T15:12:24.104" v="34" actId="20577"/>
+          <ac:spMkLst>
+            <pc:docMk/>
+            <pc:sldMk cId="0" sldId="271"/>
+            <ac:spMk id="239" creationId="{00000000-0000-0000-0000-000000000000}"/>
+          </ac:spMkLst>
+        </pc:spChg>
+      </pc:sldChg>
+    </pc:docChg>
+  </pc:docChgLst>
+  <pc:docChgLst>
+    <pc:chgData name="Noyan, Alican" userId="S::noyan.a@buas.nl::f2106684-872a-4b1d-b983-18c991c41330" providerId="AD" clId="Web-{037D34F7-EC4E-2F26-974D-063F39B79A4A}"/>
+    <pc:docChg chg="mod modSld">
+      <pc:chgData name="Noyan, Alican" userId="S::noyan.a@buas.nl::f2106684-872a-4b1d-b983-18c991c41330" providerId="AD" clId="Web-{037D34F7-EC4E-2F26-974D-063F39B79A4A}" dt="2023-01-31T12:19:40.247" v="13"/>
+      <pc:docMkLst>
+        <pc:docMk/>
+      </pc:docMkLst>
+      <pc:sldChg chg="modSp addCm delCm">
+        <pc:chgData name="Noyan, Alican" userId="S::noyan.a@buas.nl::f2106684-872a-4b1d-b983-18c991c41330" providerId="AD" clId="Web-{037D34F7-EC4E-2F26-974D-063F39B79A4A}" dt="2023-01-31T12:19:40.247" v="13"/>
+        <pc:sldMkLst>
+          <pc:docMk/>
+          <pc:sldMk cId="0" sldId="282"/>
+        </pc:sldMkLst>
+        <pc:spChg chg="mod">
+          <ac:chgData name="Noyan, Alican" userId="S::noyan.a@buas.nl::f2106684-872a-4b1d-b983-18c991c41330" providerId="AD" clId="Web-{037D34F7-EC4E-2F26-974D-063F39B79A4A}" dt="2023-01-31T12:16:29.412" v="1" actId="20577"/>
+          <ac:spMkLst>
+            <pc:docMk/>
+            <pc:sldMk cId="0" sldId="282"/>
+            <ac:spMk id="356" creationId="{00000000-0000-0000-0000-000000000000}"/>
+          </ac:spMkLst>
+        </pc:spChg>
+        <pc:spChg chg="mod">
+          <ac:chgData name="Noyan, Alican" userId="S::noyan.a@buas.nl::f2106684-872a-4b1d-b983-18c991c41330" providerId="AD" clId="Web-{037D34F7-EC4E-2F26-974D-063F39B79A4A}" dt="2023-01-31T12:16:34.912" v="3" actId="20577"/>
+          <ac:spMkLst>
+            <pc:docMk/>
+            <pc:sldMk cId="0" sldId="282"/>
+            <ac:spMk id="358" creationId="{00000000-0000-0000-0000-000000000000}"/>
+          </ac:spMkLst>
+        </pc:spChg>
+        <pc:extLst>
+          <p:ext xmlns:p="http://schemas.openxmlformats.org/presentationml/2006/main" uri="{D6D511B9-2390-475A-947B-AFAB55BFBCF1}">
+            <pc226:cmChg xmlns:pc226="http://schemas.microsoft.com/office/powerpoint/2022/06/main/command" chg="add">
+              <pc226:chgData name="Noyan, Alican" userId="S::noyan.a@buas.nl::f2106684-872a-4b1d-b983-18c991c41330" providerId="AD" clId="Web-{037D34F7-EC4E-2F26-974D-063F39B79A4A}" dt="2023-01-31T12:19:40.247" v="13"/>
+              <pc2:cmMkLst xmlns:pc2="http://schemas.microsoft.com/office/powerpoint/2019/9/main/command">
+                <pc:docMk/>
+                <pc:sldMk cId="0" sldId="282"/>
+                <pc2:cmMk id="{80C6CB5E-5BB4-4302-B606-6FB344B927DF}"/>
+              </pc2:cmMkLst>
+            </pc226:cmChg>
+          </p:ext>
+        </pc:extLst>
+      </pc:sldChg>
+      <pc:sldChg chg="modSp">
+        <pc:chgData name="Noyan, Alican" userId="S::noyan.a@buas.nl::f2106684-872a-4b1d-b983-18c991c41330" providerId="AD" clId="Web-{037D34F7-EC4E-2F26-974D-063F39B79A4A}" dt="2023-01-31T12:17:19.070" v="6" actId="20577"/>
+        <pc:sldMkLst>
+          <pc:docMk/>
+          <pc:sldMk cId="0" sldId="296"/>
+        </pc:sldMkLst>
+        <pc:spChg chg="mod">
+          <ac:chgData name="Noyan, Alican" userId="S::noyan.a@buas.nl::f2106684-872a-4b1d-b983-18c991c41330" providerId="AD" clId="Web-{037D34F7-EC4E-2F26-974D-063F39B79A4A}" dt="2023-01-31T12:17:13.210" v="5" actId="20577"/>
+          <ac:spMkLst>
+            <pc:docMk/>
+            <pc:sldMk cId="0" sldId="296"/>
+            <ac:spMk id="497" creationId="{00000000-0000-0000-0000-000000000000}"/>
+          </ac:spMkLst>
+        </pc:spChg>
+        <pc:spChg chg="mod">
+          <ac:chgData name="Noyan, Alican" userId="S::noyan.a@buas.nl::f2106684-872a-4b1d-b983-18c991c41330" providerId="AD" clId="Web-{037D34F7-EC4E-2F26-974D-063F39B79A4A}" dt="2023-01-31T12:17:19.070" v="6" actId="20577"/>
+          <ac:spMkLst>
+            <pc:docMk/>
+            <pc:sldMk cId="0" sldId="296"/>
+            <ac:spMk id="499" creationId="{00000000-0000-0000-0000-000000000000}"/>
+          </ac:spMkLst>
+        </pc:spChg>
+      </pc:sldChg>
+      <pc:sldChg chg="modSp">
+        <pc:chgData name="Noyan, Alican" userId="S::noyan.a@buas.nl::f2106684-872a-4b1d-b983-18c991c41330" providerId="AD" clId="Web-{037D34F7-EC4E-2F26-974D-063F39B79A4A}" dt="2023-01-31T12:17:38.946" v="8" actId="20577"/>
+        <pc:sldMkLst>
+          <pc:docMk/>
+          <pc:sldMk cId="0" sldId="297"/>
+        </pc:sldMkLst>
+        <pc:spChg chg="mod">
+          <ac:chgData name="Noyan, Alican" userId="S::noyan.a@buas.nl::f2106684-872a-4b1d-b983-18c991c41330" providerId="AD" clId="Web-{037D34F7-EC4E-2F26-974D-063F39B79A4A}" dt="2023-01-31T12:17:38.946" v="8" actId="20577"/>
+          <ac:spMkLst>
+            <pc:docMk/>
+            <pc:sldMk cId="0" sldId="297"/>
+            <ac:spMk id="508" creationId="{00000000-0000-0000-0000-000000000000}"/>
+          </ac:spMkLst>
+        </pc:spChg>
+      </pc:sldChg>
+      <pc:sldChg chg="modSp">
+        <pc:chgData name="Noyan, Alican" userId="S::noyan.a@buas.nl::f2106684-872a-4b1d-b983-18c991c41330" providerId="AD" clId="Web-{037D34F7-EC4E-2F26-974D-063F39B79A4A}" dt="2023-01-31T12:17:43.040" v="10" actId="20577"/>
+        <pc:sldMkLst>
+          <pc:docMk/>
+          <pc:sldMk cId="0" sldId="298"/>
+        </pc:sldMkLst>
+        <pc:spChg chg="mod">
+          <ac:chgData name="Noyan, Alican" userId="S::noyan.a@buas.nl::f2106684-872a-4b1d-b983-18c991c41330" providerId="AD" clId="Web-{037D34F7-EC4E-2F26-974D-063F39B79A4A}" dt="2023-01-31T12:17:43.040" v="10" actId="20577"/>
+          <ac:spMkLst>
+            <pc:docMk/>
+            <pc:sldMk cId="0" sldId="298"/>
+            <ac:spMk id="515" creationId="{00000000-0000-0000-0000-000000000000}"/>
+          </ac:spMkLst>
+        </pc:spChg>
+      </pc:sldChg>
+    </pc:docChg>
+  </pc:docChgLst>
+  <pc:docChgLst>
     <pc:chgData name="Engering, Elisabeth (210811)" userId="S::210811@buas.nl::e0321fa4-dab0-47ff-8663-e63a5ebcb72c" providerId="AD" clId="Web-{FCE27AD3-2A2C-486D-9BD5-2B0AE5F79050}"/>
     <pc:docChg chg="modSld">
       <pc:chgData name="Engering, Elisabeth (210811)" userId="S::210811@buas.nl::e0321fa4-dab0-47ff-8663-e63a5ebcb72c" providerId="AD" clId="Web-{FCE27AD3-2A2C-486D-9BD5-2B0AE5F79050}" dt="2021-10-22T09:47:28.281" v="1" actId="20577"/>
@@ -503,48 +653,731 @@
     </pc:docChg>
   </pc:docChgLst>
   <pc:docChgLst>
-    <pc:chgData name="Kozlova, Zhanna" userId="S::kozlova.z@buas.nl::8d63d5a7-3991-4693-b13a-8e2a489aa357" providerId="AD" clId="Web-{CCDE9E4E-5D09-4395-A348-E3BF5775B480}"/>
-    <pc:docChg chg="modSld">
-      <pc:chgData name="Kozlova, Zhanna" userId="S::kozlova.z@buas.nl::8d63d5a7-3991-4693-b13a-8e2a489aa357" providerId="AD" clId="Web-{CCDE9E4E-5D09-4395-A348-E3BF5775B480}" dt="2021-09-17T15:01:29.178" v="173" actId="20577"/>
+    <pc:chgData name="Biswas, Abhishek" userId="S::biswas.a@buas.nl::fb8d240a-d551-4b24-ab9a-9862bbc79dd8" providerId="AD" clId="Web-{AD121B51-E0ED-4064-B3F3-5BF26986F106}"/>
+    <pc:docChg chg="">
+      <pc:chgData name="Biswas, Abhishek" userId="S::biswas.a@buas.nl::fb8d240a-d551-4b24-ab9a-9862bbc79dd8" providerId="AD" clId="Web-{AD121B51-E0ED-4064-B3F3-5BF26986F106}" dt="2021-10-12T08:22:19.306" v="0"/>
+      <pc:docMkLst>
+        <pc:docMk/>
+      </pc:docMkLst>
+      <pc:sldChg chg="addCm">
+        <pc:chgData name="Biswas, Abhishek" userId="S::biswas.a@buas.nl::fb8d240a-d551-4b24-ab9a-9862bbc79dd8" providerId="AD" clId="Web-{AD121B51-E0ED-4064-B3F3-5BF26986F106}" dt="2021-10-12T08:22:19.306" v="0"/>
+        <pc:sldMkLst>
+          <pc:docMk/>
+          <pc:sldMk cId="0" sldId="282"/>
+        </pc:sldMkLst>
+      </pc:sldChg>
+    </pc:docChg>
+  </pc:docChgLst>
+  <pc:docChgLst>
+    <pc:chgData name="Noyan, Alican" userId="S::noyan.a@buas.nl::f2106684-872a-4b1d-b983-18c991c41330" providerId="AD" clId="Web-{F6992F49-5864-5155-C852-4A8C5CD986C0}"/>
+    <pc:docChg chg="addSld delSld modSld">
+      <pc:chgData name="Noyan, Alican" userId="S::noyan.a@buas.nl::f2106684-872a-4b1d-b983-18c991c41330" providerId="AD" clId="Web-{F6992F49-5864-5155-C852-4A8C5CD986C0}" dt="2023-02-03T13:38:01.257" v="239" actId="20577"/>
       <pc:docMkLst>
         <pc:docMk/>
       </pc:docMkLst>
       <pc:sldChg chg="modSp">
-        <pc:chgData name="Kozlova, Zhanna" userId="S::kozlova.z@buas.nl::8d63d5a7-3991-4693-b13a-8e2a489aa357" providerId="AD" clId="Web-{CCDE9E4E-5D09-4395-A348-E3BF5775B480}" dt="2021-09-17T15:01:29.178" v="173" actId="20577"/>
+        <pc:chgData name="Noyan, Alican" userId="S::noyan.a@buas.nl::f2106684-872a-4b1d-b983-18c991c41330" providerId="AD" clId="Web-{F6992F49-5864-5155-C852-4A8C5CD986C0}" dt="2023-02-03T13:21:40.892" v="58" actId="20577"/>
         <pc:sldMkLst>
           <pc:docMk/>
-          <pc:sldMk cId="0" sldId="265"/>
+          <pc:sldMk cId="0" sldId="258"/>
         </pc:sldMkLst>
         <pc:spChg chg="mod">
-          <ac:chgData name="Kozlova, Zhanna" userId="S::kozlova.z@buas.nl::8d63d5a7-3991-4693-b13a-8e2a489aa357" providerId="AD" clId="Web-{CCDE9E4E-5D09-4395-A348-E3BF5775B480}" dt="2021-09-17T15:01:29.178" v="173" actId="20577"/>
+          <ac:chgData name="Noyan, Alican" userId="S::noyan.a@buas.nl::f2106684-872a-4b1d-b983-18c991c41330" providerId="AD" clId="Web-{F6992F49-5864-5155-C852-4A8C5CD986C0}" dt="2023-02-03T13:19:44.639" v="38" actId="20577"/>
           <ac:spMkLst>
             <pc:docMk/>
-            <pc:sldMk cId="0" sldId="265"/>
-            <ac:spMk id="174" creationId="{00000000-0000-0000-0000-000000000000}"/>
+            <pc:sldMk cId="0" sldId="258"/>
+            <ac:spMk id="109" creationId="{00000000-0000-0000-0000-000000000000}"/>
+          </ac:spMkLst>
+        </pc:spChg>
+        <pc:spChg chg="mod">
+          <ac:chgData name="Noyan, Alican" userId="S::noyan.a@buas.nl::f2106684-872a-4b1d-b983-18c991c41330" providerId="AD" clId="Web-{F6992F49-5864-5155-C852-4A8C5CD986C0}" dt="2023-02-03T13:21:40.892" v="58" actId="20577"/>
+          <ac:spMkLst>
+            <pc:docMk/>
+            <pc:sldMk cId="0" sldId="258"/>
+            <ac:spMk id="110" creationId="{00000000-0000-0000-0000-000000000000}"/>
           </ac:spMkLst>
         </pc:spChg>
       </pc:sldChg>
-    </pc:docChg>
-  </pc:docChgLst>
-  <pc:docChgLst>
-    <pc:chgData name="Blerck, Irene van" userId="S::blerck.i@buas.nl::a459afc0-a645-4902-97f4-db4ffab93732" providerId="AD" clId="Web-{342B10AE-9F51-4A99-9205-98D06BBEA5D7}"/>
-    <pc:docChg chg="modSld">
-      <pc:chgData name="Blerck, Irene van" userId="S::blerck.i@buas.nl::a459afc0-a645-4902-97f4-db4ffab93732" providerId="AD" clId="Web-{342B10AE-9F51-4A99-9205-98D06BBEA5D7}" dt="2021-09-17T14:30:21.170" v="13" actId="20577"/>
-      <pc:docMkLst>
-        <pc:docMk/>
-      </pc:docMkLst>
       <pc:sldChg chg="modSp">
-        <pc:chgData name="Blerck, Irene van" userId="S::blerck.i@buas.nl::a459afc0-a645-4902-97f4-db4ffab93732" providerId="AD" clId="Web-{342B10AE-9F51-4A99-9205-98D06BBEA5D7}" dt="2021-09-17T14:30:21.170" v="13" actId="20577"/>
+        <pc:chgData name="Noyan, Alican" userId="S::noyan.a@buas.nl::f2106684-872a-4b1d-b983-18c991c41330" providerId="AD" clId="Web-{F6992F49-5864-5155-C852-4A8C5CD986C0}" dt="2023-02-03T13:22:11.783" v="64" actId="20577"/>
         <pc:sldMkLst>
           <pc:docMk/>
-          <pc:sldMk cId="0" sldId="265"/>
+          <pc:sldMk cId="0" sldId="264"/>
         </pc:sldMkLst>
         <pc:spChg chg="mod">
-          <ac:chgData name="Blerck, Irene van" userId="S::blerck.i@buas.nl::a459afc0-a645-4902-97f4-db4ffab93732" providerId="AD" clId="Web-{342B10AE-9F51-4A99-9205-98D06BBEA5D7}" dt="2021-09-17T14:30:21.170" v="13" actId="20577"/>
+          <ac:chgData name="Noyan, Alican" userId="S::noyan.a@buas.nl::f2106684-872a-4b1d-b983-18c991c41330" providerId="AD" clId="Web-{F6992F49-5864-5155-C852-4A8C5CD986C0}" dt="2023-02-03T13:22:11.783" v="64" actId="20577"/>
           <ac:spMkLst>
             <pc:docMk/>
-            <pc:sldMk cId="0" sldId="265"/>
-            <ac:spMk id="174" creationId="{00000000-0000-0000-0000-000000000000}"/>
+            <pc:sldMk cId="0" sldId="264"/>
+            <ac:spMk id="165" creationId="{00000000-0000-0000-0000-000000000000}"/>
+          </ac:spMkLst>
+        </pc:spChg>
+      </pc:sldChg>
+      <pc:sldChg chg="modSp">
+        <pc:chgData name="Noyan, Alican" userId="S::noyan.a@buas.nl::f2106684-872a-4b1d-b983-18c991c41330" providerId="AD" clId="Web-{F6992F49-5864-5155-C852-4A8C5CD986C0}" dt="2023-02-03T13:22:19.580" v="65" actId="20577"/>
+        <pc:sldMkLst>
+          <pc:docMk/>
+          <pc:sldMk cId="0" sldId="268"/>
+        </pc:sldMkLst>
+        <pc:spChg chg="mod">
+          <ac:chgData name="Noyan, Alican" userId="S::noyan.a@buas.nl::f2106684-872a-4b1d-b983-18c991c41330" providerId="AD" clId="Web-{F6992F49-5864-5155-C852-4A8C5CD986C0}" dt="2023-02-03T13:22:19.580" v="65" actId="20577"/>
+          <ac:spMkLst>
+            <pc:docMk/>
+            <pc:sldMk cId="0" sldId="268"/>
+            <ac:spMk id="207" creationId="{00000000-0000-0000-0000-000000000000}"/>
+          </ac:spMkLst>
+        </pc:spChg>
+      </pc:sldChg>
+      <pc:sldChg chg="modSp">
+        <pc:chgData name="Noyan, Alican" userId="S::noyan.a@buas.nl::f2106684-872a-4b1d-b983-18c991c41330" providerId="AD" clId="Web-{F6992F49-5864-5155-C852-4A8C5CD986C0}" dt="2023-02-03T13:22:26.362" v="66" actId="20577"/>
+        <pc:sldMkLst>
+          <pc:docMk/>
+          <pc:sldMk cId="0" sldId="270"/>
+        </pc:sldMkLst>
+        <pc:spChg chg="mod">
+          <ac:chgData name="Noyan, Alican" userId="S::noyan.a@buas.nl::f2106684-872a-4b1d-b983-18c991c41330" providerId="AD" clId="Web-{F6992F49-5864-5155-C852-4A8C5CD986C0}" dt="2023-02-03T13:22:26.362" v="66" actId="20577"/>
+          <ac:spMkLst>
+            <pc:docMk/>
+            <pc:sldMk cId="0" sldId="270"/>
+            <ac:spMk id="228" creationId="{00000000-0000-0000-0000-000000000000}"/>
+          </ac:spMkLst>
+        </pc:spChg>
+      </pc:sldChg>
+      <pc:sldChg chg="modSp">
+        <pc:chgData name="Noyan, Alican" userId="S::noyan.a@buas.nl::f2106684-872a-4b1d-b983-18c991c41330" providerId="AD" clId="Web-{F6992F49-5864-5155-C852-4A8C5CD986C0}" dt="2023-02-03T13:22:30.627" v="67" actId="20577"/>
+        <pc:sldMkLst>
+          <pc:docMk/>
+          <pc:sldMk cId="0" sldId="271"/>
+        </pc:sldMkLst>
+        <pc:spChg chg="mod">
+          <ac:chgData name="Noyan, Alican" userId="S::noyan.a@buas.nl::f2106684-872a-4b1d-b983-18c991c41330" providerId="AD" clId="Web-{F6992F49-5864-5155-C852-4A8C5CD986C0}" dt="2023-02-03T13:22:30.627" v="67" actId="20577"/>
+          <ac:spMkLst>
+            <pc:docMk/>
+            <pc:sldMk cId="0" sldId="271"/>
+            <ac:spMk id="240" creationId="{00000000-0000-0000-0000-000000000000}"/>
+          </ac:spMkLst>
+        </pc:spChg>
+      </pc:sldChg>
+      <pc:sldChg chg="modSp">
+        <pc:chgData name="Noyan, Alican" userId="S::noyan.a@buas.nl::f2106684-872a-4b1d-b983-18c991c41330" providerId="AD" clId="Web-{F6992F49-5864-5155-C852-4A8C5CD986C0}" dt="2023-02-03T13:34:21.690" v="187" actId="20577"/>
+        <pc:sldMkLst>
+          <pc:docMk/>
+          <pc:sldMk cId="0" sldId="283"/>
+        </pc:sldMkLst>
+        <pc:spChg chg="mod">
+          <ac:chgData name="Noyan, Alican" userId="S::noyan.a@buas.nl::f2106684-872a-4b1d-b983-18c991c41330" providerId="AD" clId="Web-{F6992F49-5864-5155-C852-4A8C5CD986C0}" dt="2023-02-03T13:34:18.565" v="185" actId="20577"/>
+          <ac:spMkLst>
+            <pc:docMk/>
+            <pc:sldMk cId="0" sldId="283"/>
+            <ac:spMk id="364" creationId="{00000000-0000-0000-0000-000000000000}"/>
+          </ac:spMkLst>
+        </pc:spChg>
+        <pc:spChg chg="mod">
+          <ac:chgData name="Noyan, Alican" userId="S::noyan.a@buas.nl::f2106684-872a-4b1d-b983-18c991c41330" providerId="AD" clId="Web-{F6992F49-5864-5155-C852-4A8C5CD986C0}" dt="2023-02-03T13:34:21.690" v="187" actId="20577"/>
+          <ac:spMkLst>
+            <pc:docMk/>
+            <pc:sldMk cId="0" sldId="283"/>
+            <ac:spMk id="365" creationId="{00000000-0000-0000-0000-000000000000}"/>
+          </ac:spMkLst>
+        </pc:spChg>
+      </pc:sldChg>
+      <pc:sldChg chg="modSp">
+        <pc:chgData name="Noyan, Alican" userId="S::noyan.a@buas.nl::f2106684-872a-4b1d-b983-18c991c41330" providerId="AD" clId="Web-{F6992F49-5864-5155-C852-4A8C5CD986C0}" dt="2023-02-03T13:37:26.897" v="227" actId="20577"/>
+        <pc:sldMkLst>
+          <pc:docMk/>
+          <pc:sldMk cId="0" sldId="286"/>
+        </pc:sldMkLst>
+        <pc:spChg chg="mod">
+          <ac:chgData name="Noyan, Alican" userId="S::noyan.a@buas.nl::f2106684-872a-4b1d-b983-18c991c41330" providerId="AD" clId="Web-{F6992F49-5864-5155-C852-4A8C5CD986C0}" dt="2023-02-03T13:37:26.897" v="227" actId="20577"/>
+          <ac:spMkLst>
+            <pc:docMk/>
+            <pc:sldMk cId="0" sldId="286"/>
+            <ac:spMk id="394" creationId="{00000000-0000-0000-0000-000000000000}"/>
+          </ac:spMkLst>
+        </pc:spChg>
+        <pc:spChg chg="mod">
+          <ac:chgData name="Noyan, Alican" userId="S::noyan.a@buas.nl::f2106684-872a-4b1d-b983-18c991c41330" providerId="AD" clId="Web-{F6992F49-5864-5155-C852-4A8C5CD986C0}" dt="2023-02-03T13:35:25.363" v="194" actId="20577"/>
+          <ac:spMkLst>
+            <pc:docMk/>
+            <pc:sldMk cId="0" sldId="286"/>
+            <ac:spMk id="397" creationId="{00000000-0000-0000-0000-000000000000}"/>
+          </ac:spMkLst>
+        </pc:spChg>
+        <pc:spChg chg="mod">
+          <ac:chgData name="Noyan, Alican" userId="S::noyan.a@buas.nl::f2106684-872a-4b1d-b983-18c991c41330" providerId="AD" clId="Web-{F6992F49-5864-5155-C852-4A8C5CD986C0}" dt="2023-02-03T13:35:25.254" v="193" actId="20577"/>
+          <ac:spMkLst>
+            <pc:docMk/>
+            <pc:sldMk cId="0" sldId="286"/>
+            <ac:spMk id="398" creationId="{00000000-0000-0000-0000-000000000000}"/>
+          </ac:spMkLst>
+        </pc:spChg>
+        <pc:spChg chg="mod">
+          <ac:chgData name="Noyan, Alican" userId="S::noyan.a@buas.nl::f2106684-872a-4b1d-b983-18c991c41330" providerId="AD" clId="Web-{F6992F49-5864-5155-C852-4A8C5CD986C0}" dt="2023-02-03T13:34:56.784" v="191" actId="20577"/>
+          <ac:spMkLst>
+            <pc:docMk/>
+            <pc:sldMk cId="0" sldId="286"/>
+            <ac:spMk id="399" creationId="{00000000-0000-0000-0000-000000000000}"/>
+          </ac:spMkLst>
+        </pc:spChg>
+      </pc:sldChg>
+      <pc:sldChg chg="modSp">
+        <pc:chgData name="Noyan, Alican" userId="S::noyan.a@buas.nl::f2106684-872a-4b1d-b983-18c991c41330" providerId="AD" clId="Web-{F6992F49-5864-5155-C852-4A8C5CD986C0}" dt="2023-02-03T13:37:35.725" v="229" actId="20577"/>
+        <pc:sldMkLst>
+          <pc:docMk/>
+          <pc:sldMk cId="0" sldId="292"/>
+        </pc:sldMkLst>
+        <pc:spChg chg="mod">
+          <ac:chgData name="Noyan, Alican" userId="S::noyan.a@buas.nl::f2106684-872a-4b1d-b983-18c991c41330" providerId="AD" clId="Web-{F6992F49-5864-5155-C852-4A8C5CD986C0}" dt="2023-02-03T13:37:35.725" v="229" actId="20577"/>
+          <ac:spMkLst>
+            <pc:docMk/>
+            <pc:sldMk cId="0" sldId="292"/>
+            <ac:spMk id="457" creationId="{00000000-0000-0000-0000-000000000000}"/>
+          </ac:spMkLst>
+        </pc:spChg>
+        <pc:spChg chg="mod">
+          <ac:chgData name="Noyan, Alican" userId="S::noyan.a@buas.nl::f2106684-872a-4b1d-b983-18c991c41330" providerId="AD" clId="Web-{F6992F49-5864-5155-C852-4A8C5CD986C0}" dt="2023-02-03T13:36:18.114" v="215" actId="20577"/>
+          <ac:spMkLst>
+            <pc:docMk/>
+            <pc:sldMk cId="0" sldId="292"/>
+            <ac:spMk id="459" creationId="{00000000-0000-0000-0000-000000000000}"/>
+          </ac:spMkLst>
+        </pc:spChg>
+        <pc:spChg chg="mod">
+          <ac:chgData name="Noyan, Alican" userId="S::noyan.a@buas.nl::f2106684-872a-4b1d-b983-18c991c41330" providerId="AD" clId="Web-{F6992F49-5864-5155-C852-4A8C5CD986C0}" dt="2023-02-03T13:36:37.990" v="226" actId="20577"/>
+          <ac:spMkLst>
+            <pc:docMk/>
+            <pc:sldMk cId="0" sldId="292"/>
+            <ac:spMk id="460" creationId="{00000000-0000-0000-0000-000000000000}"/>
+          </ac:spMkLst>
+        </pc:spChg>
+        <pc:spChg chg="mod">
+          <ac:chgData name="Noyan, Alican" userId="S::noyan.a@buas.nl::f2106684-872a-4b1d-b983-18c991c41330" providerId="AD" clId="Web-{F6992F49-5864-5155-C852-4A8C5CD986C0}" dt="2023-02-03T13:36:33.771" v="225" actId="20577"/>
+          <ac:spMkLst>
+            <pc:docMk/>
+            <pc:sldMk cId="0" sldId="292"/>
+            <ac:spMk id="461" creationId="{00000000-0000-0000-0000-000000000000}"/>
+          </ac:spMkLst>
+        </pc:spChg>
+        <pc:spChg chg="mod">
+          <ac:chgData name="Noyan, Alican" userId="S::noyan.a@buas.nl::f2106684-872a-4b1d-b983-18c991c41330" providerId="AD" clId="Web-{F6992F49-5864-5155-C852-4A8C5CD986C0}" dt="2023-02-03T13:36:31.240" v="224" actId="20577"/>
+          <ac:spMkLst>
+            <pc:docMk/>
+            <pc:sldMk cId="0" sldId="292"/>
+            <ac:spMk id="462" creationId="{00000000-0000-0000-0000-000000000000}"/>
+          </ac:spMkLst>
+        </pc:spChg>
+      </pc:sldChg>
+      <pc:sldChg chg="modSp">
+        <pc:chgData name="Noyan, Alican" userId="S::noyan.a@buas.nl::f2106684-872a-4b1d-b983-18c991c41330" providerId="AD" clId="Web-{F6992F49-5864-5155-C852-4A8C5CD986C0}" dt="2023-02-03T13:25:27.459" v="90" actId="20577"/>
+        <pc:sldMkLst>
+          <pc:docMk/>
+          <pc:sldMk cId="0" sldId="293"/>
+        </pc:sldMkLst>
+        <pc:spChg chg="mod">
+          <ac:chgData name="Noyan, Alican" userId="S::noyan.a@buas.nl::f2106684-872a-4b1d-b983-18c991c41330" providerId="AD" clId="Web-{F6992F49-5864-5155-C852-4A8C5CD986C0}" dt="2023-02-03T13:24:52.099" v="87" actId="20577"/>
+          <ac:spMkLst>
+            <pc:docMk/>
+            <pc:sldMk cId="0" sldId="293"/>
+            <ac:spMk id="468" creationId="{00000000-0000-0000-0000-000000000000}"/>
+          </ac:spMkLst>
+        </pc:spChg>
+        <pc:spChg chg="mod">
+          <ac:chgData name="Noyan, Alican" userId="S::noyan.a@buas.nl::f2106684-872a-4b1d-b983-18c991c41330" providerId="AD" clId="Web-{F6992F49-5864-5155-C852-4A8C5CD986C0}" dt="2023-02-03T13:25:27.459" v="90" actId="20577"/>
+          <ac:spMkLst>
+            <pc:docMk/>
+            <pc:sldMk cId="0" sldId="293"/>
+            <ac:spMk id="469" creationId="{00000000-0000-0000-0000-000000000000}"/>
+          </ac:spMkLst>
+        </pc:spChg>
+      </pc:sldChg>
+      <pc:sldChg chg="modSp">
+        <pc:chgData name="Noyan, Alican" userId="S::noyan.a@buas.nl::f2106684-872a-4b1d-b983-18c991c41330" providerId="AD" clId="Web-{F6992F49-5864-5155-C852-4A8C5CD986C0}" dt="2023-02-03T13:37:43.194" v="232" actId="20577"/>
+        <pc:sldMkLst>
+          <pc:docMk/>
+          <pc:sldMk cId="0" sldId="294"/>
+        </pc:sldMkLst>
+        <pc:spChg chg="mod">
+          <ac:chgData name="Noyan, Alican" userId="S::noyan.a@buas.nl::f2106684-872a-4b1d-b983-18c991c41330" providerId="AD" clId="Web-{F6992F49-5864-5155-C852-4A8C5CD986C0}" dt="2023-02-03T13:26:41.211" v="102" actId="20577"/>
+          <ac:spMkLst>
+            <pc:docMk/>
+            <pc:sldMk cId="0" sldId="294"/>
+            <ac:spMk id="4" creationId="{4B1AFA75-0BFC-2AF2-8AED-33D45D7F8644}"/>
+          </ac:spMkLst>
+        </pc:spChg>
+        <pc:spChg chg="mod">
+          <ac:chgData name="Noyan, Alican" userId="S::noyan.a@buas.nl::f2106684-872a-4b1d-b983-18c991c41330" providerId="AD" clId="Web-{F6992F49-5864-5155-C852-4A8C5CD986C0}" dt="2023-02-03T13:26:07.960" v="93" actId="20577"/>
+          <ac:spMkLst>
+            <pc:docMk/>
+            <pc:sldMk cId="0" sldId="294"/>
+            <ac:spMk id="8" creationId="{DE8B85CC-86BE-FFBA-5E25-9E5D1318CD48}"/>
+          </ac:spMkLst>
+        </pc:spChg>
+        <pc:spChg chg="mod">
+          <ac:chgData name="Noyan, Alican" userId="S::noyan.a@buas.nl::f2106684-872a-4b1d-b983-18c991c41330" providerId="AD" clId="Web-{F6992F49-5864-5155-C852-4A8C5CD986C0}" dt="2023-02-03T13:37:43.194" v="232" actId="20577"/>
+          <ac:spMkLst>
+            <pc:docMk/>
+            <pc:sldMk cId="0" sldId="294"/>
+            <ac:spMk id="476" creationId="{00000000-0000-0000-0000-000000000000}"/>
+          </ac:spMkLst>
+        </pc:spChg>
+        <pc:spChg chg="mod">
+          <ac:chgData name="Noyan, Alican" userId="S::noyan.a@buas.nl::f2106684-872a-4b1d-b983-18c991c41330" providerId="AD" clId="Web-{F6992F49-5864-5155-C852-4A8C5CD986C0}" dt="2023-02-03T13:26:03.913" v="91" actId="20577"/>
+          <ac:spMkLst>
+            <pc:docMk/>
+            <pc:sldMk cId="0" sldId="294"/>
+            <ac:spMk id="480" creationId="{00000000-0000-0000-0000-000000000000}"/>
+          </ac:spMkLst>
+        </pc:spChg>
+      </pc:sldChg>
+      <pc:sldChg chg="modSp">
+        <pc:chgData name="Noyan, Alican" userId="S::noyan.a@buas.nl::f2106684-872a-4b1d-b983-18c991c41330" providerId="AD" clId="Web-{F6992F49-5864-5155-C852-4A8C5CD986C0}" dt="2023-02-03T13:27:19.899" v="125" actId="20577"/>
+        <pc:sldMkLst>
+          <pc:docMk/>
+          <pc:sldMk cId="4111561620" sldId="299"/>
+        </pc:sldMkLst>
+        <pc:spChg chg="mod">
+          <ac:chgData name="Noyan, Alican" userId="S::noyan.a@buas.nl::f2106684-872a-4b1d-b983-18c991c41330" providerId="AD" clId="Web-{F6992F49-5864-5155-C852-4A8C5CD986C0}" dt="2023-02-03T13:26:55.758" v="108" actId="20577"/>
+          <ac:spMkLst>
+            <pc:docMk/>
+            <pc:sldMk cId="4111561620" sldId="299"/>
+            <ac:spMk id="468" creationId="{00000000-0000-0000-0000-000000000000}"/>
+          </ac:spMkLst>
+        </pc:spChg>
+        <pc:spChg chg="mod">
+          <ac:chgData name="Noyan, Alican" userId="S::noyan.a@buas.nl::f2106684-872a-4b1d-b983-18c991c41330" providerId="AD" clId="Web-{F6992F49-5864-5155-C852-4A8C5CD986C0}" dt="2023-02-03T13:27:19.899" v="125" actId="20577"/>
+          <ac:spMkLst>
+            <pc:docMk/>
+            <pc:sldMk cId="4111561620" sldId="299"/>
+            <ac:spMk id="469" creationId="{00000000-0000-0000-0000-000000000000}"/>
+          </ac:spMkLst>
+        </pc:spChg>
+      </pc:sldChg>
+      <pc:sldChg chg="addSp modSp">
+        <pc:chgData name="Noyan, Alican" userId="S::noyan.a@buas.nl::f2106684-872a-4b1d-b983-18c991c41330" providerId="AD" clId="Web-{F6992F49-5864-5155-C852-4A8C5CD986C0}" dt="2023-02-03T13:37:49.273" v="235" actId="20577"/>
+        <pc:sldMkLst>
+          <pc:docMk/>
+          <pc:sldMk cId="3889067802" sldId="300"/>
+        </pc:sldMkLst>
+        <pc:spChg chg="mod">
+          <ac:chgData name="Noyan, Alican" userId="S::noyan.a@buas.nl::f2106684-872a-4b1d-b983-18c991c41330" providerId="AD" clId="Web-{F6992F49-5864-5155-C852-4A8C5CD986C0}" dt="2023-02-03T13:27:53.337" v="135" actId="20577"/>
+          <ac:spMkLst>
+            <pc:docMk/>
+            <pc:sldMk cId="3889067802" sldId="300"/>
+            <ac:spMk id="2" creationId="{0DF68E2A-4FDB-D5FA-06F1-F3DB970B9CD1}"/>
+          </ac:spMkLst>
+        </pc:spChg>
+        <pc:spChg chg="add mod">
+          <ac:chgData name="Noyan, Alican" userId="S::noyan.a@buas.nl::f2106684-872a-4b1d-b983-18c991c41330" providerId="AD" clId="Web-{F6992F49-5864-5155-C852-4A8C5CD986C0}" dt="2023-02-03T13:28:20.526" v="138" actId="20577"/>
+          <ac:spMkLst>
+            <pc:docMk/>
+            <pc:sldMk cId="3889067802" sldId="300"/>
+            <ac:spMk id="4" creationId="{DF712CDF-A13F-0749-18B9-BB5188306C34}"/>
+          </ac:spMkLst>
+        </pc:spChg>
+        <pc:spChg chg="mod">
+          <ac:chgData name="Noyan, Alican" userId="S::noyan.a@buas.nl::f2106684-872a-4b1d-b983-18c991c41330" providerId="AD" clId="Web-{F6992F49-5864-5155-C852-4A8C5CD986C0}" dt="2023-02-03T13:37:49.273" v="235" actId="20577"/>
+          <ac:spMkLst>
+            <pc:docMk/>
+            <pc:sldMk cId="3889067802" sldId="300"/>
+            <ac:spMk id="476" creationId="{00000000-0000-0000-0000-000000000000}"/>
+          </ac:spMkLst>
+        </pc:spChg>
+        <pc:spChg chg="mod">
+          <ac:chgData name="Noyan, Alican" userId="S::noyan.a@buas.nl::f2106684-872a-4b1d-b983-18c991c41330" providerId="AD" clId="Web-{F6992F49-5864-5155-C852-4A8C5CD986C0}" dt="2023-02-03T13:27:29.087" v="126" actId="20577"/>
+          <ac:spMkLst>
+            <pc:docMk/>
+            <pc:sldMk cId="3889067802" sldId="300"/>
+            <ac:spMk id="479" creationId="{00000000-0000-0000-0000-000000000000}"/>
+          </ac:spMkLst>
+        </pc:spChg>
+        <pc:spChg chg="mod">
+          <ac:chgData name="Noyan, Alican" userId="S::noyan.a@buas.nl::f2106684-872a-4b1d-b983-18c991c41330" providerId="AD" clId="Web-{F6992F49-5864-5155-C852-4A8C5CD986C0}" dt="2023-02-03T13:28:24.838" v="139" actId="20577"/>
+          <ac:spMkLst>
+            <pc:docMk/>
+            <pc:sldMk cId="3889067802" sldId="300"/>
+            <ac:spMk id="480" creationId="{00000000-0000-0000-0000-000000000000}"/>
+          </ac:spMkLst>
+        </pc:spChg>
+      </pc:sldChg>
+      <pc:sldChg chg="modSp">
+        <pc:chgData name="Noyan, Alican" userId="S::noyan.a@buas.nl::f2106684-872a-4b1d-b983-18c991c41330" providerId="AD" clId="Web-{F6992F49-5864-5155-C852-4A8C5CD986C0}" dt="2023-02-03T13:22:46.018" v="71" actId="20577"/>
+        <pc:sldMkLst>
+          <pc:docMk/>
+          <pc:sldMk cId="2683140886" sldId="308"/>
+        </pc:sldMkLst>
+        <pc:spChg chg="mod">
+          <ac:chgData name="Noyan, Alican" userId="S::noyan.a@buas.nl::f2106684-872a-4b1d-b983-18c991c41330" providerId="AD" clId="Web-{F6992F49-5864-5155-C852-4A8C5CD986C0}" dt="2023-02-03T13:22:46.018" v="71" actId="20577"/>
+          <ac:spMkLst>
+            <pc:docMk/>
+            <pc:sldMk cId="2683140886" sldId="308"/>
+            <ac:spMk id="228" creationId="{00000000-0000-0000-0000-000000000000}"/>
+          </ac:spMkLst>
+        </pc:spChg>
+      </pc:sldChg>
+      <pc:sldChg chg="modSp">
+        <pc:chgData name="Noyan, Alican" userId="S::noyan.a@buas.nl::f2106684-872a-4b1d-b983-18c991c41330" providerId="AD" clId="Web-{F6992F49-5864-5155-C852-4A8C5CD986C0}" dt="2023-02-03T13:23:03.019" v="75" actId="20577"/>
+        <pc:sldMkLst>
+          <pc:docMk/>
+          <pc:sldMk cId="2397875895" sldId="311"/>
+        </pc:sldMkLst>
+        <pc:spChg chg="mod">
+          <ac:chgData name="Noyan, Alican" userId="S::noyan.a@buas.nl::f2106684-872a-4b1d-b983-18c991c41330" providerId="AD" clId="Web-{F6992F49-5864-5155-C852-4A8C5CD986C0}" dt="2023-02-03T13:23:03.019" v="75" actId="20577"/>
+          <ac:spMkLst>
+            <pc:docMk/>
+            <pc:sldMk cId="2397875895" sldId="311"/>
+            <ac:spMk id="240" creationId="{00000000-0000-0000-0000-000000000000}"/>
+          </ac:spMkLst>
+        </pc:spChg>
+      </pc:sldChg>
+      <pc:sldChg chg="modSp">
+        <pc:chgData name="Noyan, Alican" userId="S::noyan.a@buas.nl::f2106684-872a-4b1d-b983-18c991c41330" providerId="AD" clId="Web-{F6992F49-5864-5155-C852-4A8C5CD986C0}" dt="2023-02-03T13:36:06.005" v="213" actId="20577"/>
+        <pc:sldMkLst>
+          <pc:docMk/>
+          <pc:sldMk cId="0" sldId="315"/>
+        </pc:sldMkLst>
+        <pc:spChg chg="mod">
+          <ac:chgData name="Noyan, Alican" userId="S::noyan.a@buas.nl::f2106684-872a-4b1d-b983-18c991c41330" providerId="AD" clId="Web-{F6992F49-5864-5155-C852-4A8C5CD986C0}" dt="2023-02-03T13:35:52.520" v="211" actId="20577"/>
+          <ac:spMkLst>
+            <pc:docMk/>
+            <pc:sldMk cId="0" sldId="315"/>
+            <ac:spMk id="364" creationId="{00000000-0000-0000-0000-000000000000}"/>
+          </ac:spMkLst>
+        </pc:spChg>
+        <pc:spChg chg="mod">
+          <ac:chgData name="Noyan, Alican" userId="S::noyan.a@buas.nl::f2106684-872a-4b1d-b983-18c991c41330" providerId="AD" clId="Web-{F6992F49-5864-5155-C852-4A8C5CD986C0}" dt="2023-02-03T13:36:06.005" v="213" actId="20577"/>
+          <ac:spMkLst>
+            <pc:docMk/>
+            <pc:sldMk cId="0" sldId="315"/>
+            <ac:spMk id="365" creationId="{00000000-0000-0000-0000-000000000000}"/>
+          </ac:spMkLst>
+        </pc:spChg>
+      </pc:sldChg>
+      <pc:sldChg chg="modSp">
+        <pc:chgData name="Noyan, Alican" userId="S::noyan.a@buas.nl::f2106684-872a-4b1d-b983-18c991c41330" providerId="AD" clId="Web-{F6992F49-5864-5155-C852-4A8C5CD986C0}" dt="2023-02-03T13:22:35.924" v="69" actId="20577"/>
+        <pc:sldMkLst>
+          <pc:docMk/>
+          <pc:sldMk cId="3399973339" sldId="324"/>
+        </pc:sldMkLst>
+        <pc:spChg chg="mod">
+          <ac:chgData name="Noyan, Alican" userId="S::noyan.a@buas.nl::f2106684-872a-4b1d-b983-18c991c41330" providerId="AD" clId="Web-{F6992F49-5864-5155-C852-4A8C5CD986C0}" dt="2023-02-03T13:22:35.924" v="69" actId="20577"/>
+          <ac:spMkLst>
+            <pc:docMk/>
+            <pc:sldMk cId="3399973339" sldId="324"/>
+            <ac:spMk id="228" creationId="{00000000-0000-0000-0000-000000000000}"/>
+          </ac:spMkLst>
+        </pc:spChg>
+      </pc:sldChg>
+      <pc:sldChg chg="modSp">
+        <pc:chgData name="Noyan, Alican" userId="S::noyan.a@buas.nl::f2106684-872a-4b1d-b983-18c991c41330" providerId="AD" clId="Web-{F6992F49-5864-5155-C852-4A8C5CD986C0}" dt="2023-02-03T13:22:41.065" v="70" actId="20577"/>
+        <pc:sldMkLst>
+          <pc:docMk/>
+          <pc:sldMk cId="3366952028" sldId="325"/>
+        </pc:sldMkLst>
+        <pc:spChg chg="mod">
+          <ac:chgData name="Noyan, Alican" userId="S::noyan.a@buas.nl::f2106684-872a-4b1d-b983-18c991c41330" providerId="AD" clId="Web-{F6992F49-5864-5155-C852-4A8C5CD986C0}" dt="2023-02-03T13:22:41.065" v="70" actId="20577"/>
+          <ac:spMkLst>
+            <pc:docMk/>
+            <pc:sldMk cId="3366952028" sldId="325"/>
+            <ac:spMk id="240" creationId="{00000000-0000-0000-0000-000000000000}"/>
+          </ac:spMkLst>
+        </pc:spChg>
+      </pc:sldChg>
+      <pc:sldChg chg="modSp">
+        <pc:chgData name="Noyan, Alican" userId="S::noyan.a@buas.nl::f2106684-872a-4b1d-b983-18c991c41330" providerId="AD" clId="Web-{F6992F49-5864-5155-C852-4A8C5CD986C0}" dt="2023-02-03T13:22:49.846" v="72" actId="20577"/>
+        <pc:sldMkLst>
+          <pc:docMk/>
+          <pc:sldMk cId="1600689614" sldId="326"/>
+        </pc:sldMkLst>
+        <pc:spChg chg="mod">
+          <ac:chgData name="Noyan, Alican" userId="S::noyan.a@buas.nl::f2106684-872a-4b1d-b983-18c991c41330" providerId="AD" clId="Web-{F6992F49-5864-5155-C852-4A8C5CD986C0}" dt="2023-02-03T13:22:49.846" v="72" actId="20577"/>
+          <ac:spMkLst>
+            <pc:docMk/>
+            <pc:sldMk cId="1600689614" sldId="326"/>
+            <ac:spMk id="240" creationId="{00000000-0000-0000-0000-000000000000}"/>
+          </ac:spMkLst>
+        </pc:spChg>
+      </pc:sldChg>
+      <pc:sldChg chg="modSp">
+        <pc:chgData name="Noyan, Alican" userId="S::noyan.a@buas.nl::f2106684-872a-4b1d-b983-18c991c41330" providerId="AD" clId="Web-{F6992F49-5864-5155-C852-4A8C5CD986C0}" dt="2023-02-03T13:22:55.690" v="73" actId="20577"/>
+        <pc:sldMkLst>
+          <pc:docMk/>
+          <pc:sldMk cId="2423163008" sldId="327"/>
+        </pc:sldMkLst>
+        <pc:spChg chg="mod">
+          <ac:chgData name="Noyan, Alican" userId="S::noyan.a@buas.nl::f2106684-872a-4b1d-b983-18c991c41330" providerId="AD" clId="Web-{F6992F49-5864-5155-C852-4A8C5CD986C0}" dt="2023-02-03T13:22:55.690" v="73" actId="20577"/>
+          <ac:spMkLst>
+            <pc:docMk/>
+            <pc:sldMk cId="2423163008" sldId="327"/>
+            <ac:spMk id="228" creationId="{00000000-0000-0000-0000-000000000000}"/>
+          </ac:spMkLst>
+        </pc:spChg>
+      </pc:sldChg>
+      <pc:sldChg chg="modSp">
+        <pc:chgData name="Noyan, Alican" userId="S::noyan.a@buas.nl::f2106684-872a-4b1d-b983-18c991c41330" providerId="AD" clId="Web-{F6992F49-5864-5155-C852-4A8C5CD986C0}" dt="2023-02-03T13:23:07.253" v="76" actId="20577"/>
+        <pc:sldMkLst>
+          <pc:docMk/>
+          <pc:sldMk cId="902546621" sldId="328"/>
+        </pc:sldMkLst>
+        <pc:spChg chg="mod">
+          <ac:chgData name="Noyan, Alican" userId="S::noyan.a@buas.nl::f2106684-872a-4b1d-b983-18c991c41330" providerId="AD" clId="Web-{F6992F49-5864-5155-C852-4A8C5CD986C0}" dt="2023-02-03T13:23:07.253" v="76" actId="20577"/>
+          <ac:spMkLst>
+            <pc:docMk/>
+            <pc:sldMk cId="902546621" sldId="328"/>
+            <ac:spMk id="228" creationId="{00000000-0000-0000-0000-000000000000}"/>
+          </ac:spMkLst>
+        </pc:spChg>
+      </pc:sldChg>
+      <pc:sldChg chg="modSp">
+        <pc:chgData name="Noyan, Alican" userId="S::noyan.a@buas.nl::f2106684-872a-4b1d-b983-18c991c41330" providerId="AD" clId="Web-{F6992F49-5864-5155-C852-4A8C5CD986C0}" dt="2023-02-03T13:23:11.816" v="77" actId="20577"/>
+        <pc:sldMkLst>
+          <pc:docMk/>
+          <pc:sldMk cId="628294700" sldId="329"/>
+        </pc:sldMkLst>
+        <pc:spChg chg="mod">
+          <ac:chgData name="Noyan, Alican" userId="S::noyan.a@buas.nl::f2106684-872a-4b1d-b983-18c991c41330" providerId="AD" clId="Web-{F6992F49-5864-5155-C852-4A8C5CD986C0}" dt="2023-02-03T13:23:11.816" v="77" actId="20577"/>
+          <ac:spMkLst>
+            <pc:docMk/>
+            <pc:sldMk cId="628294700" sldId="329"/>
+            <ac:spMk id="240" creationId="{00000000-0000-0000-0000-000000000000}"/>
+          </ac:spMkLst>
+        </pc:spChg>
+      </pc:sldChg>
+      <pc:sldChg chg="modSp">
+        <pc:chgData name="Noyan, Alican" userId="S::noyan.a@buas.nl::f2106684-872a-4b1d-b983-18c991c41330" providerId="AD" clId="Web-{F6992F49-5864-5155-C852-4A8C5CD986C0}" dt="2023-02-03T13:23:19.066" v="78" actId="20577"/>
+        <pc:sldMkLst>
+          <pc:docMk/>
+          <pc:sldMk cId="4268202112" sldId="331"/>
+        </pc:sldMkLst>
+        <pc:spChg chg="mod">
+          <ac:chgData name="Noyan, Alican" userId="S::noyan.a@buas.nl::f2106684-872a-4b1d-b983-18c991c41330" providerId="AD" clId="Web-{F6992F49-5864-5155-C852-4A8C5CD986C0}" dt="2023-02-03T13:23:19.066" v="78" actId="20577"/>
+          <ac:spMkLst>
+            <pc:docMk/>
+            <pc:sldMk cId="4268202112" sldId="331"/>
+            <ac:spMk id="228" creationId="{00000000-0000-0000-0000-000000000000}"/>
+          </ac:spMkLst>
+        </pc:spChg>
+      </pc:sldChg>
+      <pc:sldChg chg="modSp">
+        <pc:chgData name="Noyan, Alican" userId="S::noyan.a@buas.nl::f2106684-872a-4b1d-b983-18c991c41330" providerId="AD" clId="Web-{F6992F49-5864-5155-C852-4A8C5CD986C0}" dt="2023-02-03T13:23:24.410" v="79" actId="20577"/>
+        <pc:sldMkLst>
+          <pc:docMk/>
+          <pc:sldMk cId="3657977742" sldId="332"/>
+        </pc:sldMkLst>
+        <pc:spChg chg="mod">
+          <ac:chgData name="Noyan, Alican" userId="S::noyan.a@buas.nl::f2106684-872a-4b1d-b983-18c991c41330" providerId="AD" clId="Web-{F6992F49-5864-5155-C852-4A8C5CD986C0}" dt="2023-02-03T13:23:24.410" v="79" actId="20577"/>
+          <ac:spMkLst>
+            <pc:docMk/>
+            <pc:sldMk cId="3657977742" sldId="332"/>
+            <ac:spMk id="240" creationId="{00000000-0000-0000-0000-000000000000}"/>
+          </ac:spMkLst>
+        </pc:spChg>
+      </pc:sldChg>
+      <pc:sldChg chg="del">
+        <pc:chgData name="Noyan, Alican" userId="S::noyan.a@buas.nl::f2106684-872a-4b1d-b983-18c991c41330" providerId="AD" clId="Web-{F6992F49-5864-5155-C852-4A8C5CD986C0}" dt="2023-02-03T13:35:39.957" v="195"/>
+        <pc:sldMkLst>
+          <pc:docMk/>
+          <pc:sldMk cId="157747600" sldId="335"/>
+        </pc:sldMkLst>
+      </pc:sldChg>
+      <pc:sldChg chg="del">
+        <pc:chgData name="Noyan, Alican" userId="S::noyan.a@buas.nl::f2106684-872a-4b1d-b983-18c991c41330" providerId="AD" clId="Web-{F6992F49-5864-5155-C852-4A8C5CD986C0}" dt="2023-02-03T13:26:16.257" v="94"/>
+        <pc:sldMkLst>
+          <pc:docMk/>
+          <pc:sldMk cId="1502408490" sldId="336"/>
+        </pc:sldMkLst>
+      </pc:sldChg>
+      <pc:sldChg chg="modSp add replId">
+        <pc:chgData name="Noyan, Alican" userId="S::noyan.a@buas.nl::f2106684-872a-4b1d-b983-18c991c41330" providerId="AD" clId="Web-{F6992F49-5864-5155-C852-4A8C5CD986C0}" dt="2023-02-03T13:37:56.304" v="238" actId="20577"/>
+        <pc:sldMkLst>
+          <pc:docMk/>
+          <pc:sldMk cId="2690218867" sldId="336"/>
+        </pc:sldMkLst>
+        <pc:spChg chg="mod">
+          <ac:chgData name="Noyan, Alican" userId="S::noyan.a@buas.nl::f2106684-872a-4b1d-b983-18c991c41330" providerId="AD" clId="Web-{F6992F49-5864-5155-C852-4A8C5CD986C0}" dt="2023-02-03T13:30:27.200" v="161" actId="14100"/>
+          <ac:spMkLst>
+            <pc:docMk/>
+            <pc:sldMk cId="2690218867" sldId="336"/>
+            <ac:spMk id="2" creationId="{0DF68E2A-4FDB-D5FA-06F1-F3DB970B9CD1}"/>
+          </ac:spMkLst>
+        </pc:spChg>
+        <pc:spChg chg="mod">
+          <ac:chgData name="Noyan, Alican" userId="S::noyan.a@buas.nl::f2106684-872a-4b1d-b983-18c991c41330" providerId="AD" clId="Web-{F6992F49-5864-5155-C852-4A8C5CD986C0}" dt="2023-02-03T13:30:24.528" v="160" actId="20577"/>
+          <ac:spMkLst>
+            <pc:docMk/>
+            <pc:sldMk cId="2690218867" sldId="336"/>
+            <ac:spMk id="4" creationId="{DF712CDF-A13F-0749-18B9-BB5188306C34}"/>
+          </ac:spMkLst>
+        </pc:spChg>
+        <pc:spChg chg="mod">
+          <ac:chgData name="Noyan, Alican" userId="S::noyan.a@buas.nl::f2106684-872a-4b1d-b983-18c991c41330" providerId="AD" clId="Web-{F6992F49-5864-5155-C852-4A8C5CD986C0}" dt="2023-02-03T13:29:58.543" v="157" actId="20577"/>
+          <ac:spMkLst>
+            <pc:docMk/>
+            <pc:sldMk cId="2690218867" sldId="336"/>
+            <ac:spMk id="475" creationId="{00000000-0000-0000-0000-000000000000}"/>
+          </ac:spMkLst>
+        </pc:spChg>
+        <pc:spChg chg="mod">
+          <ac:chgData name="Noyan, Alican" userId="S::noyan.a@buas.nl::f2106684-872a-4b1d-b983-18c991c41330" providerId="AD" clId="Web-{F6992F49-5864-5155-C852-4A8C5CD986C0}" dt="2023-02-03T13:37:56.304" v="238" actId="20577"/>
+          <ac:spMkLst>
+            <pc:docMk/>
+            <pc:sldMk cId="2690218867" sldId="336"/>
+            <ac:spMk id="476" creationId="{00000000-0000-0000-0000-000000000000}"/>
+          </ac:spMkLst>
+        </pc:spChg>
+        <pc:spChg chg="mod">
+          <ac:chgData name="Noyan, Alican" userId="S::noyan.a@buas.nl::f2106684-872a-4b1d-b983-18c991c41330" providerId="AD" clId="Web-{F6992F49-5864-5155-C852-4A8C5CD986C0}" dt="2023-02-03T13:29:54.778" v="156" actId="20577"/>
+          <ac:spMkLst>
+            <pc:docMk/>
+            <pc:sldMk cId="2690218867" sldId="336"/>
+            <ac:spMk id="479" creationId="{00000000-0000-0000-0000-000000000000}"/>
+          </ac:spMkLst>
+        </pc:spChg>
+        <pc:spChg chg="mod">
+          <ac:chgData name="Noyan, Alican" userId="S::noyan.a@buas.nl::f2106684-872a-4b1d-b983-18c991c41330" providerId="AD" clId="Web-{F6992F49-5864-5155-C852-4A8C5CD986C0}" dt="2023-02-03T13:30:37.716" v="164" actId="20577"/>
+          <ac:spMkLst>
+            <pc:docMk/>
+            <pc:sldMk cId="2690218867" sldId="336"/>
+            <ac:spMk id="480" creationId="{00000000-0000-0000-0000-000000000000}"/>
+          </ac:spMkLst>
+        </pc:spChg>
+      </pc:sldChg>
+      <pc:sldChg chg="del">
+        <pc:chgData name="Noyan, Alican" userId="S::noyan.a@buas.nl::f2106684-872a-4b1d-b983-18c991c41330" providerId="AD" clId="Web-{F6992F49-5864-5155-C852-4A8C5CD986C0}" dt="2023-02-03T13:28:38.370" v="140"/>
+        <pc:sldMkLst>
+          <pc:docMk/>
+          <pc:sldMk cId="2961102828" sldId="337"/>
+        </pc:sldMkLst>
+      </pc:sldChg>
+      <pc:sldChg chg="modSp add replId">
+        <pc:chgData name="Noyan, Alican" userId="S::noyan.a@buas.nl::f2106684-872a-4b1d-b983-18c991c41330" providerId="AD" clId="Web-{F6992F49-5864-5155-C852-4A8C5CD986C0}" dt="2023-02-03T13:29:42.387" v="155" actId="20577"/>
+        <pc:sldMkLst>
+          <pc:docMk/>
+          <pc:sldMk cId="4035082316" sldId="337"/>
+        </pc:sldMkLst>
+        <pc:spChg chg="mod">
+          <ac:chgData name="Noyan, Alican" userId="S::noyan.a@buas.nl::f2106684-872a-4b1d-b983-18c991c41330" providerId="AD" clId="Web-{F6992F49-5864-5155-C852-4A8C5CD986C0}" dt="2023-02-03T13:29:02.730" v="145" actId="20577"/>
+          <ac:spMkLst>
+            <pc:docMk/>
+            <pc:sldMk cId="4035082316" sldId="337"/>
+            <ac:spMk id="467" creationId="{00000000-0000-0000-0000-000000000000}"/>
+          </ac:spMkLst>
+        </pc:spChg>
+        <pc:spChg chg="mod">
+          <ac:chgData name="Noyan, Alican" userId="S::noyan.a@buas.nl::f2106684-872a-4b1d-b983-18c991c41330" providerId="AD" clId="Web-{F6992F49-5864-5155-C852-4A8C5CD986C0}" dt="2023-02-03T13:29:16.011" v="151" actId="20577"/>
+          <ac:spMkLst>
+            <pc:docMk/>
+            <pc:sldMk cId="4035082316" sldId="337"/>
+            <ac:spMk id="468" creationId="{00000000-0000-0000-0000-000000000000}"/>
+          </ac:spMkLst>
+        </pc:spChg>
+        <pc:spChg chg="mod">
+          <ac:chgData name="Noyan, Alican" userId="S::noyan.a@buas.nl::f2106684-872a-4b1d-b983-18c991c41330" providerId="AD" clId="Web-{F6992F49-5864-5155-C852-4A8C5CD986C0}" dt="2023-02-03T13:29:37.246" v="153" actId="20577"/>
+          <ac:spMkLst>
+            <pc:docMk/>
+            <pc:sldMk cId="4035082316" sldId="337"/>
+            <ac:spMk id="469" creationId="{00000000-0000-0000-0000-000000000000}"/>
+          </ac:spMkLst>
+        </pc:spChg>
+        <pc:spChg chg="mod">
+          <ac:chgData name="Noyan, Alican" userId="S::noyan.a@buas.nl::f2106684-872a-4b1d-b983-18c991c41330" providerId="AD" clId="Web-{F6992F49-5864-5155-C852-4A8C5CD986C0}" dt="2023-02-03T13:29:42.387" v="155" actId="20577"/>
+          <ac:spMkLst>
+            <pc:docMk/>
+            <pc:sldMk cId="4035082316" sldId="337"/>
+            <ac:spMk id="470" creationId="{00000000-0000-0000-0000-000000000000}"/>
+          </ac:spMkLst>
+        </pc:spChg>
+      </pc:sldChg>
+      <pc:sldChg chg="modSp add replId">
+        <pc:chgData name="Noyan, Alican" userId="S::noyan.a@buas.nl::f2106684-872a-4b1d-b983-18c991c41330" providerId="AD" clId="Web-{F6992F49-5864-5155-C852-4A8C5CD986C0}" dt="2023-02-03T13:38:01.257" v="239" actId="20577"/>
+        <pc:sldMkLst>
+          <pc:docMk/>
+          <pc:sldMk cId="282750339" sldId="338"/>
+        </pc:sldMkLst>
+        <pc:spChg chg="mod">
+          <ac:chgData name="Noyan, Alican" userId="S::noyan.a@buas.nl::f2106684-872a-4b1d-b983-18c991c41330" providerId="AD" clId="Web-{F6992F49-5864-5155-C852-4A8C5CD986C0}" dt="2023-02-03T13:31:32.420" v="180" actId="14100"/>
+          <ac:spMkLst>
+            <pc:docMk/>
+            <pc:sldMk cId="282750339" sldId="338"/>
+            <ac:spMk id="2" creationId="{0DF68E2A-4FDB-D5FA-06F1-F3DB970B9CD1}"/>
+          </ac:spMkLst>
+        </pc:spChg>
+        <pc:spChg chg="mod">
+          <ac:chgData name="Noyan, Alican" userId="S::noyan.a@buas.nl::f2106684-872a-4b1d-b983-18c991c41330" providerId="AD" clId="Web-{F6992F49-5864-5155-C852-4A8C5CD986C0}" dt="2023-02-03T13:31:23.217" v="174" actId="20577"/>
+          <ac:spMkLst>
+            <pc:docMk/>
+            <pc:sldMk cId="282750339" sldId="338"/>
+            <ac:spMk id="4" creationId="{DF712CDF-A13F-0749-18B9-BB5188306C34}"/>
+          </ac:spMkLst>
+        </pc:spChg>
+        <pc:spChg chg="mod">
+          <ac:chgData name="Noyan, Alican" userId="S::noyan.a@buas.nl::f2106684-872a-4b1d-b983-18c991c41330" providerId="AD" clId="Web-{F6992F49-5864-5155-C852-4A8C5CD986C0}" dt="2023-02-03T13:31:37.233" v="181" actId="20577"/>
+          <ac:spMkLst>
+            <pc:docMk/>
+            <pc:sldMk cId="282750339" sldId="338"/>
+            <ac:spMk id="475" creationId="{00000000-0000-0000-0000-000000000000}"/>
+          </ac:spMkLst>
+        </pc:spChg>
+        <pc:spChg chg="mod">
+          <ac:chgData name="Noyan, Alican" userId="S::noyan.a@buas.nl::f2106684-872a-4b1d-b983-18c991c41330" providerId="AD" clId="Web-{F6992F49-5864-5155-C852-4A8C5CD986C0}" dt="2023-02-03T13:38:01.257" v="239" actId="20577"/>
+          <ac:spMkLst>
+            <pc:docMk/>
+            <pc:sldMk cId="282750339" sldId="338"/>
+            <ac:spMk id="476" creationId="{00000000-0000-0000-0000-000000000000}"/>
+          </ac:spMkLst>
+        </pc:spChg>
+        <pc:spChg chg="mod">
+          <ac:chgData name="Noyan, Alican" userId="S::noyan.a@buas.nl::f2106684-872a-4b1d-b983-18c991c41330" providerId="AD" clId="Web-{F6992F49-5864-5155-C852-4A8C5CD986C0}" dt="2023-02-03T13:31:40.343" v="182" actId="20577"/>
+          <ac:spMkLst>
+            <pc:docMk/>
+            <pc:sldMk cId="282750339" sldId="338"/>
+            <ac:spMk id="479" creationId="{00000000-0000-0000-0000-000000000000}"/>
+          </ac:spMkLst>
+        </pc:spChg>
+        <pc:spChg chg="mod">
+          <ac:chgData name="Noyan, Alican" userId="S::noyan.a@buas.nl::f2106684-872a-4b1d-b983-18c991c41330" providerId="AD" clId="Web-{F6992F49-5864-5155-C852-4A8C5CD986C0}" dt="2023-02-03T13:31:15.076" v="172" actId="20577"/>
+          <ac:spMkLst>
+            <pc:docMk/>
+            <pc:sldMk cId="282750339" sldId="338"/>
+            <ac:spMk id="480" creationId="{00000000-0000-0000-0000-000000000000}"/>
+          </ac:spMkLst>
+        </pc:spChg>
+      </pc:sldChg>
+      <pc:sldChg chg="modSp add replId">
+        <pc:chgData name="Noyan, Alican" userId="S::noyan.a@buas.nl::f2106684-872a-4b1d-b983-18c991c41330" providerId="AD" clId="Web-{F6992F49-5864-5155-C852-4A8C5CD986C0}" dt="2023-02-03T13:31:11.701" v="171" actId="20577"/>
+        <pc:sldMkLst>
+          <pc:docMk/>
+          <pc:sldMk cId="3949445347" sldId="339"/>
+        </pc:sldMkLst>
+        <pc:spChg chg="mod">
+          <ac:chgData name="Noyan, Alican" userId="S::noyan.a@buas.nl::f2106684-872a-4b1d-b983-18c991c41330" providerId="AD" clId="Web-{F6992F49-5864-5155-C852-4A8C5CD986C0}" dt="2023-02-03T13:30:58.013" v="168" actId="20577"/>
+          <ac:spMkLst>
+            <pc:docMk/>
+            <pc:sldMk cId="3949445347" sldId="339"/>
+            <ac:spMk id="467" creationId="{00000000-0000-0000-0000-000000000000}"/>
+          </ac:spMkLst>
+        </pc:spChg>
+        <pc:spChg chg="mod">
+          <ac:chgData name="Noyan, Alican" userId="S::noyan.a@buas.nl::f2106684-872a-4b1d-b983-18c991c41330" providerId="AD" clId="Web-{F6992F49-5864-5155-C852-4A8C5CD986C0}" dt="2023-02-03T13:31:08.826" v="170" actId="20577"/>
+          <ac:spMkLst>
+            <pc:docMk/>
+            <pc:sldMk cId="3949445347" sldId="339"/>
+            <ac:spMk id="468" creationId="{00000000-0000-0000-0000-000000000000}"/>
+          </ac:spMkLst>
+        </pc:spChg>
+        <pc:spChg chg="mod">
+          <ac:chgData name="Noyan, Alican" userId="S::noyan.a@buas.nl::f2106684-872a-4b1d-b983-18c991c41330" providerId="AD" clId="Web-{F6992F49-5864-5155-C852-4A8C5CD986C0}" dt="2023-02-03T13:31:11.701" v="171" actId="20577"/>
+          <ac:spMkLst>
+            <pc:docMk/>
+            <pc:sldMk cId="3949445347" sldId="339"/>
+            <ac:spMk id="469" creationId="{00000000-0000-0000-0000-000000000000}"/>
+          </ac:spMkLst>
+        </pc:spChg>
+        <pc:spChg chg="mod">
+          <ac:chgData name="Noyan, Alican" userId="S::noyan.a@buas.nl::f2106684-872a-4b1d-b983-18c991c41330" providerId="AD" clId="Web-{F6992F49-5864-5155-C852-4A8C5CD986C0}" dt="2023-02-03T13:30:46.591" v="166" actId="20577"/>
+          <ac:spMkLst>
+            <pc:docMk/>
+            <pc:sldMk cId="3949445347" sldId="339"/>
+            <ac:spMk id="470" creationId="{00000000-0000-0000-0000-000000000000}"/>
           </ac:spMkLst>
         </pc:spChg>
       </pc:sldChg>
@@ -1312,64 +2145,48 @@
     </pc:docChg>
   </pc:docChgLst>
   <pc:docChgLst>
-    <pc:chgData name="Heijligers, Bram" userId="S::heijligers.b@buas.nl::5cef929d-ecf9-4fca-bf12-bc5ee065fc99" providerId="AD" clId="Web-{CB69438A-5F84-4332-AEBF-7ECEA1C9D5A5}"/>
+    <pc:chgData name="Blerck, Irene van" userId="S::blerck.i@buas.nl::a459afc0-a645-4902-97f4-db4ffab93732" providerId="AD" clId="Web-{93F31332-918B-45B0-A28E-5082ED56062B}"/>
     <pc:docChg chg="modSld">
-      <pc:chgData name="Heijligers, Bram" userId="S::heijligers.b@buas.nl::5cef929d-ecf9-4fca-bf12-bc5ee065fc99" providerId="AD" clId="Web-{CB69438A-5F84-4332-AEBF-7ECEA1C9D5A5}" dt="2021-10-08T07:37:31.922" v="28" actId="20577"/>
+      <pc:chgData name="Blerck, Irene van" userId="S::blerck.i@buas.nl::a459afc0-a645-4902-97f4-db4ffab93732" providerId="AD" clId="Web-{93F31332-918B-45B0-A28E-5082ED56062B}" dt="2021-09-17T14:25:59.778" v="24" actId="20577"/>
       <pc:docMkLst>
         <pc:docMk/>
       </pc:docMkLst>
       <pc:sldChg chg="modSp">
-        <pc:chgData name="Heijligers, Bram" userId="S::heijligers.b@buas.nl::5cef929d-ecf9-4fca-bf12-bc5ee065fc99" providerId="AD" clId="Web-{CB69438A-5F84-4332-AEBF-7ECEA1C9D5A5}" dt="2021-10-08T07:37:31.922" v="28" actId="20577"/>
+        <pc:chgData name="Blerck, Irene van" userId="S::blerck.i@buas.nl::a459afc0-a645-4902-97f4-db4ffab93732" providerId="AD" clId="Web-{93F31332-918B-45B0-A28E-5082ED56062B}" dt="2021-09-17T14:25:59.778" v="24" actId="20577"/>
         <pc:sldMkLst>
           <pc:docMk/>
-          <pc:sldMk cId="0" sldId="269"/>
+          <pc:sldMk cId="0" sldId="265"/>
         </pc:sldMkLst>
         <pc:spChg chg="mod">
-          <ac:chgData name="Heijligers, Bram" userId="S::heijligers.b@buas.nl::5cef929d-ecf9-4fca-bf12-bc5ee065fc99" providerId="AD" clId="Web-{CB69438A-5F84-4332-AEBF-7ECEA1C9D5A5}" dt="2021-10-08T07:37:31.922" v="28" actId="20577"/>
+          <ac:chgData name="Blerck, Irene van" userId="S::blerck.i@buas.nl::a459afc0-a645-4902-97f4-db4ffab93732" providerId="AD" clId="Web-{93F31332-918B-45B0-A28E-5082ED56062B}" dt="2021-09-17T14:25:59.778" v="24" actId="20577"/>
           <ac:spMkLst>
             <pc:docMk/>
-            <pc:sldMk cId="0" sldId="269"/>
-            <ac:spMk id="216" creationId="{00000000-0000-0000-0000-000000000000}"/>
+            <pc:sldMk cId="0" sldId="265"/>
+            <ac:spMk id="174" creationId="{00000000-0000-0000-0000-000000000000}"/>
           </ac:spMkLst>
         </pc:spChg>
       </pc:sldChg>
     </pc:docChg>
   </pc:docChgLst>
   <pc:docChgLst>
-    <pc:chgData name="Biswas, Abhishek" userId="S::biswas.a@buas.nl::fb8d240a-d551-4b24-ab9a-9862bbc79dd8" providerId="AD" clId="Web-{AD121B51-E0ED-4064-B3F3-5BF26986F106}"/>
-    <pc:docChg chg="">
-      <pc:chgData name="Biswas, Abhishek" userId="S::biswas.a@buas.nl::fb8d240a-d551-4b24-ab9a-9862bbc79dd8" providerId="AD" clId="Web-{AD121B51-E0ED-4064-B3F3-5BF26986F106}" dt="2021-10-12T08:22:19.306" v="0"/>
-      <pc:docMkLst>
-        <pc:docMk/>
-      </pc:docMkLst>
-      <pc:sldChg chg="addCm">
-        <pc:chgData name="Biswas, Abhishek" userId="S::biswas.a@buas.nl::fb8d240a-d551-4b24-ab9a-9862bbc79dd8" providerId="AD" clId="Web-{AD121B51-E0ED-4064-B3F3-5BF26986F106}" dt="2021-10-12T08:22:19.306" v="0"/>
-        <pc:sldMkLst>
-          <pc:docMk/>
-          <pc:sldMk cId="0" sldId="282"/>
-        </pc:sldMkLst>
-      </pc:sldChg>
-    </pc:docChg>
-  </pc:docChgLst>
-  <pc:docChgLst>
-    <pc:chgData name="Bhushan, Nitin" userId="S::bhushan.n@buas.nl::b70ad1ac-80f8-452d-97e3-49086ae68978" providerId="AD" clId="Web-{2C351369-646F-4408-9DA0-A3C9314D39E3}"/>
+    <pc:chgData name="Kozlova, Zhanna" userId="S::kozlova.z@buas.nl::8d63d5a7-3991-4693-b13a-8e2a489aa357" providerId="AD" clId="Web-{CCDE9E4E-5D09-4395-A348-E3BF5775B480}"/>
     <pc:docChg chg="modSld">
-      <pc:chgData name="Bhushan, Nitin" userId="S::bhushan.n@buas.nl::b70ad1ac-80f8-452d-97e3-49086ae68978" providerId="AD" clId="Web-{2C351369-646F-4408-9DA0-A3C9314D39E3}" dt="2021-11-04T15:12:24.104" v="34" actId="20577"/>
+      <pc:chgData name="Kozlova, Zhanna" userId="S::kozlova.z@buas.nl::8d63d5a7-3991-4693-b13a-8e2a489aa357" providerId="AD" clId="Web-{CCDE9E4E-5D09-4395-A348-E3BF5775B480}" dt="2021-09-17T15:01:29.178" v="173" actId="20577"/>
       <pc:docMkLst>
         <pc:docMk/>
       </pc:docMkLst>
       <pc:sldChg chg="modSp">
-        <pc:chgData name="Bhushan, Nitin" userId="S::bhushan.n@buas.nl::b70ad1ac-80f8-452d-97e3-49086ae68978" providerId="AD" clId="Web-{2C351369-646F-4408-9DA0-A3C9314D39E3}" dt="2021-11-04T15:12:24.104" v="34" actId="20577"/>
+        <pc:chgData name="Kozlova, Zhanna" userId="S::kozlova.z@buas.nl::8d63d5a7-3991-4693-b13a-8e2a489aa357" providerId="AD" clId="Web-{CCDE9E4E-5D09-4395-A348-E3BF5775B480}" dt="2021-09-17T15:01:29.178" v="173" actId="20577"/>
         <pc:sldMkLst>
           <pc:docMk/>
-          <pc:sldMk cId="0" sldId="271"/>
+          <pc:sldMk cId="0" sldId="265"/>
         </pc:sldMkLst>
         <pc:spChg chg="mod">
-          <ac:chgData name="Bhushan, Nitin" userId="S::bhushan.n@buas.nl::b70ad1ac-80f8-452d-97e3-49086ae68978" providerId="AD" clId="Web-{2C351369-646F-4408-9DA0-A3C9314D39E3}" dt="2021-11-04T15:12:24.104" v="34" actId="20577"/>
+          <ac:chgData name="Kozlova, Zhanna" userId="S::kozlova.z@buas.nl::8d63d5a7-3991-4693-b13a-8e2a489aa357" providerId="AD" clId="Web-{CCDE9E4E-5D09-4395-A348-E3BF5775B480}" dt="2021-09-17T15:01:29.178" v="173" actId="20577"/>
           <ac:spMkLst>
             <pc:docMk/>
-            <pc:sldMk cId="0" sldId="271"/>
-            <ac:spMk id="239" creationId="{00000000-0000-0000-0000-000000000000}"/>
+            <pc:sldMk cId="0" sldId="265"/>
+            <ac:spMk id="174" creationId="{00000000-0000-0000-0000-000000000000}"/>
           </ac:spMkLst>
         </pc:spChg>
       </pc:sldChg>
@@ -1378,19 +2195,25 @@
 </pc:chgInfo>
 </file>
 
-<file path=ppt/comments/comment1.xml><?xml version="1.0" encoding="utf-8"?>
-<p:cmLst xmlns:a="http://schemas.openxmlformats.org/drawingml/2006/main" xmlns:r="http://schemas.openxmlformats.org/officeDocument/2006/relationships" xmlns:p="http://schemas.openxmlformats.org/presentationml/2006/main">
-  <p:cm authorId="1" dt="2021-10-12T01:22:19.306" idx="1">
-    <p:pos x="10" y="10"/>
-    <p:text>Start adding content to the ILO slides, atleast ILOs for week 1-5 should be filled up by now. Without content in the ILO slides you run the risk of failing this block. Refer to your Grading rubric for criteria for every ILO and fill in your work progress. You can make use of the Self-Assessment Rubric as well to fill in the ILO criteria you are going for, it will be useful starting point for formative feedback session.
-</p:text>
-    <p:extLst>
-      <p:ext uri="{C676402C-5697-4E1C-873F-D02D1690AC5C}">
-        <p15:threadingInfo xmlns:p15="http://schemas.microsoft.com/office/powerpoint/2012/main" timeZoneBias="420"/>
-      </p:ext>
-    </p:extLst>
-  </p:cm>
-</p:cmLst>
+<file path=ppt/comments/modernComment_11A_0.xml><?xml version="1.0" encoding="utf-8"?>
+<p188:cmLst xmlns:a="http://schemas.openxmlformats.org/drawingml/2006/main" xmlns:r="http://schemas.openxmlformats.org/officeDocument/2006/relationships" xmlns:p188="http://schemas.microsoft.com/office/powerpoint/2018/8/main">
+  <p188:cm id="{80C6CB5E-5BB4-4302-B606-6FB344B927DF}" authorId="{B3F07B12-FAE0-28AD-E538-EEDF72EBCEF7}" created="2023-01-31T12:19:40.247">
+    <pc:sldMkLst xmlns:pc="http://schemas.microsoft.com/office/powerpoint/2013/main/command">
+      <pc:docMk/>
+      <pc:sldMk cId="0" sldId="282"/>
+    </pc:sldMkLst>
+    <p188:txBody>
+      <a:bodyPr/>
+      <a:lstStyle/>
+      <a:p>
+        <a:r>
+          <a:rPr lang="en-US"/>
+          <a:t>[@Heijligers, Bram] I changed the section name from B to C, because previous section was already B. Accordingly, I changed the last section from C to D.</a:t>
+        </a:r>
+      </a:p>
+    </p188:txBody>
+  </p188:cm>
+</p188:cmLst>
 </file>
 
 <file path=ppt/notesMasters/notesMaster1.xml><?xml version="1.0" encoding="utf-8"?>
@@ -3989,7 +4812,7 @@
   <p:cSld>
     <p:spTree>
       <p:nvGrpSpPr>
-        <p:cNvPr id="1" name="Shape 389"/>
+        <p:cNvPr id="1" name="Shape 359"/>
         <p:cNvGrpSpPr/>
         <p:nvPr/>
       </p:nvGrpSpPr>
@@ -4003,7 +4826,7 @@
       </p:grpSpPr>
       <p:sp>
         <p:nvSpPr>
-          <p:cNvPr id="390" name="Google Shape;390;g6b602ea5a7_1_270:notes"/>
+          <p:cNvPr id="360" name="Google Shape;360;g6b4f495656_0_703:notes"/>
           <p:cNvSpPr>
             <a:spLocks noGrp="1" noRot="1" noChangeAspect="1"/>
           </p:cNvSpPr>
@@ -4044,7 +4867,7 @@
       </p:sp>
       <p:sp>
         <p:nvSpPr>
-          <p:cNvPr id="391" name="Google Shape;391;g6b602ea5a7_1_270:notes"/>
+          <p:cNvPr id="361" name="Google Shape;361;g6b4f495656_0_703:notes"/>
           <p:cNvSpPr txBox="1">
             <a:spLocks noGrp="1"/>
           </p:cNvSpPr>
@@ -4081,11 +4904,6 @@
         </p:txBody>
       </p:sp>
     </p:spTree>
-    <p:extLst>
-      <p:ext uri="{BB962C8B-B14F-4D97-AF65-F5344CB8AC3E}">
-        <p14:creationId xmlns:p14="http://schemas.microsoft.com/office/powerpoint/2010/main" val="852334120"/>
-      </p:ext>
-    </p:extLst>
   </p:cSld>
   <p:clrMapOvr>
     <a:masterClrMapping/>
@@ -4098,7 +4916,7 @@
   <p:cSld>
     <p:spTree>
       <p:nvGrpSpPr>
-        <p:cNvPr id="1" name="Shape 359"/>
+        <p:cNvPr id="1" name="Shape 452"/>
         <p:cNvGrpSpPr/>
         <p:nvPr/>
       </p:nvGrpSpPr>
@@ -4112,7 +4930,7 @@
       </p:grpSpPr>
       <p:sp>
         <p:nvSpPr>
-          <p:cNvPr id="360" name="Google Shape;360;g6b4f495656_0_703:notes"/>
+          <p:cNvPr id="453" name="Google Shape;453;g6b602ea5a7_1_346:notes"/>
           <p:cNvSpPr>
             <a:spLocks noGrp="1" noRot="1" noChangeAspect="1"/>
           </p:cNvSpPr>
@@ -4153,7 +4971,7 @@
       </p:sp>
       <p:sp>
         <p:nvSpPr>
-          <p:cNvPr id="361" name="Google Shape;361;g6b4f495656_0_703:notes"/>
+          <p:cNvPr id="454" name="Google Shape;454;g6b602ea5a7_1_346:notes"/>
           <p:cNvSpPr txBox="1">
             <a:spLocks noGrp="1"/>
           </p:cNvSpPr>
@@ -4306,7 +5124,7 @@
   <p:cSld>
     <p:spTree>
       <p:nvGrpSpPr>
-        <p:cNvPr id="1" name="Shape 452"/>
+        <p:cNvPr id="1" name="Shape 463"/>
         <p:cNvGrpSpPr/>
         <p:nvPr/>
       </p:nvGrpSpPr>
@@ -4320,7 +5138,7 @@
       </p:grpSpPr>
       <p:sp>
         <p:nvSpPr>
-          <p:cNvPr id="453" name="Google Shape;453;g6b602ea5a7_1_346:notes"/>
+          <p:cNvPr id="464" name="Google Shape;464;g6b4f495656_0_721:notes"/>
           <p:cNvSpPr>
             <a:spLocks noGrp="1" noRot="1" noChangeAspect="1"/>
           </p:cNvSpPr>
@@ -4361,7 +5179,7 @@
       </p:sp>
       <p:sp>
         <p:nvSpPr>
-          <p:cNvPr id="454" name="Google Shape;454;g6b602ea5a7_1_346:notes"/>
+          <p:cNvPr id="465" name="Google Shape;465;g6b4f495656_0_721:notes"/>
           <p:cNvSpPr txBox="1">
             <a:spLocks noGrp="1"/>
           </p:cNvSpPr>
@@ -4410,7 +5228,7 @@
   <p:cSld>
     <p:spTree>
       <p:nvGrpSpPr>
-        <p:cNvPr id="1" name="Shape 463"/>
+        <p:cNvPr id="1" name="Shape 471"/>
         <p:cNvGrpSpPr/>
         <p:nvPr/>
       </p:nvGrpSpPr>
@@ -4424,7 +5242,7 @@
       </p:grpSpPr>
       <p:sp>
         <p:nvSpPr>
-          <p:cNvPr id="464" name="Google Shape;464;g6b4f495656_0_721:notes"/>
+          <p:cNvPr id="472" name="Google Shape;472;g6b602ea5a7_1_359:notes"/>
           <p:cNvSpPr>
             <a:spLocks noGrp="1" noRot="1" noChangeAspect="1"/>
           </p:cNvSpPr>
@@ -4465,7 +5283,7 @@
       </p:sp>
       <p:sp>
         <p:nvSpPr>
-          <p:cNvPr id="465" name="Google Shape;465;g6b4f495656_0_721:notes"/>
+          <p:cNvPr id="473" name="Google Shape;473;g6b602ea5a7_1_359:notes"/>
           <p:cNvSpPr txBox="1">
             <a:spLocks noGrp="1"/>
           </p:cNvSpPr>
@@ -4514,7 +5332,7 @@
   <p:cSld>
     <p:spTree>
       <p:nvGrpSpPr>
-        <p:cNvPr id="1" name="Shape 471"/>
+        <p:cNvPr id="1" name="Shape 463"/>
         <p:cNvGrpSpPr/>
         <p:nvPr/>
       </p:nvGrpSpPr>
@@ -4528,7 +5346,7 @@
       </p:grpSpPr>
       <p:sp>
         <p:nvSpPr>
-          <p:cNvPr id="472" name="Google Shape;472;g6b602ea5a7_1_359:notes"/>
+          <p:cNvPr id="464" name="Google Shape;464;g6b4f495656_0_721:notes"/>
           <p:cNvSpPr>
             <a:spLocks noGrp="1" noRot="1" noChangeAspect="1"/>
           </p:cNvSpPr>
@@ -4569,7 +5387,7 @@
       </p:sp>
       <p:sp>
         <p:nvSpPr>
-          <p:cNvPr id="473" name="Google Shape;473;g6b602ea5a7_1_359:notes"/>
+          <p:cNvPr id="465" name="Google Shape;465;g6b4f495656_0_721:notes"/>
           <p:cNvSpPr txBox="1">
             <a:spLocks noGrp="1"/>
           </p:cNvSpPr>
@@ -4606,6 +5424,11 @@
         </p:txBody>
       </p:sp>
     </p:spTree>
+    <p:extLst>
+      <p:ext uri="{BB962C8B-B14F-4D97-AF65-F5344CB8AC3E}">
+        <p14:creationId xmlns:p14="http://schemas.microsoft.com/office/powerpoint/2010/main" val="693897508"/>
+      </p:ext>
+    </p:extLst>
   </p:cSld>
   <p:clrMapOvr>
     <a:masterClrMapping/>
@@ -4712,7 +5535,7 @@
     </p:spTree>
     <p:extLst>
       <p:ext uri="{BB962C8B-B14F-4D97-AF65-F5344CB8AC3E}">
-        <p14:creationId xmlns:p14="http://schemas.microsoft.com/office/powerpoint/2010/main" val="367742365"/>
+        <p14:creationId xmlns:p14="http://schemas.microsoft.com/office/powerpoint/2010/main" val="1393390409"/>
       </p:ext>
     </p:extLst>
   </p:cSld>
@@ -4821,7 +5644,7 @@
     </p:spTree>
     <p:extLst>
       <p:ext uri="{BB962C8B-B14F-4D97-AF65-F5344CB8AC3E}">
-        <p14:creationId xmlns:p14="http://schemas.microsoft.com/office/powerpoint/2010/main" val="693897508"/>
+        <p14:creationId xmlns:p14="http://schemas.microsoft.com/office/powerpoint/2010/main" val="3281039680"/>
       </p:ext>
     </p:extLst>
   </p:cSld>
@@ -4930,7 +5753,7 @@
     </p:spTree>
     <p:extLst>
       <p:ext uri="{BB962C8B-B14F-4D97-AF65-F5344CB8AC3E}">
-        <p14:creationId xmlns:p14="http://schemas.microsoft.com/office/powerpoint/2010/main" val="1393390409"/>
+        <p14:creationId xmlns:p14="http://schemas.microsoft.com/office/powerpoint/2010/main" val="3212499739"/>
       </p:ext>
     </p:extLst>
   </p:cSld>
@@ -4945,7 +5768,7 @@
   <p:cSld>
     <p:spTree>
       <p:nvGrpSpPr>
-        <p:cNvPr id="1" name="Shape 471"/>
+        <p:cNvPr id="1" name="Shape 463"/>
         <p:cNvGrpSpPr/>
         <p:nvPr/>
       </p:nvGrpSpPr>
@@ -4959,7 +5782,7 @@
       </p:grpSpPr>
       <p:sp>
         <p:nvSpPr>
-          <p:cNvPr id="472" name="Google Shape;472;g6b602ea5a7_1_359:notes"/>
+          <p:cNvPr id="464" name="Google Shape;464;g6b4f495656_0_721:notes"/>
           <p:cNvSpPr>
             <a:spLocks noGrp="1" noRot="1" noChangeAspect="1"/>
           </p:cNvSpPr>
@@ -5000,7 +5823,7 @@
       </p:sp>
       <p:sp>
         <p:nvSpPr>
-          <p:cNvPr id="473" name="Google Shape;473;g6b602ea5a7_1_359:notes"/>
+          <p:cNvPr id="465" name="Google Shape;465;g6b4f495656_0_721:notes"/>
           <p:cNvSpPr txBox="1">
             <a:spLocks noGrp="1"/>
           </p:cNvSpPr>
@@ -5039,7 +5862,7 @@
     </p:spTree>
     <p:extLst>
       <p:ext uri="{BB962C8B-B14F-4D97-AF65-F5344CB8AC3E}">
-        <p14:creationId xmlns:p14="http://schemas.microsoft.com/office/powerpoint/2010/main" val="1365483393"/>
+        <p14:creationId xmlns:p14="http://schemas.microsoft.com/office/powerpoint/2010/main" val="2715517668"/>
       </p:ext>
     </p:extLst>
   </p:cSld>
@@ -5054,7 +5877,7 @@
   <p:cSld>
     <p:spTree>
       <p:nvGrpSpPr>
-        <p:cNvPr id="1" name="Shape 463"/>
+        <p:cNvPr id="1" name="Shape 471"/>
         <p:cNvGrpSpPr/>
         <p:nvPr/>
       </p:nvGrpSpPr>
@@ -5068,7 +5891,7 @@
       </p:grpSpPr>
       <p:sp>
         <p:nvSpPr>
-          <p:cNvPr id="464" name="Google Shape;464;g6b4f495656_0_721:notes"/>
+          <p:cNvPr id="472" name="Google Shape;472;g6b602ea5a7_1_359:notes"/>
           <p:cNvSpPr>
             <a:spLocks noGrp="1" noRot="1" noChangeAspect="1"/>
           </p:cNvSpPr>
@@ -5109,7 +5932,7 @@
       </p:sp>
       <p:sp>
         <p:nvSpPr>
-          <p:cNvPr id="465" name="Google Shape;465;g6b4f495656_0_721:notes"/>
+          <p:cNvPr id="473" name="Google Shape;473;g6b602ea5a7_1_359:notes"/>
           <p:cNvSpPr txBox="1">
             <a:spLocks noGrp="1"/>
           </p:cNvSpPr>
@@ -5148,7 +5971,7 @@
     </p:spTree>
     <p:extLst>
       <p:ext uri="{BB962C8B-B14F-4D97-AF65-F5344CB8AC3E}">
-        <p14:creationId xmlns:p14="http://schemas.microsoft.com/office/powerpoint/2010/main" val="2177648033"/>
+        <p14:creationId xmlns:p14="http://schemas.microsoft.com/office/powerpoint/2010/main" val="3263278398"/>
       </p:ext>
     </p:extLst>
   </p:cSld>
@@ -5163,7 +5986,7 @@
   <p:cSld>
     <p:spTree>
       <p:nvGrpSpPr>
-        <p:cNvPr id="1" name="Shape 471"/>
+        <p:cNvPr id="1" name="Shape 463"/>
         <p:cNvGrpSpPr/>
         <p:nvPr/>
       </p:nvGrpSpPr>
@@ -5177,7 +6000,7 @@
       </p:grpSpPr>
       <p:sp>
         <p:nvSpPr>
-          <p:cNvPr id="472" name="Google Shape;472;g6b602ea5a7_1_359:notes"/>
+          <p:cNvPr id="464" name="Google Shape;464;g6b4f495656_0_721:notes"/>
           <p:cNvSpPr>
             <a:spLocks noGrp="1" noRot="1" noChangeAspect="1"/>
           </p:cNvSpPr>
@@ -5218,7 +6041,7 @@
       </p:sp>
       <p:sp>
         <p:nvSpPr>
-          <p:cNvPr id="473" name="Google Shape;473;g6b602ea5a7_1_359:notes"/>
+          <p:cNvPr id="465" name="Google Shape;465;g6b4f495656_0_721:notes"/>
           <p:cNvSpPr txBox="1">
             <a:spLocks noGrp="1"/>
           </p:cNvSpPr>
@@ -5257,7 +6080,7 @@
     </p:spTree>
     <p:extLst>
       <p:ext uri="{BB962C8B-B14F-4D97-AF65-F5344CB8AC3E}">
-        <p14:creationId xmlns:p14="http://schemas.microsoft.com/office/powerpoint/2010/main" val="700268424"/>
+        <p14:creationId xmlns:p14="http://schemas.microsoft.com/office/powerpoint/2010/main" val="2177648033"/>
       </p:ext>
     </p:extLst>
   </p:cSld>
@@ -5272,7 +6095,7 @@
   <p:cSld>
     <p:spTree>
       <p:nvGrpSpPr>
-        <p:cNvPr id="1" name="Shape 493"/>
+        <p:cNvPr id="1" name="Shape 471"/>
         <p:cNvGrpSpPr/>
         <p:nvPr/>
       </p:nvGrpSpPr>
@@ -5286,7 +6109,7 @@
       </p:grpSpPr>
       <p:sp>
         <p:nvSpPr>
-          <p:cNvPr id="494" name="Google Shape;494;g6b4f495656_0_753:notes"/>
+          <p:cNvPr id="472" name="Google Shape;472;g6b602ea5a7_1_359:notes"/>
           <p:cNvSpPr>
             <a:spLocks noGrp="1" noRot="1" noChangeAspect="1"/>
           </p:cNvSpPr>
@@ -5327,7 +6150,7 @@
       </p:sp>
       <p:sp>
         <p:nvSpPr>
-          <p:cNvPr id="495" name="Google Shape;495;g6b4f495656_0_753:notes"/>
+          <p:cNvPr id="473" name="Google Shape;473;g6b602ea5a7_1_359:notes"/>
           <p:cNvSpPr txBox="1">
             <a:spLocks noGrp="1"/>
           </p:cNvSpPr>
@@ -5359,31 +6182,16 @@
               </a:spcAft>
               <a:buNone/>
             </a:pPr>
-            <a:r>
-              <a:rPr lang="en"/>
-              <a:t>MUST BE COMPLETED IN WEEK 8</a:t>
-            </a:r>
             <a:endParaRPr/>
           </a:p>
-          <a:p>
-            <a:pPr marL="0" lvl="0" indent="0" algn="l" rtl="0">
-              <a:spcBef>
-                <a:spcPts val="0"/>
-              </a:spcBef>
-              <a:spcAft>
-                <a:spcPts val="0"/>
-              </a:spcAft>
-              <a:buNone/>
-            </a:pPr>
-            <a:r>
-              <a:rPr lang="en"/>
-              <a:t>Summative reflection on your progress during the block including a critical assessment of everything you did and learned during the block. This is a comprehensive review of everything recorded in Section B, evaluated against the goals and planning laid out in Section A.</a:t>
-            </a:r>
-            <a:endParaRPr/>
-          </a:p>
         </p:txBody>
       </p:sp>
     </p:spTree>
+    <p:extLst>
+      <p:ext uri="{BB962C8B-B14F-4D97-AF65-F5344CB8AC3E}">
+        <p14:creationId xmlns:p14="http://schemas.microsoft.com/office/powerpoint/2010/main" val="700268424"/>
+      </p:ext>
+    </p:extLst>
   </p:cSld>
   <p:clrMapOvr>
     <a:masterClrMapping/>
@@ -5552,7 +6360,7 @@
   <p:cSld>
     <p:spTree>
       <p:nvGrpSpPr>
-        <p:cNvPr id="1" name="Shape 500"/>
+        <p:cNvPr id="1" name="Shape 493"/>
         <p:cNvGrpSpPr/>
         <p:nvPr/>
       </p:nvGrpSpPr>
@@ -5566,7 +6374,7 @@
       </p:grpSpPr>
       <p:sp>
         <p:nvSpPr>
-          <p:cNvPr id="501" name="Google Shape;501;g6b602ea5a7_1_212:notes"/>
+          <p:cNvPr id="494" name="Google Shape;494;g6b4f495656_0_753:notes"/>
           <p:cNvSpPr>
             <a:spLocks noGrp="1" noRot="1" noChangeAspect="1"/>
           </p:cNvSpPr>
@@ -5607,7 +6415,7 @@
       </p:sp>
       <p:sp>
         <p:nvSpPr>
-          <p:cNvPr id="502" name="Google Shape;502;g6b602ea5a7_1_212:notes"/>
+          <p:cNvPr id="495" name="Google Shape;495;g6b4f495656_0_753:notes"/>
           <p:cNvSpPr txBox="1">
             <a:spLocks noGrp="1"/>
           </p:cNvSpPr>
@@ -5639,6 +6447,26 @@
               </a:spcAft>
               <a:buNone/>
             </a:pPr>
+            <a:r>
+              <a:rPr lang="en"/>
+              <a:t>MUST BE COMPLETED IN WEEK 8</a:t>
+            </a:r>
+            <a:endParaRPr/>
+          </a:p>
+          <a:p>
+            <a:pPr marL="0" lvl="0" indent="0" algn="l" rtl="0">
+              <a:spcBef>
+                <a:spcPts val="0"/>
+              </a:spcBef>
+              <a:spcAft>
+                <a:spcPts val="0"/>
+              </a:spcAft>
+              <a:buNone/>
+            </a:pPr>
+            <a:r>
+              <a:rPr lang="en"/>
+              <a:t>Summative reflection on your progress during the block including a critical assessment of everything you did and learned during the block. This is a comprehensive review of everything recorded in Section B, evaluated against the goals and planning laid out in Section A.</a:t>
+            </a:r>
             <a:endParaRPr/>
           </a:p>
         </p:txBody>
@@ -5652,6 +6480,110 @@
 </file>
 
 <file path=ppt/notesSlides/notesSlide41.xml><?xml version="1.0" encoding="utf-8"?>
+<p:notes xmlns:a="http://schemas.openxmlformats.org/drawingml/2006/main" xmlns:r="http://schemas.openxmlformats.org/officeDocument/2006/relationships" xmlns:p="http://schemas.openxmlformats.org/presentationml/2006/main" showMasterSp="0" showMasterPhAnim="0">
+  <p:cSld>
+    <p:spTree>
+      <p:nvGrpSpPr>
+        <p:cNvPr id="1" name="Shape 500"/>
+        <p:cNvGrpSpPr/>
+        <p:nvPr/>
+      </p:nvGrpSpPr>
+      <p:grpSpPr>
+        <a:xfrm>
+          <a:off x="0" y="0"/>
+          <a:ext cx="0" cy="0"/>
+          <a:chOff x="0" y="0"/>
+          <a:chExt cx="0" cy="0"/>
+        </a:xfrm>
+      </p:grpSpPr>
+      <p:sp>
+        <p:nvSpPr>
+          <p:cNvPr id="501" name="Google Shape;501;g6b602ea5a7_1_212:notes"/>
+          <p:cNvSpPr>
+            <a:spLocks noGrp="1" noRot="1" noChangeAspect="1"/>
+          </p:cNvSpPr>
+          <p:nvPr>
+            <p:ph type="sldImg" idx="2"/>
+          </p:nvPr>
+        </p:nvSpPr>
+        <p:spPr>
+          <a:xfrm>
+            <a:off x="381000" y="685800"/>
+            <a:ext cx="6096000" cy="3429000"/>
+          </a:xfrm>
+          <a:custGeom>
+            <a:avLst/>
+            <a:gdLst/>
+            <a:ahLst/>
+            <a:cxnLst/>
+            <a:rect l="l" t="t" r="r" b="b"/>
+            <a:pathLst>
+              <a:path w="120000" h="120000" extrusionOk="0">
+                <a:moveTo>
+                  <a:pt x="0" y="0"/>
+                </a:moveTo>
+                <a:lnTo>
+                  <a:pt x="120000" y="0"/>
+                </a:lnTo>
+                <a:lnTo>
+                  <a:pt x="120000" y="120000"/>
+                </a:lnTo>
+                <a:lnTo>
+                  <a:pt x="0" y="120000"/>
+                </a:lnTo>
+                <a:close/>
+              </a:path>
+            </a:pathLst>
+          </a:custGeom>
+        </p:spPr>
+      </p:sp>
+      <p:sp>
+        <p:nvSpPr>
+          <p:cNvPr id="502" name="Google Shape;502;g6b602ea5a7_1_212:notes"/>
+          <p:cNvSpPr txBox="1">
+            <a:spLocks noGrp="1"/>
+          </p:cNvSpPr>
+          <p:nvPr>
+            <p:ph type="body" idx="1"/>
+          </p:nvPr>
+        </p:nvSpPr>
+        <p:spPr>
+          <a:xfrm>
+            <a:off x="685800" y="4343400"/>
+            <a:ext cx="5486400" cy="4114800"/>
+          </a:xfrm>
+          <a:prstGeom prst="rect">
+            <a:avLst/>
+          </a:prstGeom>
+        </p:spPr>
+        <p:txBody>
+          <a:bodyPr spcFirstLastPara="1" wrap="square" lIns="91425" tIns="91425" rIns="91425" bIns="91425" anchor="t" anchorCtr="0">
+            <a:noAutofit/>
+          </a:bodyPr>
+          <a:lstStyle/>
+          <a:p>
+            <a:pPr marL="0" lvl="0" indent="0" algn="l" rtl="0">
+              <a:spcBef>
+                <a:spcPts val="0"/>
+              </a:spcBef>
+              <a:spcAft>
+                <a:spcPts val="0"/>
+              </a:spcAft>
+              <a:buNone/>
+            </a:pPr>
+            <a:endParaRPr/>
+          </a:p>
+        </p:txBody>
+      </p:sp>
+    </p:spTree>
+  </p:cSld>
+  <p:clrMapOvr>
+    <a:masterClrMapping/>
+  </p:clrMapOvr>
+</p:notes>
+</file>
+
+<file path=ppt/notesSlides/notesSlide42.xml><?xml version="1.0" encoding="utf-8"?>
 <p:notes xmlns:a="http://schemas.openxmlformats.org/drawingml/2006/main" xmlns:r="http://schemas.openxmlformats.org/officeDocument/2006/relationships" xmlns:p="http://schemas.openxmlformats.org/presentationml/2006/main" showMasterSp="0" showMasterPhAnim="0">
   <p:cSld>
     <p:spTree>
@@ -16065,10 +16997,10 @@
               <a:buNone/>
             </a:pPr>
             <a:r>
-              <a:rPr lang="en"/>
-              <a:t>1/3</a:t>
-            </a:r>
-            <a:endParaRPr/>
+              <a:rPr lang="en" dirty="0"/>
+              <a:t>1/2</a:t>
+            </a:r>
+            <a:endParaRPr dirty="0"/>
           </a:p>
         </p:txBody>
       </p:sp>
@@ -16800,10 +17732,10 @@
               <a:buNone/>
             </a:pPr>
             <a:r>
-              <a:rPr lang="en"/>
-              <a:t>1/3</a:t>
-            </a:r>
-            <a:endParaRPr/>
+              <a:rPr lang="en" dirty="0"/>
+              <a:t>1/2</a:t>
+            </a:r>
+            <a:endParaRPr dirty="0"/>
           </a:p>
         </p:txBody>
       </p:sp>
@@ -17104,10 +18036,10 @@
               <a:buNone/>
             </a:pPr>
             <a:r>
-              <a:rPr lang="en"/>
-              <a:t>2/3</a:t>
-            </a:r>
-            <a:endParaRPr/>
+              <a:rPr lang="en" dirty="0"/>
+              <a:t>2/2</a:t>
+            </a:r>
+            <a:endParaRPr dirty="0"/>
           </a:p>
         </p:txBody>
       </p:sp>
@@ -17535,10 +18467,10 @@
               <a:buNone/>
             </a:pPr>
             <a:r>
-              <a:rPr lang="en"/>
-              <a:t>1/3</a:t>
-            </a:r>
-            <a:endParaRPr/>
+              <a:rPr lang="en" dirty="0"/>
+              <a:t>1/2</a:t>
+            </a:r>
+            <a:endParaRPr dirty="0"/>
           </a:p>
         </p:txBody>
       </p:sp>
@@ -17844,10 +18776,10 @@
               <a:buNone/>
             </a:pPr>
             <a:r>
-              <a:rPr lang="en"/>
-              <a:t>2/3</a:t>
-            </a:r>
-            <a:endParaRPr/>
+              <a:rPr lang="en" dirty="0"/>
+              <a:t>2/2</a:t>
+            </a:r>
+            <a:endParaRPr dirty="0"/>
           </a:p>
         </p:txBody>
       </p:sp>
@@ -18280,10 +19212,10 @@
               <a:buNone/>
             </a:pPr>
             <a:r>
-              <a:rPr lang="en"/>
-              <a:t>1/3</a:t>
-            </a:r>
-            <a:endParaRPr/>
+              <a:rPr lang="en" dirty="0"/>
+              <a:t>1/2</a:t>
+            </a:r>
+            <a:endParaRPr dirty="0"/>
           </a:p>
         </p:txBody>
       </p:sp>
@@ -18589,10 +19521,10 @@
               <a:buNone/>
             </a:pPr>
             <a:r>
-              <a:rPr lang="en"/>
-              <a:t>2/3</a:t>
-            </a:r>
-            <a:endParaRPr/>
+              <a:rPr lang="en" dirty="0"/>
+              <a:t>2/2</a:t>
+            </a:r>
+            <a:endParaRPr dirty="0"/>
           </a:p>
         </p:txBody>
       </p:sp>
@@ -19025,10 +19957,10 @@
               <a:buNone/>
             </a:pPr>
             <a:r>
-              <a:rPr lang="en"/>
-              <a:t>1/3</a:t>
-            </a:r>
-            <a:endParaRPr/>
+              <a:rPr lang="en" dirty="0"/>
+              <a:t>1/2</a:t>
+            </a:r>
+            <a:endParaRPr dirty="0"/>
           </a:p>
         </p:txBody>
       </p:sp>
@@ -19590,10 +20522,10 @@
               <a:buNone/>
             </a:pPr>
             <a:r>
-              <a:rPr lang="en"/>
-              <a:t>2/3</a:t>
-            </a:r>
-            <a:endParaRPr/>
+              <a:rPr lang="en" dirty="0"/>
+              <a:t>2/2</a:t>
+            </a:r>
+            <a:endParaRPr dirty="0"/>
           </a:p>
         </p:txBody>
       </p:sp>
@@ -20026,10 +20958,10 @@
               <a:buNone/>
             </a:pPr>
             <a:r>
-              <a:rPr lang="en"/>
-              <a:t>1/3</a:t>
-            </a:r>
-            <a:endParaRPr/>
+              <a:rPr lang="en" dirty="0"/>
+              <a:t>1/2</a:t>
+            </a:r>
+            <a:endParaRPr dirty="0"/>
           </a:p>
         </p:txBody>
       </p:sp>
@@ -20335,10 +21267,10 @@
               <a:buNone/>
             </a:pPr>
             <a:r>
-              <a:rPr lang="en"/>
-              <a:t>2/3</a:t>
-            </a:r>
-            <a:endParaRPr/>
+              <a:rPr lang="en" dirty="0"/>
+              <a:t>2/2</a:t>
+            </a:r>
+            <a:endParaRPr dirty="0"/>
           </a:p>
         </p:txBody>
       </p:sp>
@@ -20771,10 +21703,10 @@
               <a:buNone/>
             </a:pPr>
             <a:r>
-              <a:rPr lang="en"/>
-              <a:t>1/3</a:t>
-            </a:r>
-            <a:endParaRPr/>
+              <a:rPr lang="en" dirty="0"/>
+              <a:t>1/2</a:t>
+            </a:r>
+            <a:endParaRPr dirty="0"/>
           </a:p>
         </p:txBody>
       </p:sp>
@@ -21080,10 +22012,10 @@
               <a:buNone/>
             </a:pPr>
             <a:r>
-              <a:rPr lang="en"/>
-              <a:t>2/3</a:t>
-            </a:r>
-            <a:endParaRPr/>
+              <a:rPr lang="en" dirty="0"/>
+              <a:t>2/2</a:t>
+            </a:r>
+            <a:endParaRPr dirty="0"/>
           </a:p>
         </p:txBody>
       </p:sp>
@@ -21193,14 +22125,14 @@
               <a:buNone/>
             </a:pPr>
             <a:r>
-              <a:rPr lang="en" sz="6000"/>
+              <a:rPr lang="en" sz="6000" dirty="0"/>
               <a:t>Section </a:t>
             </a:r>
             <a:r>
-              <a:rPr lang="en"/>
-              <a:t>B</a:t>
-            </a:r>
-            <a:endParaRPr sz="6000"/>
+              <a:rPr lang="en" dirty="0"/>
+              <a:t>C</a:t>
+            </a:r>
+            <a:endParaRPr sz="6000" dirty="0"/>
           </a:p>
         </p:txBody>
       </p:sp>
@@ -21297,26 +22229,16 @@
               <a:buNone/>
             </a:pPr>
             <a:r>
-              <a:rPr lang="en" sz="40000">
+              <a:rPr lang="en" sz="40000" dirty="0">
                 <a:solidFill>
                   <a:srgbClr val="999999"/>
                 </a:solidFill>
                 <a:latin typeface="Roboto"/>
                 <a:ea typeface="Roboto"/>
                 <a:cs typeface="Roboto"/>
-                <a:sym typeface="Roboto"/>
               </a:rPr>
-              <a:t>B</a:t>
-            </a:r>
-            <a:endParaRPr sz="40000">
-              <a:solidFill>
-                <a:srgbClr val="999999"/>
-              </a:solidFill>
-              <a:latin typeface="Roboto"/>
-              <a:ea typeface="Roboto"/>
-              <a:cs typeface="Roboto"/>
-              <a:sym typeface="Roboto"/>
-            </a:endParaRPr>
+              <a:t>C</a:t>
+            </a:r>
           </a:p>
         </p:txBody>
       </p:sp>
@@ -21325,6 +22247,11 @@
   <p:clrMapOvr>
     <a:masterClrMapping/>
   </p:clrMapOvr>
+  <p:extLst>
+    <p:ext uri="{6950BFC3-D8DA-4A85-94F7-54DA5524770B}">
+      <p188:commentRel xmlns:p188="http://schemas.microsoft.com/office/powerpoint/2018/8/main" r:id="rId3"/>
+    </p:ext>
+  </p:extLst>
 </p:sld>
 </file>
 
@@ -21412,24 +22339,20 @@
           </a:bodyPr>
           <a:lstStyle/>
           <a:p>
-            <a:pPr marL="0" lvl="0" indent="0" algn="ctr" rtl="0">
-              <a:spcBef>
-                <a:spcPts val="0"/>
-              </a:spcBef>
-              <a:spcAft>
-                <a:spcPts val="0"/>
-              </a:spcAft>
-              <a:buNone/>
-            </a:pPr>
-            <a:r>
-              <a:rPr lang="nl-NL" dirty="0"/>
-              <a:t>Professional </a:t>
-            </a:r>
+            <a:pPr marL="0" lvl="0" indent="0" algn="ctr">
+              <a:spcBef>
+                <a:spcPts val="0"/>
+              </a:spcBef>
+              <a:spcAft>
+                <a:spcPts val="0"/>
+              </a:spcAft>
+              <a:buNone/>
+            </a:pPr>
             <a:r>
               <a:rPr lang="nl-NL" dirty="0" err="1"/>
-              <a:t>Practice</a:t>
-            </a:r>
-            <a:endParaRPr dirty="0"/>
+              <a:t>Reflection</a:t>
+            </a:r>
+            <a:endParaRPr lang="en-US" dirty="0" err="1"/>
           </a:p>
         </p:txBody>
       </p:sp>
@@ -21468,10 +22391,9 @@
               <a:buNone/>
             </a:pPr>
             <a:r>
-              <a:rPr lang="en-US" dirty="0"/>
-              <a:t>The student demonstrates self-exploration and personal development and good academic practices in learning how to learn, and acquiring professional knowledge through research, study, analysis, reflection, discussion and reporting.</a:t>
-            </a:r>
-            <a:endParaRPr lang="en" dirty="0"/>
+              <a:rPr lang="en-US" b="1" dirty="0"/>
+              <a:t>Demonstrates self-exploration and personal development and good academic practices in learning how to learn, and acquiring professional knowledge through research, study, analysis, reflection, discussion and reporting.</a:t>
+            </a:r>
           </a:p>
         </p:txBody>
       </p:sp>
@@ -21636,7 +22558,7 @@
             </a:pPr>
             <a:r>
               <a:rPr lang="en" dirty="0"/>
-              <a:t>1/7</a:t>
+              <a:t>1/6</a:t>
             </a:r>
             <a:endParaRPr dirty="0"/>
           </a:p>
@@ -21823,13 +22745,9 @@
             </a:pPr>
             <a:r>
               <a:rPr lang="en" dirty="0"/>
-              <a:t>1.</a:t>
-            </a:r>
-            <a:r>
-              <a:rPr lang="en-US" dirty="0"/>
-              <a:t>1</a:t>
-            </a:r>
-            <a:endParaRPr dirty="0"/>
+              <a:t>1.3</a:t>
+            </a:r>
+            <a:endParaRPr lang="en-US" dirty="0"/>
           </a:p>
         </p:txBody>
       </p:sp>
@@ -21858,20 +22776,18 @@
           </a:bodyPr>
           <a:lstStyle/>
           <a:p>
-            <a:pPr marL="0" lvl="0" indent="0" algn="l" rtl="0">
-              <a:spcBef>
-                <a:spcPts val="0"/>
-              </a:spcBef>
-              <a:spcAft>
-                <a:spcPts val="0"/>
-              </a:spcAft>
-              <a:buNone/>
-            </a:pPr>
-            <a:r>
-              <a:rPr lang="en-US" dirty="0"/>
-              <a:t>Sets ambitious, S.M.A.R.T. goals in alignment with the project brief, their chosen role(s), and their personal long-term goals.</a:t>
-            </a:r>
-            <a:endParaRPr lang="en-GB" dirty="0"/>
+            <a:r>
+              <a:rPr lang="en-US" i="0" dirty="0"/>
+              <a:t>Reflects on personal </a:t>
+            </a:r>
+            <a:r>
+              <a:rPr lang="en-US" i="0" dirty="0" err="1"/>
+              <a:t>behaviour</a:t>
+            </a:r>
+            <a:r>
+              <a:rPr lang="en-US" i="0" dirty="0"/>
+              <a:t> and attitudes, showing critical analysis of key lessons learned and identifying clear action points for improvement.</a:t>
+            </a:r>
           </a:p>
         </p:txBody>
       </p:sp>
@@ -21900,7 +22816,7 @@
           </a:bodyPr>
           <a:lstStyle/>
           <a:p>
-            <a:pPr marL="0" lvl="0" indent="0" algn="l" rtl="0">
+            <a:pPr marL="0" lvl="0" indent="0" algn="l">
               <a:spcBef>
                 <a:spcPts val="0"/>
               </a:spcBef>
@@ -21911,12 +22827,9 @@
             </a:pPr>
             <a:r>
               <a:rPr lang="en-US" sz="900" dirty="0"/>
-              <a:t>Professional Practice</a:t>
-            </a:r>
-            <a:br>
-              <a:rPr lang="en-US" sz="900" dirty="0"/>
-            </a:br>
-            <a:endParaRPr sz="900" dirty="0"/>
+              <a:t>Reflection</a:t>
+            </a:r>
+            <a:endParaRPr lang="en-US" dirty="0"/>
           </a:p>
         </p:txBody>
       </p:sp>
@@ -21929,394 +22842,6 @@
 </file>
 
 <file path=ppt/slides/slide28.xml><?xml version="1.0" encoding="utf-8"?>
-<p:sld xmlns:a="http://schemas.openxmlformats.org/drawingml/2006/main" xmlns:r="http://schemas.openxmlformats.org/officeDocument/2006/relationships" xmlns:p="http://schemas.openxmlformats.org/presentationml/2006/main">
-  <p:cSld>
-    <p:spTree>
-      <p:nvGrpSpPr>
-        <p:cNvPr id="1" name="Shape 392"/>
-        <p:cNvGrpSpPr/>
-        <p:nvPr/>
-      </p:nvGrpSpPr>
-      <p:grpSpPr>
-        <a:xfrm>
-          <a:off x="0" y="0"/>
-          <a:ext cx="0" cy="0"/>
-          <a:chOff x="0" y="0"/>
-          <a:chExt cx="0" cy="0"/>
-        </a:xfrm>
-      </p:grpSpPr>
-      <p:sp>
-        <p:nvSpPr>
-          <p:cNvPr id="393" name="Google Shape;393;p42"/>
-          <p:cNvSpPr txBox="1">
-            <a:spLocks noGrp="1"/>
-          </p:cNvSpPr>
-          <p:nvPr>
-            <p:ph type="title"/>
-          </p:nvPr>
-        </p:nvSpPr>
-        <p:spPr>
-          <a:xfrm>
-            <a:off x="68250" y="0"/>
-            <a:ext cx="777300" cy="576000"/>
-          </a:xfrm>
-          <a:prstGeom prst="rect">
-            <a:avLst/>
-          </a:prstGeom>
-        </p:spPr>
-        <p:txBody>
-          <a:bodyPr spcFirstLastPara="1" wrap="square" lIns="91425" tIns="91425" rIns="91425" bIns="91425" anchor="ctr" anchorCtr="0">
-            <a:noAutofit/>
-          </a:bodyPr>
-          <a:lstStyle/>
-          <a:p>
-            <a:pPr marL="0" lvl="0" indent="0" algn="l" rtl="0">
-              <a:spcBef>
-                <a:spcPts val="0"/>
-              </a:spcBef>
-              <a:spcAft>
-                <a:spcPts val="0"/>
-              </a:spcAft>
-              <a:buNone/>
-            </a:pPr>
-            <a:r>
-              <a:rPr lang="en"/>
-              <a:t>ILO 1</a:t>
-            </a:r>
-            <a:endParaRPr/>
-          </a:p>
-        </p:txBody>
-      </p:sp>
-      <p:sp>
-        <p:nvSpPr>
-          <p:cNvPr id="394" name="Google Shape;394;p42"/>
-          <p:cNvSpPr txBox="1">
-            <a:spLocks noGrp="1"/>
-          </p:cNvSpPr>
-          <p:nvPr>
-            <p:ph type="title" idx="2"/>
-          </p:nvPr>
-        </p:nvSpPr>
-        <p:spPr>
-          <a:xfrm>
-            <a:off x="7068300" y="0"/>
-            <a:ext cx="1984200" cy="576000"/>
-          </a:xfrm>
-          <a:prstGeom prst="rect">
-            <a:avLst/>
-          </a:prstGeom>
-        </p:spPr>
-        <p:txBody>
-          <a:bodyPr spcFirstLastPara="1" wrap="square" lIns="91425" tIns="91425" rIns="91425" bIns="91425" anchor="b" anchorCtr="0">
-            <a:noAutofit/>
-          </a:bodyPr>
-          <a:lstStyle/>
-          <a:p>
-            <a:pPr marL="0" lvl="0" indent="0" algn="r" rtl="0">
-              <a:spcBef>
-                <a:spcPts val="0"/>
-              </a:spcBef>
-              <a:spcAft>
-                <a:spcPts val="0"/>
-              </a:spcAft>
-              <a:buNone/>
-            </a:pPr>
-            <a:r>
-              <a:rPr lang="en" dirty="0"/>
-              <a:t>2/7</a:t>
-            </a:r>
-            <a:endParaRPr dirty="0"/>
-          </a:p>
-        </p:txBody>
-      </p:sp>
-      <p:sp>
-        <p:nvSpPr>
-          <p:cNvPr id="395" name="Google Shape;395;p42"/>
-          <p:cNvSpPr txBox="1">
-            <a:spLocks noGrp="1"/>
-          </p:cNvSpPr>
-          <p:nvPr>
-            <p:ph type="body" idx="1"/>
-          </p:nvPr>
-        </p:nvSpPr>
-        <p:spPr>
-          <a:xfrm>
-            <a:off x="182880" y="1069848"/>
-            <a:ext cx="5486400" cy="3895200"/>
-          </a:xfrm>
-          <a:prstGeom prst="rect">
-            <a:avLst/>
-          </a:prstGeom>
-        </p:spPr>
-        <p:txBody>
-          <a:bodyPr spcFirstLastPara="1" wrap="square" lIns="91425" tIns="91425" rIns="91425" bIns="91425" anchor="t" anchorCtr="0">
-            <a:noAutofit/>
-          </a:bodyPr>
-          <a:lstStyle/>
-          <a:p>
-            <a:pPr marL="0" lvl="0" indent="0" algn="l" rtl="0">
-              <a:lnSpc>
-                <a:spcPct val="115000"/>
-              </a:lnSpc>
-              <a:spcBef>
-                <a:spcPts val="0"/>
-              </a:spcBef>
-              <a:spcAft>
-                <a:spcPts val="0"/>
-              </a:spcAft>
-              <a:buNone/>
-            </a:pPr>
-            <a:r>
-              <a:rPr lang="en" sz="900" i="1" dirty="0">
-                <a:solidFill>
-                  <a:schemeClr val="lt1"/>
-                </a:solidFill>
-                <a:latin typeface="Helvetica Neue"/>
-                <a:ea typeface="Helvetica Neue"/>
-                <a:cs typeface="Helvetica Neue"/>
-                <a:sym typeface="Helvetica Neue"/>
-              </a:rPr>
-              <a:t>Show your best examples </a:t>
-            </a:r>
-            <a:r>
-              <a:rPr lang="en" sz="900" b="1" i="1" dirty="0">
-                <a:solidFill>
-                  <a:schemeClr val="lt1"/>
-                </a:solidFill>
-                <a:latin typeface="Helvetica Neue"/>
-                <a:ea typeface="Helvetica Neue"/>
-                <a:cs typeface="Helvetica Neue"/>
-                <a:sym typeface="Helvetica Neue"/>
-              </a:rPr>
-              <a:t>using GitHub links</a:t>
-            </a:r>
-            <a:r>
-              <a:rPr lang="en" sz="900" i="1" dirty="0">
-                <a:solidFill>
-                  <a:schemeClr val="lt1"/>
-                </a:solidFill>
-                <a:latin typeface="Helvetica Neue"/>
-                <a:ea typeface="Helvetica Neue"/>
-                <a:cs typeface="Helvetica Neue"/>
-                <a:sym typeface="Helvetica Neue"/>
-              </a:rPr>
-              <a:t>, do not go overboard, add in short description, you are free to alter this layout (or add slides per evidence) to suit your needs. Just be sure that it is clear.</a:t>
-            </a:r>
-            <a:endParaRPr sz="900" dirty="0">
-              <a:solidFill>
-                <a:schemeClr val="lt1"/>
-              </a:solidFill>
-            </a:endParaRPr>
-          </a:p>
-          <a:p>
-            <a:pPr marL="0" lvl="0" indent="0" algn="l" rtl="0">
-              <a:lnSpc>
-                <a:spcPct val="115000"/>
-              </a:lnSpc>
-              <a:spcBef>
-                <a:spcPts val="0"/>
-              </a:spcBef>
-              <a:spcAft>
-                <a:spcPts val="0"/>
-              </a:spcAft>
-              <a:buNone/>
-            </a:pPr>
-            <a:endParaRPr sz="700" i="1" dirty="0">
-              <a:solidFill>
-                <a:schemeClr val="lt1"/>
-              </a:solidFill>
-              <a:latin typeface="Helvetica Neue"/>
-              <a:ea typeface="Helvetica Neue"/>
-              <a:cs typeface="Helvetica Neue"/>
-              <a:sym typeface="Helvetica Neue"/>
-            </a:endParaRPr>
-          </a:p>
-        </p:txBody>
-      </p:sp>
-      <p:sp>
-        <p:nvSpPr>
-          <p:cNvPr id="396" name="Google Shape;396;p42"/>
-          <p:cNvSpPr txBox="1">
-            <a:spLocks noGrp="1"/>
-          </p:cNvSpPr>
-          <p:nvPr>
-            <p:ph type="title" idx="3"/>
-          </p:nvPr>
-        </p:nvSpPr>
-        <p:spPr>
-          <a:xfrm>
-            <a:off x="2049462" y="0"/>
-            <a:ext cx="4206300" cy="576000"/>
-          </a:xfrm>
-          <a:prstGeom prst="rect">
-            <a:avLst/>
-          </a:prstGeom>
-        </p:spPr>
-        <p:txBody>
-          <a:bodyPr spcFirstLastPara="1" wrap="square" lIns="91425" tIns="91425" rIns="91425" bIns="91425" anchor="ctr" anchorCtr="0">
-            <a:noAutofit/>
-          </a:bodyPr>
-          <a:lstStyle/>
-          <a:p>
-            <a:pPr marL="0" lvl="0" indent="0" algn="l" rtl="0">
-              <a:spcBef>
-                <a:spcPts val="0"/>
-              </a:spcBef>
-              <a:spcAft>
-                <a:spcPts val="0"/>
-              </a:spcAft>
-              <a:buNone/>
-            </a:pPr>
-            <a:r>
-              <a:rPr lang="en-US" dirty="0"/>
-              <a:t>The student demonstrates self-exploration and personal development and good academic practices in learning how to learn, and acquiring professional knowledge through research, study, analysis, reflection, discussion and reporting.</a:t>
-            </a:r>
-          </a:p>
-        </p:txBody>
-      </p:sp>
-      <p:sp>
-        <p:nvSpPr>
-          <p:cNvPr id="397" name="Google Shape;397;p42"/>
-          <p:cNvSpPr txBox="1">
-            <a:spLocks noGrp="1"/>
-          </p:cNvSpPr>
-          <p:nvPr>
-            <p:ph type="title" idx="4"/>
-          </p:nvPr>
-        </p:nvSpPr>
-        <p:spPr>
-          <a:xfrm>
-            <a:off x="68250" y="576000"/>
-            <a:ext cx="839700" cy="493800"/>
-          </a:xfrm>
-          <a:prstGeom prst="rect">
-            <a:avLst/>
-          </a:prstGeom>
-        </p:spPr>
-        <p:txBody>
-          <a:bodyPr spcFirstLastPara="1" wrap="square" lIns="91425" tIns="91425" rIns="91425" bIns="91425" anchor="ctr" anchorCtr="0">
-            <a:noAutofit/>
-          </a:bodyPr>
-          <a:lstStyle/>
-          <a:p>
-            <a:pPr marL="0" lvl="0" indent="0" algn="l" rtl="0">
-              <a:spcBef>
-                <a:spcPts val="0"/>
-              </a:spcBef>
-              <a:spcAft>
-                <a:spcPts val="0"/>
-              </a:spcAft>
-              <a:buNone/>
-            </a:pPr>
-            <a:r>
-              <a:rPr lang="en" dirty="0"/>
-              <a:t>1.2</a:t>
-            </a:r>
-            <a:endParaRPr dirty="0"/>
-          </a:p>
-        </p:txBody>
-      </p:sp>
-      <p:sp>
-        <p:nvSpPr>
-          <p:cNvPr id="398" name="Google Shape;398;p42"/>
-          <p:cNvSpPr txBox="1">
-            <a:spLocks noGrp="1"/>
-          </p:cNvSpPr>
-          <p:nvPr>
-            <p:ph type="title" idx="5"/>
-          </p:nvPr>
-        </p:nvSpPr>
-        <p:spPr>
-          <a:xfrm>
-            <a:off x="845550" y="576000"/>
-            <a:ext cx="7315200" cy="493800"/>
-          </a:xfrm>
-          <a:prstGeom prst="rect">
-            <a:avLst/>
-          </a:prstGeom>
-        </p:spPr>
-        <p:txBody>
-          <a:bodyPr spcFirstLastPara="1" wrap="square" lIns="91425" tIns="91425" rIns="91425" bIns="91425" anchor="ctr" anchorCtr="0">
-            <a:noAutofit/>
-          </a:bodyPr>
-          <a:lstStyle/>
-          <a:p>
-            <a:pPr marL="0" lvl="0" indent="0" algn="l" rtl="0">
-              <a:spcBef>
-                <a:spcPts val="0"/>
-              </a:spcBef>
-              <a:spcAft>
-                <a:spcPts val="0"/>
-              </a:spcAft>
-              <a:buNone/>
-            </a:pPr>
-            <a:r>
-              <a:rPr lang="en-US" dirty="0"/>
-              <a:t>Shows regular and active engagement in self-guided study and self development through participation in professional learning communities, lectures and workshops.</a:t>
-            </a:r>
-            <a:endParaRPr lang="en-GB" dirty="0"/>
-          </a:p>
-        </p:txBody>
-      </p:sp>
-      <p:sp>
-        <p:nvSpPr>
-          <p:cNvPr id="399" name="Google Shape;399;p42"/>
-          <p:cNvSpPr txBox="1">
-            <a:spLocks noGrp="1"/>
-          </p:cNvSpPr>
-          <p:nvPr>
-            <p:ph type="title" idx="6"/>
-          </p:nvPr>
-        </p:nvSpPr>
-        <p:spPr>
-          <a:xfrm>
-            <a:off x="845550" y="0"/>
-            <a:ext cx="1368600" cy="576000"/>
-          </a:xfrm>
-          <a:prstGeom prst="rect">
-            <a:avLst/>
-          </a:prstGeom>
-        </p:spPr>
-        <p:txBody>
-          <a:bodyPr spcFirstLastPara="1" wrap="square" lIns="91425" tIns="91425" rIns="91425" bIns="91425" anchor="ctr" anchorCtr="0">
-            <a:noAutofit/>
-          </a:bodyPr>
-          <a:lstStyle/>
-          <a:p>
-            <a:pPr marL="0" lvl="0" indent="0" algn="l" rtl="0">
-              <a:spcBef>
-                <a:spcPts val="0"/>
-              </a:spcBef>
-              <a:spcAft>
-                <a:spcPts val="0"/>
-              </a:spcAft>
-              <a:buNone/>
-            </a:pPr>
-            <a:r>
-              <a:rPr lang="en-US" sz="900" dirty="0"/>
-              <a:t>Professional Practice</a:t>
-            </a:r>
-            <a:br>
-              <a:rPr lang="en-US" sz="900" dirty="0"/>
-            </a:br>
-            <a:endParaRPr sz="900" dirty="0"/>
-          </a:p>
-        </p:txBody>
-      </p:sp>
-    </p:spTree>
-    <p:extLst>
-      <p:ext uri="{BB962C8B-B14F-4D97-AF65-F5344CB8AC3E}">
-        <p14:creationId xmlns:p14="http://schemas.microsoft.com/office/powerpoint/2010/main" val="157747600"/>
-      </p:ext>
-    </p:extLst>
-  </p:cSld>
-  <p:clrMapOvr>
-    <a:masterClrMapping/>
-  </p:clrMapOvr>
-</p:sld>
-</file>
-
-<file path=ppt/slides/slide29.xml><?xml version="1.0" encoding="utf-8"?>
 <p:sld xmlns:a="http://schemas.openxmlformats.org/drawingml/2006/main" xmlns:r="http://schemas.openxmlformats.org/officeDocument/2006/relationships" xmlns:p="http://schemas.openxmlformats.org/presentationml/2006/main">
   <p:cSld>
     <p:spTree>
@@ -22404,20 +22929,11 @@
           </a:bodyPr>
           <a:lstStyle/>
           <a:p>
-            <a:pPr marL="0" lvl="0" indent="0" algn="ctr" rtl="0">
-              <a:spcBef>
-                <a:spcPts val="0"/>
-              </a:spcBef>
-              <a:spcAft>
-                <a:spcPts val="0"/>
-              </a:spcAft>
-              <a:buNone/>
-            </a:pPr>
+            <a:pPr marL="0" indent="0"/>
             <a:r>
               <a:rPr lang="en-US" dirty="0"/>
-              <a:t>Theory: Computer Vision, Reinforcement Learning, and Robotics</a:t>
-            </a:r>
-            <a:endParaRPr dirty="0"/>
+              <a:t>Tracking time</a:t>
+            </a:r>
           </a:p>
         </p:txBody>
       </p:sp>
@@ -22446,20 +22962,11 @@
           </a:bodyPr>
           <a:lstStyle/>
           <a:p>
-            <a:pPr marL="0" lvl="0" indent="0" algn="r" rtl="0">
-              <a:spcBef>
-                <a:spcPts val="0"/>
-              </a:spcBef>
-              <a:spcAft>
-                <a:spcPts val="0"/>
-              </a:spcAft>
-              <a:buNone/>
-            </a:pPr>
-            <a:r>
-              <a:rPr lang="en-US" dirty="0"/>
-              <a:t>The student demonstrates foundational knowledge and understanding of the theories, principles, methods, and techniques related to the (sub)fields of computer vision, reinforcement learning, and robotics by interpreting, and subsequently disseminating the project findings via a written report. </a:t>
-            </a:r>
-            <a:endParaRPr dirty="0"/>
+            <a:pPr marL="0" indent="0"/>
+            <a:r>
+              <a:rPr lang="en-US" b="1" dirty="0"/>
+              <a:t>Demonstrates professional behavior with accountability and integrity in the application of industry best practices for planning, execution and tracking work.</a:t>
+            </a:r>
           </a:p>
         </p:txBody>
       </p:sp>
@@ -22518,6 +23025,358 @@
               <a:cs typeface="Roboto"/>
               <a:sym typeface="Roboto"/>
             </a:endParaRPr>
+          </a:p>
+        </p:txBody>
+      </p:sp>
+    </p:spTree>
+  </p:cSld>
+  <p:clrMapOvr>
+    <a:masterClrMapping/>
+  </p:clrMapOvr>
+</p:sld>
+</file>
+
+<file path=ppt/slides/slide29.xml><?xml version="1.0" encoding="utf-8"?>
+<p:sld xmlns:a="http://schemas.openxmlformats.org/drawingml/2006/main" xmlns:r="http://schemas.openxmlformats.org/officeDocument/2006/relationships" xmlns:p="http://schemas.openxmlformats.org/presentationml/2006/main">
+  <p:cSld>
+    <p:spTree>
+      <p:nvGrpSpPr>
+        <p:cNvPr id="1" name="Shape 455"/>
+        <p:cNvGrpSpPr/>
+        <p:nvPr/>
+      </p:nvGrpSpPr>
+      <p:grpSpPr>
+        <a:xfrm>
+          <a:off x="0" y="0"/>
+          <a:ext cx="0" cy="0"/>
+          <a:chOff x="0" y="0"/>
+          <a:chExt cx="0" cy="0"/>
+        </a:xfrm>
+      </p:grpSpPr>
+      <p:sp>
+        <p:nvSpPr>
+          <p:cNvPr id="456" name="Google Shape;456;p48"/>
+          <p:cNvSpPr txBox="1">
+            <a:spLocks noGrp="1"/>
+          </p:cNvSpPr>
+          <p:nvPr>
+            <p:ph type="title"/>
+          </p:nvPr>
+        </p:nvSpPr>
+        <p:spPr>
+          <a:xfrm>
+            <a:off x="68250" y="0"/>
+            <a:ext cx="777300" cy="576000"/>
+          </a:xfrm>
+          <a:prstGeom prst="rect">
+            <a:avLst/>
+          </a:prstGeom>
+        </p:spPr>
+        <p:txBody>
+          <a:bodyPr spcFirstLastPara="1" wrap="square" lIns="91425" tIns="91425" rIns="91425" bIns="91425" anchor="ctr" anchorCtr="0">
+            <a:noAutofit/>
+          </a:bodyPr>
+          <a:lstStyle/>
+          <a:p>
+            <a:pPr marL="0" lvl="0" indent="0" algn="l" rtl="0">
+              <a:spcBef>
+                <a:spcPts val="0"/>
+              </a:spcBef>
+              <a:spcAft>
+                <a:spcPts val="0"/>
+              </a:spcAft>
+              <a:buNone/>
+            </a:pPr>
+            <a:r>
+              <a:rPr lang="en"/>
+              <a:t>ILO 2</a:t>
+            </a:r>
+            <a:endParaRPr/>
+          </a:p>
+        </p:txBody>
+      </p:sp>
+      <p:sp>
+        <p:nvSpPr>
+          <p:cNvPr id="457" name="Google Shape;457;p48"/>
+          <p:cNvSpPr txBox="1">
+            <a:spLocks noGrp="1"/>
+          </p:cNvSpPr>
+          <p:nvPr>
+            <p:ph type="title" idx="2"/>
+          </p:nvPr>
+        </p:nvSpPr>
+        <p:spPr>
+          <a:xfrm>
+            <a:off x="7068300" y="0"/>
+            <a:ext cx="1984200" cy="576000"/>
+          </a:xfrm>
+          <a:prstGeom prst="rect">
+            <a:avLst/>
+          </a:prstGeom>
+        </p:spPr>
+        <p:txBody>
+          <a:bodyPr spcFirstLastPara="1" wrap="square" lIns="91425" tIns="91425" rIns="91425" bIns="91425" anchor="b" anchorCtr="0">
+            <a:noAutofit/>
+          </a:bodyPr>
+          <a:lstStyle/>
+          <a:p>
+            <a:pPr marL="0" lvl="0" indent="0" algn="r" rtl="0">
+              <a:spcBef>
+                <a:spcPts val="0"/>
+              </a:spcBef>
+              <a:spcAft>
+                <a:spcPts val="0"/>
+              </a:spcAft>
+              <a:buNone/>
+            </a:pPr>
+            <a:r>
+              <a:rPr lang="en" dirty="0"/>
+              <a:t>2/6</a:t>
+            </a:r>
+            <a:endParaRPr dirty="0"/>
+          </a:p>
+        </p:txBody>
+      </p:sp>
+      <p:sp>
+        <p:nvSpPr>
+          <p:cNvPr id="458" name="Google Shape;458;p48"/>
+          <p:cNvSpPr txBox="1">
+            <a:spLocks noGrp="1"/>
+          </p:cNvSpPr>
+          <p:nvPr>
+            <p:ph type="body" idx="1"/>
+          </p:nvPr>
+        </p:nvSpPr>
+        <p:spPr>
+          <a:xfrm>
+            <a:off x="182880" y="1069848"/>
+            <a:ext cx="5486400" cy="3895200"/>
+          </a:xfrm>
+          <a:prstGeom prst="rect">
+            <a:avLst/>
+          </a:prstGeom>
+        </p:spPr>
+        <p:txBody>
+          <a:bodyPr spcFirstLastPara="1" wrap="square" lIns="91425" tIns="91425" rIns="91425" bIns="91425" anchor="t" anchorCtr="0">
+            <a:noAutofit/>
+          </a:bodyPr>
+          <a:lstStyle/>
+          <a:p>
+            <a:pPr marL="0" lvl="0" indent="0" algn="l" rtl="0">
+              <a:lnSpc>
+                <a:spcPct val="115000"/>
+              </a:lnSpc>
+              <a:spcBef>
+                <a:spcPts val="0"/>
+              </a:spcBef>
+              <a:spcAft>
+                <a:spcPts val="0"/>
+              </a:spcAft>
+              <a:buNone/>
+            </a:pPr>
+            <a:r>
+              <a:rPr lang="en-US" sz="800" i="1" dirty="0">
+                <a:solidFill>
+                  <a:schemeClr val="lt1"/>
+                </a:solidFill>
+                <a:latin typeface="Helvetica Neue"/>
+                <a:ea typeface="Helvetica Neue"/>
+                <a:cs typeface="Helvetica Neue"/>
+                <a:sym typeface="Helvetica Neue"/>
+              </a:rPr>
+              <a:t>Show your best examples </a:t>
+            </a:r>
+            <a:r>
+              <a:rPr lang="en-US" sz="800" b="1" i="1" dirty="0">
+                <a:solidFill>
+                  <a:schemeClr val="lt1"/>
+                </a:solidFill>
+                <a:latin typeface="Helvetica Neue"/>
+                <a:ea typeface="Helvetica Neue"/>
+                <a:cs typeface="Helvetica Neue"/>
+                <a:sym typeface="Helvetica Neue"/>
+              </a:rPr>
+              <a:t>using GitHub links</a:t>
+            </a:r>
+            <a:r>
+              <a:rPr lang="en-US" sz="800" i="1" dirty="0">
+                <a:solidFill>
+                  <a:schemeClr val="lt1"/>
+                </a:solidFill>
+                <a:latin typeface="Helvetica Neue"/>
+                <a:ea typeface="Helvetica Neue"/>
+                <a:cs typeface="Helvetica Neue"/>
+                <a:sym typeface="Helvetica Neue"/>
+              </a:rPr>
+              <a:t>, do not go overboard, add in short description, you are free to alter this layout (or add slides per evidence) to suit your needs. Just be sure that it is clear.</a:t>
+            </a:r>
+            <a:endParaRPr lang="en-US" sz="800" dirty="0">
+              <a:solidFill>
+                <a:schemeClr val="lt1"/>
+              </a:solidFill>
+            </a:endParaRPr>
+          </a:p>
+          <a:p>
+            <a:pPr marL="0" lvl="0" indent="0" algn="l" rtl="0">
+              <a:lnSpc>
+                <a:spcPct val="115000"/>
+              </a:lnSpc>
+              <a:spcBef>
+                <a:spcPts val="0"/>
+              </a:spcBef>
+              <a:spcAft>
+                <a:spcPts val="0"/>
+              </a:spcAft>
+              <a:buNone/>
+            </a:pPr>
+            <a:endParaRPr lang="en-US" sz="600" i="1" dirty="0">
+              <a:solidFill>
+                <a:schemeClr val="lt1"/>
+              </a:solidFill>
+              <a:latin typeface="Helvetica Neue"/>
+              <a:ea typeface="Helvetica Neue"/>
+              <a:cs typeface="Helvetica Neue"/>
+              <a:sym typeface="Helvetica Neue"/>
+            </a:endParaRPr>
+          </a:p>
+        </p:txBody>
+      </p:sp>
+      <p:sp>
+        <p:nvSpPr>
+          <p:cNvPr id="459" name="Google Shape;459;p48"/>
+          <p:cNvSpPr txBox="1">
+            <a:spLocks noGrp="1"/>
+          </p:cNvSpPr>
+          <p:nvPr>
+            <p:ph type="title" idx="3"/>
+          </p:nvPr>
+        </p:nvSpPr>
+        <p:spPr>
+          <a:xfrm>
+            <a:off x="2049462" y="0"/>
+            <a:ext cx="4206300" cy="576000"/>
+          </a:xfrm>
+          <a:prstGeom prst="rect">
+            <a:avLst/>
+          </a:prstGeom>
+        </p:spPr>
+        <p:txBody>
+          <a:bodyPr spcFirstLastPara="1" wrap="square" lIns="91425" tIns="91425" rIns="91425" bIns="91425" anchor="ctr" anchorCtr="0">
+            <a:noAutofit/>
+          </a:bodyPr>
+          <a:lstStyle/>
+          <a:p>
+            <a:r>
+              <a:rPr lang="en-US" b="1" i="0" dirty="0"/>
+              <a:t>Demonstrates professional behavior with accountability and integrity in the application of industry best practices for planning, execution and tracking work.</a:t>
+            </a:r>
+          </a:p>
+        </p:txBody>
+      </p:sp>
+      <p:sp>
+        <p:nvSpPr>
+          <p:cNvPr id="460" name="Google Shape;460;p48"/>
+          <p:cNvSpPr txBox="1">
+            <a:spLocks noGrp="1"/>
+          </p:cNvSpPr>
+          <p:nvPr>
+            <p:ph type="title" idx="4"/>
+          </p:nvPr>
+        </p:nvSpPr>
+        <p:spPr>
+          <a:xfrm>
+            <a:off x="68250" y="576000"/>
+            <a:ext cx="839700" cy="493800"/>
+          </a:xfrm>
+          <a:prstGeom prst="rect">
+            <a:avLst/>
+          </a:prstGeom>
+        </p:spPr>
+        <p:txBody>
+          <a:bodyPr spcFirstLastPara="1" wrap="square" lIns="91425" tIns="91425" rIns="91425" bIns="91425" anchor="ctr" anchorCtr="0">
+            <a:noAutofit/>
+          </a:bodyPr>
+          <a:lstStyle/>
+          <a:p>
+            <a:pPr marL="0" lvl="0" indent="0" algn="l" rtl="0">
+              <a:spcBef>
+                <a:spcPts val="0"/>
+              </a:spcBef>
+              <a:spcAft>
+                <a:spcPts val="0"/>
+              </a:spcAft>
+              <a:buNone/>
+            </a:pPr>
+            <a:r>
+              <a:rPr lang="en" dirty="0"/>
+              <a:t>2.2</a:t>
+            </a:r>
+            <a:endParaRPr dirty="0"/>
+          </a:p>
+        </p:txBody>
+      </p:sp>
+      <p:sp>
+        <p:nvSpPr>
+          <p:cNvPr id="461" name="Google Shape;461;p48"/>
+          <p:cNvSpPr txBox="1">
+            <a:spLocks noGrp="1"/>
+          </p:cNvSpPr>
+          <p:nvPr>
+            <p:ph type="title" idx="5"/>
+          </p:nvPr>
+        </p:nvSpPr>
+        <p:spPr>
+          <a:xfrm>
+            <a:off x="845550" y="576000"/>
+            <a:ext cx="7315200" cy="493800"/>
+          </a:xfrm>
+          <a:prstGeom prst="rect">
+            <a:avLst/>
+          </a:prstGeom>
+        </p:spPr>
+        <p:txBody>
+          <a:bodyPr spcFirstLastPara="1" wrap="square" lIns="91425" tIns="91425" rIns="91425" bIns="91425" anchor="ctr" anchorCtr="0">
+            <a:noAutofit/>
+          </a:bodyPr>
+          <a:lstStyle/>
+          <a:p>
+            <a:r>
+              <a:rPr lang="en-US" i="0" dirty="0"/>
+              <a:t>Accurately tracks time spent on planned and unplanned work, noting reasons for and consequences of deviations from the planned work.</a:t>
+            </a:r>
+          </a:p>
+        </p:txBody>
+      </p:sp>
+      <p:sp>
+        <p:nvSpPr>
+          <p:cNvPr id="462" name="Google Shape;462;p48"/>
+          <p:cNvSpPr txBox="1">
+            <a:spLocks noGrp="1"/>
+          </p:cNvSpPr>
+          <p:nvPr>
+            <p:ph type="title" idx="6"/>
+          </p:nvPr>
+        </p:nvSpPr>
+        <p:spPr>
+          <a:xfrm>
+            <a:off x="845550" y="0"/>
+            <a:ext cx="1368600" cy="576000"/>
+          </a:xfrm>
+          <a:prstGeom prst="rect">
+            <a:avLst/>
+          </a:prstGeom>
+        </p:spPr>
+        <p:txBody>
+          <a:bodyPr spcFirstLastPara="1" wrap="square" lIns="91425" tIns="91425" rIns="91425" bIns="91425" anchor="ctr" anchorCtr="0">
+            <a:noAutofit/>
+          </a:bodyPr>
+          <a:lstStyle/>
+          <a:p>
+            <a:r>
+              <a:rPr lang="en-US" sz="900" dirty="0"/>
+              <a:t>Tracking time</a:t>
+            </a:r>
+            <a:endParaRPr lang="en-US" dirty="0"/>
           </a:p>
         </p:txBody>
       </p:sp>
@@ -22639,10 +23498,10 @@
               <a:buNone/>
             </a:pPr>
             <a:r>
-              <a:rPr lang="en" sz="1400"/>
+              <a:rPr lang="en" sz="1400" dirty="0"/>
               <a:t>Section A</a:t>
             </a:r>
-            <a:endParaRPr sz="1400"/>
+            <a:endParaRPr sz="1400" dirty="0"/>
           </a:p>
           <a:p>
             <a:pPr marL="182880" lvl="0" indent="-180340" algn="l" rtl="0">
@@ -22656,10 +23515,10 @@
               <a:buChar char="●"/>
             </a:pPr>
             <a:r>
-              <a:rPr lang="en" sz="1400"/>
+              <a:rPr lang="en" sz="1400" dirty="0"/>
               <a:t>Starting this block</a:t>
             </a:r>
-            <a:endParaRPr sz="1400"/>
+            <a:endParaRPr sz="1400" dirty="0"/>
           </a:p>
           <a:p>
             <a:pPr marL="182880" lvl="0" indent="-180340" algn="l" rtl="0">
@@ -22673,12 +23532,79 @@
               <a:buChar char="●"/>
             </a:pPr>
             <a:r>
-              <a:rPr lang="en" sz="1400"/>
+              <a:rPr lang="en" sz="1400" dirty="0"/>
               <a:t>Goals</a:t>
             </a:r>
+            <a:endParaRPr sz="1400" dirty="0"/>
+          </a:p>
+          <a:p>
+            <a:pPr marL="0" lvl="0" indent="0" algn="l" rtl="0">
+              <a:spcBef>
+                <a:spcPts val="0"/>
+              </a:spcBef>
+              <a:spcAft>
+                <a:spcPts val="0"/>
+              </a:spcAft>
+              <a:buNone/>
+            </a:pPr>
             <a:endParaRPr sz="1400"/>
           </a:p>
           <a:p>
+            <a:pPr marL="0" indent="0" algn="l"/>
+            <a:r>
+              <a:rPr lang="en" sz="1400" dirty="0"/>
+              <a:t>Section B</a:t>
+            </a:r>
+            <a:endParaRPr lang="en-US" sz="1400" dirty="0"/>
+          </a:p>
+          <a:p>
+            <a:pPr marL="182880" indent="-180340" algn="l">
+              <a:buFont typeface="Roboto,Sans-Serif"/>
+              <a:buChar char="●"/>
+            </a:pPr>
+            <a:r>
+              <a:rPr lang="en" sz="1400" dirty="0"/>
+              <a:t>Week log section</a:t>
+            </a:r>
+            <a:endParaRPr lang="en" dirty="0"/>
+          </a:p>
+          <a:p>
+            <a:pPr marL="182880" lvl="0" indent="-180340" algn="l">
+              <a:spcBef>
+                <a:spcPts val="0"/>
+              </a:spcBef>
+              <a:spcAft>
+                <a:spcPts val="0"/>
+              </a:spcAft>
+              <a:buFont typeface="Roboto,Sans-Serif"/>
+              <a:buChar char="●"/>
+            </a:pPr>
+            <a:endParaRPr lang="en" sz="1400" dirty="0"/>
+          </a:p>
+          <a:p>
+            <a:pPr marL="0" indent="0" algn="l"/>
+            <a:r>
+              <a:rPr lang="en" sz="1400" dirty="0"/>
+              <a:t>Section C</a:t>
+            </a:r>
+            <a:endParaRPr lang="en-US" sz="1400" dirty="0"/>
+          </a:p>
+          <a:p>
+            <a:pPr marL="182880" indent="-180340" algn="l">
+              <a:buFont typeface="Roboto,Sans-Serif"/>
+              <a:buChar char="●"/>
+            </a:pPr>
+            <a:r>
+              <a:rPr lang="en" sz="1400" dirty="0"/>
+              <a:t>ILO section</a:t>
+            </a:r>
+            <a:endParaRPr lang="en-US" sz="1400" dirty="0"/>
+          </a:p>
+          <a:p>
+            <a:pPr marL="0" indent="0" algn="l"/>
+            <a:endParaRPr lang="en" sz="1400"/>
+          </a:p>
+          <a:p>
             <a:pPr marL="0" lvl="0" indent="0" algn="l" rtl="0">
               <a:spcBef>
                 <a:spcPts val="0"/>
@@ -22688,23 +23614,11 @@
               </a:spcAft>
               <a:buNone/>
             </a:pPr>
-            <a:endParaRPr sz="1400"/>
-          </a:p>
-          <a:p>
-            <a:pPr marL="0" lvl="0" indent="0" algn="l" rtl="0">
-              <a:spcBef>
-                <a:spcPts val="0"/>
-              </a:spcBef>
-              <a:spcAft>
-                <a:spcPts val="0"/>
-              </a:spcAft>
-              <a:buNone/>
-            </a:pPr>
-            <a:r>
-              <a:rPr lang="en" sz="1400"/>
-              <a:t>Section B </a:t>
-            </a:r>
-            <a:endParaRPr sz="1400"/>
+            <a:r>
+              <a:rPr lang="en" sz="1400" dirty="0"/>
+              <a:t>Section D</a:t>
+            </a:r>
+            <a:endParaRPr sz="1400" dirty="0"/>
           </a:p>
           <a:p>
             <a:pPr marL="182880" lvl="0" indent="-180340" algn="l" rtl="0">
@@ -22718,72 +23632,10 @@
               <a:buChar char="●"/>
             </a:pPr>
             <a:r>
-              <a:rPr lang="en" sz="1400"/>
-              <a:t>ILO section</a:t>
-            </a:r>
-            <a:endParaRPr sz="1400"/>
-          </a:p>
-          <a:p>
-            <a:pPr marL="182880" lvl="0" indent="-180340" algn="l" rtl="0">
-              <a:spcBef>
-                <a:spcPts val="0"/>
-              </a:spcBef>
-              <a:spcAft>
-                <a:spcPts val="0"/>
-              </a:spcAft>
-              <a:buSzPts val="1400"/>
-              <a:buChar char="●"/>
-            </a:pPr>
-            <a:r>
-              <a:rPr lang="en" sz="1400"/>
-              <a:t>Week log section</a:t>
-            </a:r>
-            <a:endParaRPr sz="1400"/>
-          </a:p>
-          <a:p>
-            <a:pPr marL="0" lvl="0" indent="0" algn="l" rtl="0">
-              <a:spcBef>
-                <a:spcPts val="0"/>
-              </a:spcBef>
-              <a:spcAft>
-                <a:spcPts val="0"/>
-              </a:spcAft>
-              <a:buNone/>
-            </a:pPr>
-            <a:endParaRPr sz="1400"/>
-          </a:p>
-          <a:p>
-            <a:pPr marL="0" lvl="0" indent="0" algn="l" rtl="0">
-              <a:spcBef>
-                <a:spcPts val="0"/>
-              </a:spcBef>
-              <a:spcAft>
-                <a:spcPts val="0"/>
-              </a:spcAft>
-              <a:buNone/>
-            </a:pPr>
-            <a:r>
-              <a:rPr lang="en" sz="1400"/>
-              <a:t>Section C</a:t>
-            </a:r>
-            <a:endParaRPr sz="1400"/>
-          </a:p>
-          <a:p>
-            <a:pPr marL="182880" lvl="0" indent="-180340" algn="l" rtl="0">
-              <a:spcBef>
-                <a:spcPts val="0"/>
-              </a:spcBef>
-              <a:spcAft>
-                <a:spcPts val="0"/>
-              </a:spcAft>
-              <a:buSzPts val="1400"/>
-              <a:buChar char="●"/>
-            </a:pPr>
-            <a:r>
-              <a:rPr lang="en" sz="1400"/>
+              <a:rPr lang="en" sz="1400" dirty="0"/>
               <a:t>Block reflection</a:t>
             </a:r>
-            <a:endParaRPr sz="1400"/>
+            <a:endParaRPr sz="1400" dirty="0"/>
           </a:p>
         </p:txBody>
       </p:sp>
@@ -22812,18 +23664,16 @@
           </a:bodyPr>
           <a:lstStyle/>
           <a:p>
-            <a:pPr marL="0" lvl="0" indent="0" algn="l" rtl="0">
-              <a:spcBef>
-                <a:spcPts val="0"/>
-              </a:spcBef>
-              <a:spcAft>
-                <a:spcPts val="0"/>
-              </a:spcAft>
+            <a:pPr marL="0" indent="0" algn="just">
               <a:buNone/>
             </a:pPr>
             <a:r>
               <a:rPr lang="en" sz="1200" b="1" u="sng" dirty="0"/>
-              <a:t>Section A - My Plan		</a:t>
+              <a:t>Section A - My Plan</a:t>
+            </a:r>
+            <a:r>
+              <a:rPr lang="en" sz="1200" b="1" dirty="0"/>
+              <a:t> </a:t>
             </a:r>
             <a:r>
               <a:rPr lang="en" i="1" dirty="0"/>
@@ -22833,37 +23683,99 @@
               <a:rPr lang="en" i="1" u="sng" dirty="0"/>
               <a:t>week 1</a:t>
             </a:r>
-            <a:endParaRPr i="1" u="sng" dirty="0"/>
-          </a:p>
-          <a:p>
-            <a:pPr marL="0" lvl="0" indent="0" algn="l" rtl="0">
+            <a:endParaRPr lang="en-US" i="1" u="sng" dirty="0"/>
+          </a:p>
+          <a:p>
+            <a:pPr marL="0" indent="0" algn="just">
               <a:spcBef>
                 <a:spcPts val="800"/>
               </a:spcBef>
-              <a:spcAft>
-                <a:spcPts val="0"/>
-              </a:spcAft>
               <a:buNone/>
             </a:pPr>
             <a:r>
               <a:rPr lang="en" dirty="0"/>
               <a:t>Your plan describes your goals for the block. Starting with where you are right now, where do you want to be at the end of the block? I.e. what role(s) will you take responsibility for, and how will you demonstrate progress relevant to the ILOs for this block? What tasks and deliverables are best aligned with your role and the project brief?</a:t>
             </a:r>
-            <a:endParaRPr dirty="0"/>
-          </a:p>
-          <a:p>
-            <a:pPr marL="0" lvl="0" indent="0" algn="l" rtl="0">
+            <a:endParaRPr lang="en-US" dirty="0"/>
+          </a:p>
+          <a:p>
+            <a:pPr marL="0" indent="0" algn="just">
               <a:spcBef>
                 <a:spcPts val="800"/>
               </a:spcBef>
-              <a:spcAft>
-                <a:spcPts val="0"/>
-              </a:spcAft>
               <a:buNone/>
             </a:pPr>
             <a:r>
               <a:rPr lang="en" sz="1200" b="1" u="sng" dirty="0"/>
-              <a:t>Section B - ILO’s		</a:t>
+              <a:t>Section B - Weekly Log</a:t>
+            </a:r>
+            <a:r>
+              <a:rPr lang="en" sz="1200" b="1" dirty="0"/>
+              <a:t> </a:t>
+            </a:r>
+            <a:r>
+              <a:rPr lang="en" i="1" dirty="0"/>
+              <a:t>Must be updated </a:t>
+            </a:r>
+            <a:r>
+              <a:rPr lang="en" i="1" u="sng" dirty="0"/>
+              <a:t>every week</a:t>
+            </a:r>
+            <a:endParaRPr lang="en-US" dirty="0"/>
+          </a:p>
+          <a:p>
+            <a:pPr marL="0" indent="0" algn="just">
+              <a:spcBef>
+                <a:spcPts val="800"/>
+              </a:spcBef>
+              <a:buNone/>
+            </a:pPr>
+            <a:r>
+              <a:rPr lang="en" dirty="0"/>
+              <a:t>This is simply a log (journal) of what you do each day, and what you learn from it. It is your responsibility to update this regularly and frequently. Be sure to include working links to any specific evidence you are referencing (and make sure that you share your docs with the teaching team). Note: some of the required information may be captured in production documents such as your work log or peer reviews. </a:t>
+            </a:r>
+            <a:endParaRPr lang="en-US" dirty="0"/>
+          </a:p>
+          <a:p>
+            <a:pPr marL="0" indent="0" algn="just">
+              <a:spcBef>
+                <a:spcPts val="800"/>
+              </a:spcBef>
+              <a:buNone/>
+            </a:pPr>
+            <a:r>
+              <a:rPr lang="en" dirty="0"/>
+              <a:t>In such cases, you simply need to provide links to those artifacts and may include any explanatory comment or reflection you feel is appropriate. </a:t>
+            </a:r>
+            <a:endParaRPr lang="en-US" dirty="0"/>
+          </a:p>
+          <a:p>
+            <a:pPr marL="0" indent="0" algn="just">
+              <a:spcBef>
+                <a:spcPts val="800"/>
+              </a:spcBef>
+              <a:buNone/>
+            </a:pPr>
+            <a:r>
+              <a:rPr lang="en" dirty="0"/>
+              <a:t>(Some reflection is almost always a good idea as it provides the foundation for Section D.)</a:t>
+            </a:r>
+            <a:endParaRPr lang="en-US" dirty="0"/>
+          </a:p>
+          <a:p>
+            <a:pPr marL="0" indent="0">
+              <a:spcBef>
+                <a:spcPts val="800"/>
+              </a:spcBef>
+              <a:buNone/>
+            </a:pPr>
+            <a:r>
+              <a:rPr lang="en" sz="1200" b="1" u="sng" dirty="0"/>
+              <a:t>Section C - ILO’s</a:t>
+            </a:r>
+            <a:r>
+              <a:rPr lang="en" sz="1200" b="1" dirty="0"/>
+              <a:t>		</a:t>
             </a:r>
             <a:r>
               <a:rPr lang="en" i="1" dirty="0"/>
@@ -22883,111 +23795,37 @@
             </a:r>
             <a:r>
               <a:rPr lang="en" i="1" u="sng" dirty="0"/>
-              <a:t>regularly</a:t>
-            </a:r>
-            <a:endParaRPr i="1" u="sng" dirty="0"/>
-          </a:p>
-          <a:p>
-            <a:pPr marL="0" lvl="0" indent="0" algn="l" rtl="0">
+              <a:t>regularly. </a:t>
+            </a:r>
+            <a:endParaRPr lang="en" dirty="0"/>
+          </a:p>
+          <a:p>
+            <a:pPr marL="0" indent="0" algn="just">
               <a:spcBef>
                 <a:spcPts val="800"/>
               </a:spcBef>
-              <a:spcAft>
-                <a:spcPts val="0"/>
-              </a:spcAft>
               <a:buNone/>
             </a:pPr>
             <a:r>
               <a:rPr lang="en" dirty="0"/>
               <a:t>This is where you link your evidence to each of the Intended Learning Outcomes of this block.</a:t>
             </a:r>
-            <a:endParaRPr dirty="0"/>
-          </a:p>
-          <a:p>
-            <a:pPr marL="0" lvl="0" indent="0" algn="l" rtl="0">
+            <a:endParaRPr/>
+          </a:p>
+          <a:p>
+            <a:pPr marL="0" indent="0" algn="just">
               <a:spcBef>
                 <a:spcPts val="800"/>
               </a:spcBef>
-              <a:spcAft>
-                <a:spcPts val="0"/>
-              </a:spcAft>
               <a:buNone/>
             </a:pPr>
             <a:r>
               <a:rPr lang="en" sz="1200" b="1" u="sng" dirty="0"/>
-              <a:t>Section B - Weekly Log	</a:t>
-            </a:r>
-            <a:r>
-              <a:rPr lang="en" i="1" dirty="0"/>
-              <a:t>Must be updated </a:t>
-            </a:r>
-            <a:r>
-              <a:rPr lang="en" i="1" u="sng" dirty="0"/>
-              <a:t>every week</a:t>
-            </a:r>
-            <a:endParaRPr i="1" u="sng" dirty="0"/>
-          </a:p>
-          <a:p>
-            <a:pPr marL="0" lvl="0" indent="0" algn="l" rtl="0">
-              <a:spcBef>
-                <a:spcPts val="800"/>
-              </a:spcBef>
-              <a:spcAft>
-                <a:spcPts val="0"/>
-              </a:spcAft>
-              <a:buNone/>
-            </a:pPr>
-            <a:r>
-              <a:rPr lang="en" dirty="0"/>
-              <a:t>This is simply a log (journal) of what you do each day, and what you learn from it. It is your responsibility to update this regularly and frequently. Be sure to include working links to any specific evidence you are referencing (and make sure that you share your docs with the teaching team). Note: some of the required information may be captured in production documents such as your work log or peer reviews. </a:t>
-            </a:r>
-            <a:endParaRPr dirty="0"/>
-          </a:p>
-          <a:p>
-            <a:pPr marL="0" lvl="0" indent="0" algn="l" rtl="0">
-              <a:spcBef>
-                <a:spcPts val="800"/>
-              </a:spcBef>
-              <a:spcAft>
-                <a:spcPts val="0"/>
-              </a:spcAft>
-              <a:buNone/>
-            </a:pPr>
-            <a:r>
-              <a:rPr lang="en" dirty="0"/>
-              <a:t>In such cases, you simply need to provide links to those artifacts and may include any explanatory comment or reflection you feel is appropriate. </a:t>
-            </a:r>
-            <a:endParaRPr dirty="0"/>
-          </a:p>
-          <a:p>
-            <a:pPr marL="0" lvl="0" indent="0" algn="l" rtl="0">
-              <a:spcBef>
-                <a:spcPts val="800"/>
-              </a:spcBef>
-              <a:spcAft>
-                <a:spcPts val="0"/>
-              </a:spcAft>
-              <a:buNone/>
-            </a:pPr>
-            <a:r>
-              <a:rPr lang="en" dirty="0"/>
-              <a:t>(Some reflection is almost always a good idea as it provides the foundation for Section C.)</a:t>
-            </a:r>
-            <a:endParaRPr dirty="0"/>
-          </a:p>
-          <a:p>
-            <a:pPr marL="0" lvl="0" indent="0" algn="l" rtl="0">
-              <a:spcBef>
-                <a:spcPts val="800"/>
-              </a:spcBef>
-              <a:spcAft>
-                <a:spcPts val="0"/>
-              </a:spcAft>
-              <a:buNone/>
-            </a:pPr>
-            <a:r>
-              <a:rPr lang="en" sz="1200" b="1" u="sng" dirty="0"/>
-              <a:t>Section C - Reflection	</a:t>
+              <a:t>Section D - Reflection</a:t>
+            </a:r>
+            <a:r>
+              <a:rPr lang="en" sz="1200" b="1" dirty="0"/>
+              <a:t>	</a:t>
             </a:r>
             <a:r>
               <a:rPr lang="en" i="1" dirty="0"/>
@@ -23004,7 +23842,7 @@
             <a:endParaRPr i="1" u="sng" dirty="0"/>
           </a:p>
           <a:p>
-            <a:pPr marL="0" lvl="0" indent="0" algn="l" rtl="0">
+            <a:pPr marL="0" lvl="0" indent="0" algn="just" rtl="0">
               <a:spcBef>
                 <a:spcPts val="800"/>
               </a:spcBef>
@@ -23030,387 +23868,6 @@
 </file>
 
 <file path=ppt/slides/slide30.xml><?xml version="1.0" encoding="utf-8"?>
-<p:sld xmlns:a="http://schemas.openxmlformats.org/drawingml/2006/main" xmlns:r="http://schemas.openxmlformats.org/officeDocument/2006/relationships" xmlns:p="http://schemas.openxmlformats.org/presentationml/2006/main">
-  <p:cSld>
-    <p:spTree>
-      <p:nvGrpSpPr>
-        <p:cNvPr id="1" name="Shape 455"/>
-        <p:cNvGrpSpPr/>
-        <p:nvPr/>
-      </p:nvGrpSpPr>
-      <p:grpSpPr>
-        <a:xfrm>
-          <a:off x="0" y="0"/>
-          <a:ext cx="0" cy="0"/>
-          <a:chOff x="0" y="0"/>
-          <a:chExt cx="0" cy="0"/>
-        </a:xfrm>
-      </p:grpSpPr>
-      <p:sp>
-        <p:nvSpPr>
-          <p:cNvPr id="456" name="Google Shape;456;p48"/>
-          <p:cNvSpPr txBox="1">
-            <a:spLocks noGrp="1"/>
-          </p:cNvSpPr>
-          <p:nvPr>
-            <p:ph type="title"/>
-          </p:nvPr>
-        </p:nvSpPr>
-        <p:spPr>
-          <a:xfrm>
-            <a:off x="68250" y="0"/>
-            <a:ext cx="777300" cy="576000"/>
-          </a:xfrm>
-          <a:prstGeom prst="rect">
-            <a:avLst/>
-          </a:prstGeom>
-        </p:spPr>
-        <p:txBody>
-          <a:bodyPr spcFirstLastPara="1" wrap="square" lIns="91425" tIns="91425" rIns="91425" bIns="91425" anchor="ctr" anchorCtr="0">
-            <a:noAutofit/>
-          </a:bodyPr>
-          <a:lstStyle/>
-          <a:p>
-            <a:pPr marL="0" lvl="0" indent="0" algn="l" rtl="0">
-              <a:spcBef>
-                <a:spcPts val="0"/>
-              </a:spcBef>
-              <a:spcAft>
-                <a:spcPts val="0"/>
-              </a:spcAft>
-              <a:buNone/>
-            </a:pPr>
-            <a:r>
-              <a:rPr lang="en"/>
-              <a:t>ILO 2</a:t>
-            </a:r>
-            <a:endParaRPr/>
-          </a:p>
-        </p:txBody>
-      </p:sp>
-      <p:sp>
-        <p:nvSpPr>
-          <p:cNvPr id="457" name="Google Shape;457;p48"/>
-          <p:cNvSpPr txBox="1">
-            <a:spLocks noGrp="1"/>
-          </p:cNvSpPr>
-          <p:nvPr>
-            <p:ph type="title" idx="2"/>
-          </p:nvPr>
-        </p:nvSpPr>
-        <p:spPr>
-          <a:xfrm>
-            <a:off x="7068300" y="0"/>
-            <a:ext cx="1984200" cy="576000"/>
-          </a:xfrm>
-          <a:prstGeom prst="rect">
-            <a:avLst/>
-          </a:prstGeom>
-        </p:spPr>
-        <p:txBody>
-          <a:bodyPr spcFirstLastPara="1" wrap="square" lIns="91425" tIns="91425" rIns="91425" bIns="91425" anchor="b" anchorCtr="0">
-            <a:noAutofit/>
-          </a:bodyPr>
-          <a:lstStyle/>
-          <a:p>
-            <a:pPr marL="0" lvl="0" indent="0" algn="r" rtl="0">
-              <a:spcBef>
-                <a:spcPts val="0"/>
-              </a:spcBef>
-              <a:spcAft>
-                <a:spcPts val="0"/>
-              </a:spcAft>
-              <a:buNone/>
-            </a:pPr>
-            <a:r>
-              <a:rPr lang="en" dirty="0"/>
-              <a:t>3/7</a:t>
-            </a:r>
-            <a:endParaRPr dirty="0"/>
-          </a:p>
-        </p:txBody>
-      </p:sp>
-      <p:sp>
-        <p:nvSpPr>
-          <p:cNvPr id="458" name="Google Shape;458;p48"/>
-          <p:cNvSpPr txBox="1">
-            <a:spLocks noGrp="1"/>
-          </p:cNvSpPr>
-          <p:nvPr>
-            <p:ph type="body" idx="1"/>
-          </p:nvPr>
-        </p:nvSpPr>
-        <p:spPr>
-          <a:xfrm>
-            <a:off x="182880" y="1069848"/>
-            <a:ext cx="5486400" cy="3895200"/>
-          </a:xfrm>
-          <a:prstGeom prst="rect">
-            <a:avLst/>
-          </a:prstGeom>
-        </p:spPr>
-        <p:txBody>
-          <a:bodyPr spcFirstLastPara="1" wrap="square" lIns="91425" tIns="91425" rIns="91425" bIns="91425" anchor="t" anchorCtr="0">
-            <a:noAutofit/>
-          </a:bodyPr>
-          <a:lstStyle/>
-          <a:p>
-            <a:pPr marL="0" lvl="0" indent="0" algn="l" rtl="0">
-              <a:lnSpc>
-                <a:spcPct val="115000"/>
-              </a:lnSpc>
-              <a:spcBef>
-                <a:spcPts val="0"/>
-              </a:spcBef>
-              <a:spcAft>
-                <a:spcPts val="0"/>
-              </a:spcAft>
-              <a:buNone/>
-            </a:pPr>
-            <a:r>
-              <a:rPr lang="en-US" sz="800" i="1" dirty="0">
-                <a:solidFill>
-                  <a:schemeClr val="lt1"/>
-                </a:solidFill>
-                <a:latin typeface="Helvetica Neue"/>
-                <a:ea typeface="Helvetica Neue"/>
-                <a:cs typeface="Helvetica Neue"/>
-                <a:sym typeface="Helvetica Neue"/>
-              </a:rPr>
-              <a:t>Show your best examples </a:t>
-            </a:r>
-            <a:r>
-              <a:rPr lang="en-US" sz="800" b="1" i="1" dirty="0">
-                <a:solidFill>
-                  <a:schemeClr val="lt1"/>
-                </a:solidFill>
-                <a:latin typeface="Helvetica Neue"/>
-                <a:ea typeface="Helvetica Neue"/>
-                <a:cs typeface="Helvetica Neue"/>
-                <a:sym typeface="Helvetica Neue"/>
-              </a:rPr>
-              <a:t>using GitHub links</a:t>
-            </a:r>
-            <a:r>
-              <a:rPr lang="en-US" sz="800" i="1" dirty="0">
-                <a:solidFill>
-                  <a:schemeClr val="lt1"/>
-                </a:solidFill>
-                <a:latin typeface="Helvetica Neue"/>
-                <a:ea typeface="Helvetica Neue"/>
-                <a:cs typeface="Helvetica Neue"/>
-                <a:sym typeface="Helvetica Neue"/>
-              </a:rPr>
-              <a:t>, do not go overboard, add in short description, you are free to alter this layout (or add slides per evidence) to suit your needs. Just be sure that it is clear.</a:t>
-            </a:r>
-            <a:endParaRPr lang="en-US" sz="800" dirty="0">
-              <a:solidFill>
-                <a:schemeClr val="lt1"/>
-              </a:solidFill>
-            </a:endParaRPr>
-          </a:p>
-          <a:p>
-            <a:pPr marL="0" lvl="0" indent="0" algn="l" rtl="0">
-              <a:lnSpc>
-                <a:spcPct val="115000"/>
-              </a:lnSpc>
-              <a:spcBef>
-                <a:spcPts val="0"/>
-              </a:spcBef>
-              <a:spcAft>
-                <a:spcPts val="0"/>
-              </a:spcAft>
-              <a:buNone/>
-            </a:pPr>
-            <a:endParaRPr lang="en-US" sz="600" i="1" dirty="0">
-              <a:solidFill>
-                <a:schemeClr val="lt1"/>
-              </a:solidFill>
-              <a:latin typeface="Helvetica Neue"/>
-              <a:ea typeface="Helvetica Neue"/>
-              <a:cs typeface="Helvetica Neue"/>
-              <a:sym typeface="Helvetica Neue"/>
-            </a:endParaRPr>
-          </a:p>
-        </p:txBody>
-      </p:sp>
-      <p:sp>
-        <p:nvSpPr>
-          <p:cNvPr id="459" name="Google Shape;459;p48"/>
-          <p:cNvSpPr txBox="1">
-            <a:spLocks noGrp="1"/>
-          </p:cNvSpPr>
-          <p:nvPr>
-            <p:ph type="title" idx="3"/>
-          </p:nvPr>
-        </p:nvSpPr>
-        <p:spPr>
-          <a:xfrm>
-            <a:off x="2049462" y="0"/>
-            <a:ext cx="4206300" cy="576000"/>
-          </a:xfrm>
-          <a:prstGeom prst="rect">
-            <a:avLst/>
-          </a:prstGeom>
-        </p:spPr>
-        <p:txBody>
-          <a:bodyPr spcFirstLastPara="1" wrap="square" lIns="91425" tIns="91425" rIns="91425" bIns="91425" anchor="ctr" anchorCtr="0">
-            <a:noAutofit/>
-          </a:bodyPr>
-          <a:lstStyle/>
-          <a:p>
-            <a:pPr marL="0" lvl="0" indent="0" algn="l" rtl="0">
-              <a:spcBef>
-                <a:spcPts val="0"/>
-              </a:spcBef>
-              <a:spcAft>
-                <a:spcPts val="0"/>
-              </a:spcAft>
-              <a:buNone/>
-            </a:pPr>
-            <a:r>
-              <a:rPr lang="en-US" dirty="0"/>
-              <a:t>The student demonstrates foundational knowledge and understanding of the theories, principles, methods, and techniques related to the (sub)fields of computer vision, reinforcement learning, and robotics by interpreting, and subsequently disseminating the project findings via a written report. </a:t>
-            </a:r>
-            <a:endParaRPr lang="en-GB" dirty="0"/>
-          </a:p>
-        </p:txBody>
-      </p:sp>
-      <p:sp>
-        <p:nvSpPr>
-          <p:cNvPr id="460" name="Google Shape;460;p48"/>
-          <p:cNvSpPr txBox="1">
-            <a:spLocks noGrp="1"/>
-          </p:cNvSpPr>
-          <p:nvPr>
-            <p:ph type="title" idx="4"/>
-          </p:nvPr>
-        </p:nvSpPr>
-        <p:spPr>
-          <a:xfrm>
-            <a:off x="68250" y="576000"/>
-            <a:ext cx="839700" cy="493800"/>
-          </a:xfrm>
-          <a:prstGeom prst="rect">
-            <a:avLst/>
-          </a:prstGeom>
-        </p:spPr>
-        <p:txBody>
-          <a:bodyPr spcFirstLastPara="1" wrap="square" lIns="91425" tIns="91425" rIns="91425" bIns="91425" anchor="ctr" anchorCtr="0">
-            <a:noAutofit/>
-          </a:bodyPr>
-          <a:lstStyle/>
-          <a:p>
-            <a:pPr marL="0" lvl="0" indent="0" algn="l" rtl="0">
-              <a:spcBef>
-                <a:spcPts val="0"/>
-              </a:spcBef>
-              <a:spcAft>
-                <a:spcPts val="0"/>
-              </a:spcAft>
-              <a:buNone/>
-            </a:pPr>
-            <a:r>
-              <a:rPr lang="en" dirty="0"/>
-              <a:t>2.1</a:t>
-            </a:r>
-            <a:endParaRPr dirty="0"/>
-          </a:p>
-        </p:txBody>
-      </p:sp>
-      <p:sp>
-        <p:nvSpPr>
-          <p:cNvPr id="461" name="Google Shape;461;p48"/>
-          <p:cNvSpPr txBox="1">
-            <a:spLocks noGrp="1"/>
-          </p:cNvSpPr>
-          <p:nvPr>
-            <p:ph type="title" idx="5"/>
-          </p:nvPr>
-        </p:nvSpPr>
-        <p:spPr>
-          <a:xfrm>
-            <a:off x="845550" y="576000"/>
-            <a:ext cx="7315200" cy="493800"/>
-          </a:xfrm>
-          <a:prstGeom prst="rect">
-            <a:avLst/>
-          </a:prstGeom>
-        </p:spPr>
-        <p:txBody>
-          <a:bodyPr spcFirstLastPara="1" wrap="square" lIns="91425" tIns="91425" rIns="91425" bIns="91425" anchor="ctr" anchorCtr="0">
-            <a:noAutofit/>
-          </a:bodyPr>
-          <a:lstStyle/>
-          <a:p>
-            <a:pPr marL="0" lvl="0" indent="0" algn="l" rtl="0">
-              <a:spcBef>
-                <a:spcPts val="0"/>
-              </a:spcBef>
-              <a:spcAft>
-                <a:spcPts val="0"/>
-              </a:spcAft>
-              <a:buNone/>
-            </a:pPr>
-            <a:r>
-              <a:rPr lang="en-US" dirty="0"/>
-              <a:t>The student demonstrates foundational knowledge and understanding of the theories, principles, methods, and techniques related to the (sub)fields of computer vision, reinforcement learning, and robotics by interpreting, and subsequently disseminating the project findings via a written report. </a:t>
-            </a:r>
-            <a:endParaRPr lang="en-GB" dirty="0"/>
-          </a:p>
-        </p:txBody>
-      </p:sp>
-      <p:sp>
-        <p:nvSpPr>
-          <p:cNvPr id="462" name="Google Shape;462;p48"/>
-          <p:cNvSpPr txBox="1">
-            <a:spLocks noGrp="1"/>
-          </p:cNvSpPr>
-          <p:nvPr>
-            <p:ph type="title" idx="6"/>
-          </p:nvPr>
-        </p:nvSpPr>
-        <p:spPr>
-          <a:xfrm>
-            <a:off x="845550" y="0"/>
-            <a:ext cx="1368600" cy="576000"/>
-          </a:xfrm>
-          <a:prstGeom prst="rect">
-            <a:avLst/>
-          </a:prstGeom>
-        </p:spPr>
-        <p:txBody>
-          <a:bodyPr spcFirstLastPara="1" wrap="square" lIns="91425" tIns="91425" rIns="91425" bIns="91425" anchor="ctr" anchorCtr="0">
-            <a:noAutofit/>
-          </a:bodyPr>
-          <a:lstStyle/>
-          <a:p>
-            <a:pPr marL="0" lvl="0" indent="0" algn="l" rtl="0">
-              <a:spcBef>
-                <a:spcPts val="0"/>
-              </a:spcBef>
-              <a:spcAft>
-                <a:spcPts val="0"/>
-              </a:spcAft>
-              <a:buNone/>
-            </a:pPr>
-            <a:r>
-              <a:rPr lang="en-US" sz="900" dirty="0"/>
-              <a:t>Theory: Computer Vision, Reinforcement Learning, and Robotics</a:t>
-            </a:r>
-            <a:endParaRPr sz="900" dirty="0"/>
-          </a:p>
-        </p:txBody>
-      </p:sp>
-    </p:spTree>
-  </p:cSld>
-  <p:clrMapOvr>
-    <a:masterClrMapping/>
-  </p:clrMapOvr>
-</p:sld>
-</file>
-
-<file path=ppt/slides/slide31.xml><?xml version="1.0" encoding="utf-8"?>
 <p:sld xmlns:a="http://schemas.openxmlformats.org/drawingml/2006/main" xmlns:r="http://schemas.openxmlformats.org/officeDocument/2006/relationships" xmlns:p="http://schemas.openxmlformats.org/presentationml/2006/main">
   <p:cSld>
     <p:spTree>
@@ -23494,18 +23951,10 @@
           </a:bodyPr>
           <a:lstStyle/>
           <a:p>
-            <a:pPr marL="0" lvl="0" indent="0" algn="ctr" rtl="0">
-              <a:spcBef>
-                <a:spcPts val="0"/>
-              </a:spcBef>
-              <a:spcAft>
-                <a:spcPts val="0"/>
-              </a:spcAft>
-              <a:buNone/>
-            </a:pPr>
+            <a:pPr marL="0" indent="0"/>
             <a:r>
               <a:rPr lang="en-GB" dirty="0"/>
-              <a:t>Application: Computer Vision</a:t>
+              <a:t>Communication &amp; Presentation</a:t>
             </a:r>
             <a:endParaRPr dirty="0"/>
           </a:p>
@@ -23536,20 +23985,11 @@
           </a:bodyPr>
           <a:lstStyle/>
           <a:p>
-            <a:pPr marL="0" lvl="0" indent="0" algn="r" rtl="0">
-              <a:spcBef>
-                <a:spcPts val="0"/>
-              </a:spcBef>
-              <a:spcAft>
-                <a:spcPts val="0"/>
-              </a:spcAft>
-              <a:buNone/>
-            </a:pPr>
+            <a:pPr marL="0" indent="0"/>
             <a:r>
               <a:rPr lang="en-US" dirty="0"/>
-              <a:t>The student is able design, implement, and evaluate an object detection application that contributes to the business objective.</a:t>
-            </a:r>
-            <a:endParaRPr dirty="0"/>
+              <a:t>The student is able to present their Kaggle submissions.</a:t>
+            </a:r>
           </a:p>
         </p:txBody>
       </p:sp>
@@ -23619,7 +24059,7 @@
 </p:sld>
 </file>
 
-<file path=ppt/slides/slide32.xml><?xml version="1.0" encoding="utf-8"?>
+<file path=ppt/slides/slide31.xml><?xml version="1.0" encoding="utf-8"?>
 <p:sld xmlns:a="http://schemas.openxmlformats.org/drawingml/2006/main" xmlns:r="http://schemas.openxmlformats.org/officeDocument/2006/relationships" xmlns:p="http://schemas.openxmlformats.org/presentationml/2006/main">
   <p:cSld>
     <p:spTree>
@@ -23714,7 +24154,7 @@
             </a:pPr>
             <a:r>
               <a:rPr lang="en" dirty="0"/>
-              <a:t>4/7</a:t>
+              <a:t>3/6</a:t>
             </a:r>
             <a:endParaRPr dirty="0"/>
           </a:p>
@@ -23899,20 +24339,10 @@
           </a:bodyPr>
           <a:lstStyle/>
           <a:p>
-            <a:pPr marL="0" lvl="0" indent="0" algn="l" rtl="0">
-              <a:spcBef>
-                <a:spcPts val="0"/>
-              </a:spcBef>
-              <a:spcAft>
-                <a:spcPts val="0"/>
-              </a:spcAft>
-              <a:buNone/>
-            </a:pPr>
-            <a:r>
-              <a:rPr lang="en-US" dirty="0"/>
-              <a:t>The student is able to acquire, store and process raw image data in a way that allows for data exploration and analysis.</a:t>
-            </a:r>
-            <a:endParaRPr lang="en-GB" dirty="0"/>
+            <a:r>
+              <a:rPr lang="en-US" i="0" dirty="0"/>
+              <a:t>The student is able to present their Kaggle submissions.</a:t>
+            </a:r>
           </a:p>
         </p:txBody>
       </p:sp>
@@ -23947,20 +24377,10 @@
           </a:bodyPr>
           <a:lstStyle/>
           <a:p>
-            <a:pPr marL="0" lvl="0" indent="0" algn="l" rtl="0">
-              <a:spcBef>
-                <a:spcPts val="0"/>
-              </a:spcBef>
-              <a:spcAft>
-                <a:spcPts val="0"/>
-              </a:spcAft>
-              <a:buNone/>
-            </a:pPr>
-            <a:r>
-              <a:rPr lang="en-US" dirty="0"/>
-              <a:t>The student is able design, implement, and evaluate an object detection application that contributes to the business objective.</a:t>
-            </a:r>
-            <a:endParaRPr lang="en-GB" dirty="0"/>
+            <a:r>
+              <a:rPr lang="en-US" i="0" dirty="0"/>
+              <a:t>The student is able to present their Kaggle submissions.</a:t>
+            </a:r>
           </a:p>
         </p:txBody>
       </p:sp>
@@ -23995,6 +24415,172 @@
           </a:bodyPr>
           <a:lstStyle/>
           <a:p>
+            <a:r>
+              <a:rPr lang="en-US" sz="1100" dirty="0"/>
+              <a:t>Communication &amp; Presentation</a:t>
+            </a:r>
+            <a:endParaRPr lang="en-US" dirty="0"/>
+          </a:p>
+        </p:txBody>
+      </p:sp>
+    </p:spTree>
+  </p:cSld>
+  <p:clrMapOvr>
+    <a:masterClrMapping/>
+  </p:clrMapOvr>
+</p:sld>
+</file>
+
+<file path=ppt/slides/slide32.xml><?xml version="1.0" encoding="utf-8"?>
+<p:sld xmlns:a="http://schemas.openxmlformats.org/drawingml/2006/main" xmlns:r="http://schemas.openxmlformats.org/officeDocument/2006/relationships" xmlns:p="http://schemas.openxmlformats.org/presentationml/2006/main">
+  <p:cSld>
+    <p:spTree>
+      <p:nvGrpSpPr>
+        <p:cNvPr id="1" name="Shape 466"/>
+        <p:cNvGrpSpPr/>
+        <p:nvPr/>
+      </p:nvGrpSpPr>
+      <p:grpSpPr>
+        <a:xfrm>
+          <a:off x="0" y="0"/>
+          <a:ext cx="0" cy="0"/>
+          <a:chOff x="0" y="0"/>
+          <a:chExt cx="0" cy="0"/>
+        </a:xfrm>
+      </p:grpSpPr>
+      <p:sp>
+        <p:nvSpPr>
+          <p:cNvPr id="467" name="Google Shape;467;p49"/>
+          <p:cNvSpPr txBox="1">
+            <a:spLocks noGrp="1"/>
+          </p:cNvSpPr>
+          <p:nvPr>
+            <p:ph type="ctrTitle"/>
+          </p:nvPr>
+        </p:nvSpPr>
+        <p:spPr>
+          <a:xfrm>
+            <a:off x="2286000" y="1104139"/>
+            <a:ext cx="6400800" cy="1501800"/>
+          </a:xfrm>
+          <a:prstGeom prst="rect">
+            <a:avLst/>
+          </a:prstGeom>
+        </p:spPr>
+        <p:txBody>
+          <a:bodyPr spcFirstLastPara="1" wrap="square" lIns="91425" tIns="91425" rIns="91425" bIns="91425" anchor="ctr" anchorCtr="0">
+            <a:noAutofit/>
+          </a:bodyPr>
+          <a:lstStyle/>
+          <a:p>
+            <a:pPr marL="0" lvl="0" indent="0" algn="ctr" rtl="0">
+              <a:spcBef>
+                <a:spcPts val="0"/>
+              </a:spcBef>
+              <a:spcAft>
+                <a:spcPts val="0"/>
+              </a:spcAft>
+              <a:buNone/>
+            </a:pPr>
+            <a:r>
+              <a:rPr lang="en"/>
+              <a:t>ILO 4</a:t>
+            </a:r>
+            <a:endParaRPr/>
+          </a:p>
+        </p:txBody>
+      </p:sp>
+      <p:sp>
+        <p:nvSpPr>
+          <p:cNvPr id="468" name="Google Shape;468;p49"/>
+          <p:cNvSpPr txBox="1">
+            <a:spLocks noGrp="1"/>
+          </p:cNvSpPr>
+          <p:nvPr>
+            <p:ph type="subTitle" idx="1"/>
+          </p:nvPr>
+        </p:nvSpPr>
+        <p:spPr>
+          <a:xfrm>
+            <a:off x="2286000" y="2503171"/>
+            <a:ext cx="6400800" cy="685800"/>
+          </a:xfrm>
+          <a:prstGeom prst="rect">
+            <a:avLst/>
+          </a:prstGeom>
+        </p:spPr>
+        <p:txBody>
+          <a:bodyPr spcFirstLastPara="1" wrap="square" lIns="91425" tIns="91425" rIns="91425" bIns="91425" anchor="ctr" anchorCtr="0">
+            <a:noAutofit/>
+          </a:bodyPr>
+          <a:lstStyle/>
+          <a:p>
+            <a:pPr marL="0" indent="0"/>
+            <a:r>
+              <a:rPr lang="en-US" dirty="0"/>
+              <a:t>Natural Language Processing</a:t>
+            </a:r>
+          </a:p>
+        </p:txBody>
+      </p:sp>
+      <p:sp>
+        <p:nvSpPr>
+          <p:cNvPr id="469" name="Google Shape;469;p49"/>
+          <p:cNvSpPr txBox="1">
+            <a:spLocks noGrp="1"/>
+          </p:cNvSpPr>
+          <p:nvPr>
+            <p:ph type="subTitle" idx="2"/>
+          </p:nvPr>
+        </p:nvSpPr>
+        <p:spPr>
+          <a:xfrm>
+            <a:off x="3200400" y="3353563"/>
+            <a:ext cx="5486400" cy="685800"/>
+          </a:xfrm>
+          <a:prstGeom prst="rect">
+            <a:avLst/>
+          </a:prstGeom>
+        </p:spPr>
+        <p:txBody>
+          <a:bodyPr spcFirstLastPara="1" wrap="square" lIns="91425" tIns="91425" rIns="91425" bIns="91425" anchor="ctr" anchorCtr="0">
+            <a:noAutofit/>
+          </a:bodyPr>
+          <a:lstStyle/>
+          <a:p>
+            <a:pPr marL="0" indent="0"/>
+            <a:r>
+              <a:rPr lang="en-US" dirty="0"/>
+              <a:t>The student is able to develop natural language processing models.</a:t>
+            </a:r>
+          </a:p>
+        </p:txBody>
+      </p:sp>
+      <p:sp>
+        <p:nvSpPr>
+          <p:cNvPr id="470" name="Google Shape;470;p49"/>
+          <p:cNvSpPr txBox="1"/>
+          <p:nvPr/>
+        </p:nvSpPr>
+        <p:spPr>
+          <a:xfrm>
+            <a:off x="-420624" y="749808"/>
+            <a:ext cx="3383400" cy="5120700"/>
+          </a:xfrm>
+          <a:prstGeom prst="rect">
+            <a:avLst/>
+          </a:prstGeom>
+          <a:noFill/>
+          <a:ln>
+            <a:noFill/>
+          </a:ln>
+        </p:spPr>
+        <p:txBody>
+          <a:bodyPr spcFirstLastPara="1" wrap="square" lIns="0" tIns="0" rIns="0" bIns="0" anchor="ctr" anchorCtr="0">
+            <a:noAutofit/>
+          </a:bodyPr>
+          <a:lstStyle/>
+          <a:p>
             <a:pPr marL="0" lvl="0" indent="0" algn="l" rtl="0">
               <a:spcBef>
                 <a:spcPts val="0"/>
@@ -24005,14 +24591,35 @@
               <a:buNone/>
             </a:pPr>
             <a:r>
-              <a:rPr lang="en-US" sz="1100" dirty="0"/>
-              <a:t>Application: Computer Vision</a:t>
-            </a:r>
-            <a:endParaRPr sz="1100" dirty="0"/>
+              <a:rPr lang="en" sz="40000">
+                <a:solidFill>
+                  <a:srgbClr val="999999"/>
+                </a:solidFill>
+                <a:latin typeface="Roboto"/>
+                <a:ea typeface="Roboto"/>
+                <a:cs typeface="Roboto"/>
+                <a:sym typeface="Roboto"/>
+              </a:rPr>
+              <a:t>4</a:t>
+            </a:r>
+            <a:endParaRPr sz="40000">
+              <a:solidFill>
+                <a:srgbClr val="999999"/>
+              </a:solidFill>
+              <a:latin typeface="Roboto"/>
+              <a:ea typeface="Roboto"/>
+              <a:cs typeface="Roboto"/>
+              <a:sym typeface="Roboto"/>
+            </a:endParaRPr>
           </a:p>
         </p:txBody>
       </p:sp>
     </p:spTree>
+    <p:extLst>
+      <p:ext uri="{BB962C8B-B14F-4D97-AF65-F5344CB8AC3E}">
+        <p14:creationId xmlns:p14="http://schemas.microsoft.com/office/powerpoint/2010/main" val="4111561620"/>
+      </p:ext>
+    </p:extLst>
   </p:cSld>
   <p:clrMapOvr>
     <a:masterClrMapping/>
@@ -24072,10 +24679,10 @@
               <a:buNone/>
             </a:pPr>
             <a:r>
-              <a:rPr lang="en" dirty="0"/>
-              <a:t>ILO 3</a:t>
-            </a:r>
-            <a:endParaRPr dirty="0"/>
+              <a:rPr lang="en"/>
+              <a:t>ILO 4</a:t>
+            </a:r>
+            <a:endParaRPr/>
           </a:p>
         </p:txBody>
       </p:sp>
@@ -24115,7 +24722,7 @@
             </a:pPr>
             <a:r>
               <a:rPr lang="en" dirty="0"/>
-              <a:t>5/7</a:t>
+              <a:t>4/6</a:t>
             </a:r>
             <a:endParaRPr dirty="0"/>
           </a:p>
@@ -24260,14 +24867,10 @@
               <a:buNone/>
             </a:pPr>
             <a:r>
-              <a:rPr lang="en" dirty="0">
-                <a:solidFill>
-                  <a:srgbClr val="FFFFFF"/>
-                </a:solidFill>
-              </a:rPr>
-              <a:t>3.2</a:t>
-            </a:r>
-            <a:endParaRPr dirty="0">
+              <a:rPr lang="en" dirty="0"/>
+              <a:t>4.0</a:t>
+            </a:r>
+            <a:endParaRPr lang="en-US" dirty="0">
               <a:solidFill>
                 <a:srgbClr val="FFFFFF"/>
               </a:solidFill>
@@ -24300,29 +24903,19 @@
           </a:bodyPr>
           <a:lstStyle/>
           <a:p>
-            <a:pPr marL="0" lvl="0" indent="0" algn="l" rtl="0">
-              <a:spcBef>
-                <a:spcPts val="0"/>
-              </a:spcBef>
-              <a:spcAft>
-                <a:spcPts val="0"/>
-              </a:spcAft>
-              <a:buNone/>
-            </a:pPr>
-            <a:r>
-              <a:rPr lang="en-US" dirty="0"/>
-              <a:t>The student is able to implement a traditional and Deep Learning object detection algorithm, making appropriate use of current tools and libraries, and cognitive models.</a:t>
-            </a:r>
-            <a:endParaRPr lang="en-GB" dirty="0"/>
-          </a:p>
-        </p:txBody>
-      </p:sp>
-      <p:sp>
-        <p:nvSpPr>
-          <p:cNvPr id="8" name="Google Shape;459;p48">
+            <a:r>
+              <a:rPr lang="en-US" i="0" dirty="0"/>
+              <a:t>The student is able to develop natural language processing models.</a:t>
+            </a:r>
+          </a:p>
+        </p:txBody>
+      </p:sp>
+      <p:sp>
+        <p:nvSpPr>
+          <p:cNvPr id="2" name="Google Shape;462;p48">
             <a:extLst>
               <a:ext uri="{FF2B5EF4-FFF2-40B4-BE49-F238E27FC236}">
-                <a16:creationId xmlns:a16="http://schemas.microsoft.com/office/drawing/2014/main" id="{DE8B85CC-86BE-FFBA-5E25-9E5D1318CD48}"/>
+                <a16:creationId xmlns:a16="http://schemas.microsoft.com/office/drawing/2014/main" id="{0DF68E2A-4FDB-D5FA-06F1-F3DB970B9CD1}"/>
               </a:ext>
             </a:extLst>
           </p:cNvPr>
@@ -24330,13 +24923,13 @@
             <a:spLocks noGrp="1"/>
           </p:cNvSpPr>
           <p:nvPr>
-            <p:ph type="title" idx="3"/>
-          </p:nvPr>
-        </p:nvSpPr>
-        <p:spPr>
-          <a:xfrm>
-            <a:off x="2049462" y="0"/>
-            <a:ext cx="4206300" cy="576000"/>
+            <p:ph type="title" idx="6"/>
+          </p:nvPr>
+        </p:nvSpPr>
+        <p:spPr>
+          <a:xfrm>
+            <a:off x="845550" y="0"/>
+            <a:ext cx="3524744" cy="576000"/>
           </a:xfrm>
           <a:prstGeom prst="rect">
             <a:avLst/>
@@ -24348,29 +24941,19 @@
           </a:bodyPr>
           <a:lstStyle/>
           <a:p>
-            <a:pPr marL="0" lvl="0" indent="0" algn="l" rtl="0">
-              <a:spcBef>
-                <a:spcPts val="0"/>
-              </a:spcBef>
-              <a:spcAft>
-                <a:spcPts val="0"/>
-              </a:spcAft>
-              <a:buNone/>
-            </a:pPr>
-            <a:r>
-              <a:rPr lang="en-US" dirty="0"/>
-              <a:t>The student is able design, implement, and evaluate an object detection application that contributes to the business objective.</a:t>
-            </a:r>
-            <a:endParaRPr lang="en-GB" dirty="0"/>
-          </a:p>
-        </p:txBody>
-      </p:sp>
-      <p:sp>
-        <p:nvSpPr>
-          <p:cNvPr id="4" name="Google Shape;462;p48">
+            <a:r>
+              <a:rPr lang="en-US" sz="1100" dirty="0"/>
+              <a:t>Natural Language Processing</a:t>
+            </a:r>
+          </a:p>
+        </p:txBody>
+      </p:sp>
+      <p:sp>
+        <p:nvSpPr>
+          <p:cNvPr id="4" name="Google Shape;459;p48">
             <a:extLst>
               <a:ext uri="{FF2B5EF4-FFF2-40B4-BE49-F238E27FC236}">
-                <a16:creationId xmlns:a16="http://schemas.microsoft.com/office/drawing/2014/main" id="{4B1AFA75-0BFC-2AF2-8AED-33D45D7F8644}"/>
+                <a16:creationId xmlns:a16="http://schemas.microsoft.com/office/drawing/2014/main" id="{DF712CDF-A13F-0749-18B9-BB5188306C34}"/>
               </a:ext>
             </a:extLst>
           </p:cNvPr>
@@ -24378,13 +24961,13 @@
             <a:spLocks noGrp="1"/>
           </p:cNvSpPr>
           <p:nvPr>
-            <p:ph type="title" idx="6"/>
-          </p:nvPr>
-        </p:nvSpPr>
-        <p:spPr>
-          <a:xfrm>
-            <a:off x="845550" y="0"/>
-            <a:ext cx="1368600" cy="576000"/>
+            <p:ph type="title" idx="3"/>
+          </p:nvPr>
+        </p:nvSpPr>
+        <p:spPr>
+          <a:xfrm>
+            <a:off x="3277579" y="-6080"/>
+            <a:ext cx="4206300" cy="576000"/>
           </a:xfrm>
           <a:prstGeom prst="rect">
             <a:avLst/>
@@ -24396,27 +24979,18 @@
           </a:bodyPr>
           <a:lstStyle/>
           <a:p>
-            <a:pPr marL="0" lvl="0" indent="0" algn="l" rtl="0">
-              <a:spcBef>
-                <a:spcPts val="0"/>
-              </a:spcBef>
-              <a:spcAft>
-                <a:spcPts val="0"/>
-              </a:spcAft>
-              <a:buNone/>
-            </a:pPr>
-            <a:r>
-              <a:rPr lang="en-US" sz="1100" dirty="0"/>
-              <a:t>Application: Computer Vision</a:t>
-            </a:r>
-            <a:endParaRPr sz="1100" dirty="0"/>
+            <a:r>
+              <a:rPr lang="en-US" i="0" dirty="0"/>
+              <a:t>The student is able to develop natural language processing models.</a:t>
+            </a:r>
+            <a:endParaRPr lang="en-US" dirty="0"/>
           </a:p>
         </p:txBody>
       </p:sp>
     </p:spTree>
     <p:extLst>
       <p:ext uri="{BB962C8B-B14F-4D97-AF65-F5344CB8AC3E}">
-        <p14:creationId xmlns:p14="http://schemas.microsoft.com/office/powerpoint/2010/main" val="1502408490"/>
+        <p14:creationId xmlns:p14="http://schemas.microsoft.com/office/powerpoint/2010/main" val="3889067802"/>
       </p:ext>
     </p:extLst>
   </p:cSld>
@@ -24478,10 +25052,10 @@
               <a:buNone/>
             </a:pPr>
             <a:r>
-              <a:rPr lang="en"/>
-              <a:t>ILO 4</a:t>
-            </a:r>
-            <a:endParaRPr/>
+              <a:rPr lang="en" dirty="0"/>
+              <a:t>ILO 5</a:t>
+            </a:r>
+            <a:endParaRPr dirty="0"/>
           </a:p>
         </p:txBody>
       </p:sp>
@@ -24510,20 +25084,11 @@
           </a:bodyPr>
           <a:lstStyle/>
           <a:p>
-            <a:pPr marL="0" lvl="0" indent="0" algn="ctr" rtl="0">
-              <a:spcBef>
-                <a:spcPts val="0"/>
-              </a:spcBef>
-              <a:spcAft>
-                <a:spcPts val="0"/>
-              </a:spcAft>
-              <a:buNone/>
-            </a:pPr>
+            <a:pPr marL="0" indent="0"/>
             <a:r>
               <a:rPr lang="en-US" dirty="0"/>
-              <a:t>Application: Robotic Control Theory and Reinforcement Learning</a:t>
-            </a:r>
-            <a:endParaRPr dirty="0"/>
+              <a:t>Kaggle Natural Language Processing Competition</a:t>
+            </a:r>
           </a:p>
         </p:txBody>
       </p:sp>
@@ -24552,16 +25117,11 @@
           </a:bodyPr>
           <a:lstStyle/>
           <a:p>
-            <a:pPr marL="0" lvl="0" indent="0" algn="r" rtl="0">
-              <a:spcBef>
-                <a:spcPts val="0"/>
-              </a:spcBef>
-              <a:spcAft>
-                <a:spcPts val="0"/>
-              </a:spcAft>
-              <a:buNone/>
-            </a:pPr>
-            <a:endParaRPr dirty="0"/>
+            <a:pPr marL="0" indent="0"/>
+            <a:r>
+              <a:rPr lang="en-US" dirty="0"/>
+              <a:t>The student is able to compete at a Kaggle natural language processing competition individually and as part of a team.</a:t>
+            </a:r>
           </a:p>
         </p:txBody>
       </p:sp>
@@ -24600,33 +25160,23 @@
               <a:buNone/>
             </a:pPr>
             <a:r>
-              <a:rPr lang="en" sz="40000">
+              <a:rPr lang="en" sz="40000" dirty="0">
                 <a:solidFill>
                   <a:srgbClr val="999999"/>
                 </a:solidFill>
                 <a:latin typeface="Roboto"/>
                 <a:ea typeface="Roboto"/>
                 <a:cs typeface="Roboto"/>
-                <a:sym typeface="Roboto"/>
               </a:rPr>
-              <a:t>4</a:t>
-            </a:r>
-            <a:endParaRPr sz="40000">
-              <a:solidFill>
-                <a:srgbClr val="999999"/>
-              </a:solidFill>
-              <a:latin typeface="Roboto"/>
-              <a:ea typeface="Roboto"/>
-              <a:cs typeface="Roboto"/>
-              <a:sym typeface="Roboto"/>
-            </a:endParaRPr>
+              <a:t>5</a:t>
+            </a:r>
           </a:p>
         </p:txBody>
       </p:sp>
     </p:spTree>
     <p:extLst>
       <p:ext uri="{BB962C8B-B14F-4D97-AF65-F5344CB8AC3E}">
-        <p14:creationId xmlns:p14="http://schemas.microsoft.com/office/powerpoint/2010/main" val="4111561620"/>
+        <p14:creationId xmlns:p14="http://schemas.microsoft.com/office/powerpoint/2010/main" val="4035082316"/>
       </p:ext>
     </p:extLst>
   </p:cSld>
@@ -24688,10 +25238,10 @@
               <a:buNone/>
             </a:pPr>
             <a:r>
-              <a:rPr lang="en"/>
-              <a:t>ILO 4</a:t>
-            </a:r>
-            <a:endParaRPr/>
+              <a:rPr lang="en" dirty="0"/>
+              <a:t>ILO 5</a:t>
+            </a:r>
+            <a:endParaRPr dirty="0"/>
           </a:p>
         </p:txBody>
       </p:sp>
@@ -24731,7 +25281,7 @@
             </a:pPr>
             <a:r>
               <a:rPr lang="en" dirty="0"/>
-              <a:t>6/7</a:t>
+              <a:t>5/6</a:t>
             </a:r>
             <a:endParaRPr dirty="0"/>
           </a:p>
@@ -24877,21 +25427,9 @@
             </a:pPr>
             <a:r>
               <a:rPr lang="en" dirty="0"/>
-              <a:t>4</a:t>
-            </a:r>
-            <a:r>
-              <a:rPr lang="en" dirty="0">
-                <a:solidFill>
-                  <a:srgbClr val="FFFFFF"/>
-                </a:solidFill>
-              </a:rPr>
-              <a:t>.</a:t>
-            </a:r>
-            <a:r>
-              <a:rPr lang="en-US" dirty="0"/>
-              <a:t>1</a:t>
-            </a:r>
-            <a:endParaRPr dirty="0">
+              <a:t>5.0</a:t>
+            </a:r>
+            <a:endParaRPr lang="en-US" dirty="0">
               <a:solidFill>
                 <a:srgbClr val="FFFFFF"/>
               </a:solidFill>
@@ -24924,20 +25462,11 @@
           </a:bodyPr>
           <a:lstStyle/>
           <a:p>
-            <a:pPr marL="0" lvl="0" indent="0" algn="l" rtl="0">
-              <a:spcBef>
-                <a:spcPts val="0"/>
-              </a:spcBef>
-              <a:spcAft>
-                <a:spcPts val="0"/>
-              </a:spcAft>
-              <a:buNone/>
-            </a:pPr>
-            <a:r>
-              <a:rPr lang="en-US" dirty="0"/>
-              <a:t>The student is able to create a robot controller for the pick and place task  with different levels of complexity.</a:t>
-            </a:r>
-            <a:endParaRPr lang="en-GB" dirty="0"/>
+            <a:r>
+              <a:rPr lang="en-US" i="0" dirty="0"/>
+              <a:t>The student is able to compete at a Kaggle natural language processing competition individually and as part of a team.</a:t>
+            </a:r>
+            <a:endParaRPr lang="en-US" dirty="0"/>
           </a:p>
         </p:txBody>
       </p:sp>
@@ -24959,8 +25488,8 @@
         </p:nvSpPr>
         <p:spPr>
           <a:xfrm>
-            <a:off x="845550" y="0"/>
-            <a:ext cx="3524744" cy="576000"/>
+            <a:off x="845550" y="-6079"/>
+            <a:ext cx="2892447" cy="576000"/>
           </a:xfrm>
           <a:prstGeom prst="rect">
             <a:avLst/>
@@ -24972,26 +25501,57 @@
           </a:bodyPr>
           <a:lstStyle/>
           <a:p>
-            <a:pPr marL="0" lvl="0" indent="0" algn="l" rtl="0">
-              <a:spcBef>
-                <a:spcPts val="0"/>
-              </a:spcBef>
-              <a:spcAft>
-                <a:spcPts val="0"/>
-              </a:spcAft>
-              <a:buNone/>
-            </a:pPr>
-            <a:r>
-              <a:rPr lang="en-US" sz="1100" dirty="0"/>
-              <a:t>Application: Robotic Control Theory and Reinforcement Learning</a:t>
-            </a:r>
+            <a:r>
+              <a:rPr lang="en-US" sz="1100" b="1" dirty="0"/>
+              <a:t>Kaggle Natural Language Processing Competition</a:t>
+            </a:r>
+            <a:endParaRPr lang="en-US" dirty="0"/>
+          </a:p>
+        </p:txBody>
+      </p:sp>
+      <p:sp>
+        <p:nvSpPr>
+          <p:cNvPr id="4" name="Google Shape;459;p48">
+            <a:extLst>
+              <a:ext uri="{FF2B5EF4-FFF2-40B4-BE49-F238E27FC236}">
+                <a16:creationId xmlns:a16="http://schemas.microsoft.com/office/drawing/2014/main" id="{DF712CDF-A13F-0749-18B9-BB5188306C34}"/>
+              </a:ext>
+            </a:extLst>
+          </p:cNvPr>
+          <p:cNvSpPr txBox="1">
+            <a:spLocks noGrp="1"/>
+          </p:cNvSpPr>
+          <p:nvPr>
+            <p:ph type="title" idx="3"/>
+          </p:nvPr>
+        </p:nvSpPr>
+        <p:spPr>
+          <a:xfrm>
+            <a:off x="3277579" y="-6080"/>
+            <a:ext cx="4206300" cy="576000"/>
+          </a:xfrm>
+          <a:prstGeom prst="rect">
+            <a:avLst/>
+          </a:prstGeom>
+        </p:spPr>
+        <p:txBody>
+          <a:bodyPr spcFirstLastPara="1" wrap="square" lIns="91425" tIns="91425" rIns="91425" bIns="91425" anchor="ctr" anchorCtr="0">
+            <a:noAutofit/>
+          </a:bodyPr>
+          <a:lstStyle/>
+          <a:p>
+            <a:r>
+              <a:rPr lang="en-US" i="0" dirty="0"/>
+              <a:t>The student is able to compete at a Kaggle natural language processing competition individually and as part of a team.</a:t>
+            </a:r>
+            <a:endParaRPr lang="en-US" dirty="0"/>
           </a:p>
         </p:txBody>
       </p:sp>
     </p:spTree>
     <p:extLst>
       <p:ext uri="{BB962C8B-B14F-4D97-AF65-F5344CB8AC3E}">
-        <p14:creationId xmlns:p14="http://schemas.microsoft.com/office/powerpoint/2010/main" val="3889067802"/>
+        <p14:creationId xmlns:p14="http://schemas.microsoft.com/office/powerpoint/2010/main" val="2690218867"/>
       </p:ext>
     </p:extLst>
   </p:cSld>
@@ -25002,6 +25562,193 @@
 </file>
 
 <file path=ppt/slides/slide36.xml><?xml version="1.0" encoding="utf-8"?>
+<p:sld xmlns:a="http://schemas.openxmlformats.org/drawingml/2006/main" xmlns:r="http://schemas.openxmlformats.org/officeDocument/2006/relationships" xmlns:p="http://schemas.openxmlformats.org/presentationml/2006/main">
+  <p:cSld>
+    <p:spTree>
+      <p:nvGrpSpPr>
+        <p:cNvPr id="1" name="Shape 466"/>
+        <p:cNvGrpSpPr/>
+        <p:nvPr/>
+      </p:nvGrpSpPr>
+      <p:grpSpPr>
+        <a:xfrm>
+          <a:off x="0" y="0"/>
+          <a:ext cx="0" cy="0"/>
+          <a:chOff x="0" y="0"/>
+          <a:chExt cx="0" cy="0"/>
+        </a:xfrm>
+      </p:grpSpPr>
+      <p:sp>
+        <p:nvSpPr>
+          <p:cNvPr id="467" name="Google Shape;467;p49"/>
+          <p:cNvSpPr txBox="1">
+            <a:spLocks noGrp="1"/>
+          </p:cNvSpPr>
+          <p:nvPr>
+            <p:ph type="ctrTitle"/>
+          </p:nvPr>
+        </p:nvSpPr>
+        <p:spPr>
+          <a:xfrm>
+            <a:off x="2286000" y="1104139"/>
+            <a:ext cx="6400800" cy="1501800"/>
+          </a:xfrm>
+          <a:prstGeom prst="rect">
+            <a:avLst/>
+          </a:prstGeom>
+        </p:spPr>
+        <p:txBody>
+          <a:bodyPr spcFirstLastPara="1" wrap="square" lIns="91425" tIns="91425" rIns="91425" bIns="91425" anchor="ctr" anchorCtr="0">
+            <a:noAutofit/>
+          </a:bodyPr>
+          <a:lstStyle/>
+          <a:p>
+            <a:pPr marL="0" lvl="0" indent="0" algn="ctr" rtl="0">
+              <a:spcBef>
+                <a:spcPts val="0"/>
+              </a:spcBef>
+              <a:spcAft>
+                <a:spcPts val="0"/>
+              </a:spcAft>
+              <a:buNone/>
+            </a:pPr>
+            <a:r>
+              <a:rPr lang="en" dirty="0"/>
+              <a:t>ILO 6</a:t>
+            </a:r>
+            <a:endParaRPr dirty="0"/>
+          </a:p>
+        </p:txBody>
+      </p:sp>
+      <p:sp>
+        <p:nvSpPr>
+          <p:cNvPr id="468" name="Google Shape;468;p49"/>
+          <p:cNvSpPr txBox="1">
+            <a:spLocks noGrp="1"/>
+          </p:cNvSpPr>
+          <p:nvPr>
+            <p:ph type="subTitle" idx="1"/>
+          </p:nvPr>
+        </p:nvSpPr>
+        <p:spPr>
+          <a:xfrm>
+            <a:off x="2286000" y="2503171"/>
+            <a:ext cx="6400800" cy="685800"/>
+          </a:xfrm>
+          <a:prstGeom prst="rect">
+            <a:avLst/>
+          </a:prstGeom>
+        </p:spPr>
+        <p:txBody>
+          <a:bodyPr spcFirstLastPara="1" wrap="square" lIns="91425" tIns="91425" rIns="91425" bIns="91425" anchor="ctr" anchorCtr="0">
+            <a:noAutofit/>
+          </a:bodyPr>
+          <a:lstStyle/>
+          <a:p>
+            <a:pPr marL="0" indent="0"/>
+            <a:r>
+              <a:rPr lang="en-US" b="1" dirty="0"/>
+              <a:t>Cognition Fundamentals : Cognitive Models of Language Learning</a:t>
+            </a:r>
+            <a:endParaRPr lang="en-US" dirty="0"/>
+          </a:p>
+        </p:txBody>
+      </p:sp>
+      <p:sp>
+        <p:nvSpPr>
+          <p:cNvPr id="469" name="Google Shape;469;p49"/>
+          <p:cNvSpPr txBox="1">
+            <a:spLocks noGrp="1"/>
+          </p:cNvSpPr>
+          <p:nvPr>
+            <p:ph type="subTitle" idx="2"/>
+          </p:nvPr>
+        </p:nvSpPr>
+        <p:spPr>
+          <a:xfrm>
+            <a:off x="3200400" y="3353563"/>
+            <a:ext cx="5486400" cy="685800"/>
+          </a:xfrm>
+          <a:prstGeom prst="rect">
+            <a:avLst/>
+          </a:prstGeom>
+        </p:spPr>
+        <p:txBody>
+          <a:bodyPr spcFirstLastPara="1" wrap="square" lIns="91425" tIns="91425" rIns="91425" bIns="91425" anchor="ctr" anchorCtr="0">
+            <a:noAutofit/>
+          </a:bodyPr>
+          <a:lstStyle/>
+          <a:p>
+            <a:pPr marL="0" indent="0"/>
+            <a:r>
+              <a:rPr lang="en-US" dirty="0"/>
+              <a:t>The student is able to create a cognitive model of language learning for a given use-case</a:t>
+            </a:r>
+          </a:p>
+        </p:txBody>
+      </p:sp>
+      <p:sp>
+        <p:nvSpPr>
+          <p:cNvPr id="470" name="Google Shape;470;p49"/>
+          <p:cNvSpPr txBox="1"/>
+          <p:nvPr/>
+        </p:nvSpPr>
+        <p:spPr>
+          <a:xfrm>
+            <a:off x="-420624" y="749808"/>
+            <a:ext cx="3383400" cy="5120700"/>
+          </a:xfrm>
+          <a:prstGeom prst="rect">
+            <a:avLst/>
+          </a:prstGeom>
+          <a:noFill/>
+          <a:ln>
+            <a:noFill/>
+          </a:ln>
+        </p:spPr>
+        <p:txBody>
+          <a:bodyPr spcFirstLastPara="1" wrap="square" lIns="0" tIns="0" rIns="0" bIns="0" anchor="ctr" anchorCtr="0">
+            <a:noAutofit/>
+          </a:bodyPr>
+          <a:lstStyle/>
+          <a:p>
+            <a:pPr marL="0" lvl="0" indent="0" algn="l" rtl="0">
+              <a:spcBef>
+                <a:spcPts val="0"/>
+              </a:spcBef>
+              <a:spcAft>
+                <a:spcPts val="0"/>
+              </a:spcAft>
+              <a:buNone/>
+            </a:pPr>
+            <a:r>
+              <a:rPr lang="en" sz="40000" dirty="0">
+                <a:solidFill>
+                  <a:srgbClr val="999999"/>
+                </a:solidFill>
+                <a:latin typeface="Roboto"/>
+                <a:ea typeface="Roboto"/>
+                <a:cs typeface="Roboto"/>
+              </a:rPr>
+              <a:t>6</a:t>
+            </a:r>
+          </a:p>
+        </p:txBody>
+      </p:sp>
+    </p:spTree>
+    <p:extLst>
+      <p:ext uri="{BB962C8B-B14F-4D97-AF65-F5344CB8AC3E}">
+        <p14:creationId xmlns:p14="http://schemas.microsoft.com/office/powerpoint/2010/main" val="3949445347"/>
+      </p:ext>
+    </p:extLst>
+  </p:cSld>
+  <p:clrMapOvr>
+    <a:masterClrMapping/>
+  </p:clrMapOvr>
+</p:sld>
+</file>
+
+<file path=ppt/slides/slide37.xml><?xml version="1.0" encoding="utf-8"?>
 <p:sld xmlns:a="http://schemas.openxmlformats.org/drawingml/2006/main" xmlns:r="http://schemas.openxmlformats.org/officeDocument/2006/relationships" xmlns:p="http://schemas.openxmlformats.org/presentationml/2006/main">
   <p:cSld>
     <p:spTree>
@@ -25053,10 +25800,10 @@
               <a:buNone/>
             </a:pPr>
             <a:r>
-              <a:rPr lang="en"/>
-              <a:t>ILO 4</a:t>
-            </a:r>
-            <a:endParaRPr/>
+              <a:rPr lang="en" dirty="0"/>
+              <a:t>ILO 6</a:t>
+            </a:r>
+            <a:endParaRPr dirty="0"/>
           </a:p>
         </p:txBody>
       </p:sp>
@@ -25096,7 +25843,7 @@
             </a:pPr>
             <a:r>
               <a:rPr lang="en" dirty="0"/>
-              <a:t>7/7</a:t>
+              <a:t>6/6</a:t>
             </a:r>
             <a:endParaRPr dirty="0"/>
           </a:p>
@@ -25242,17 +25989,9 @@
             </a:pPr>
             <a:r>
               <a:rPr lang="en" dirty="0"/>
-              <a:t>4</a:t>
-            </a:r>
-            <a:r>
-              <a:rPr lang="en" dirty="0">
-                <a:solidFill>
-                  <a:srgbClr val="FFFFFF"/>
-                </a:solidFill>
-              </a:rPr>
-              <a:t>.2</a:t>
-            </a:r>
-            <a:endParaRPr dirty="0">
+              <a:t>6.0</a:t>
+            </a:r>
+            <a:endParaRPr lang="en-US" dirty="0">
               <a:solidFill>
                 <a:srgbClr val="FFFFFF"/>
               </a:solidFill>
@@ -25285,20 +26024,11 @@
           </a:bodyPr>
           <a:lstStyle/>
           <a:p>
-            <a:pPr marL="0" lvl="0" indent="0" algn="l" rtl="0">
-              <a:spcBef>
-                <a:spcPts val="0"/>
-              </a:spcBef>
-              <a:spcAft>
-                <a:spcPts val="0"/>
-              </a:spcAft>
-              <a:buNone/>
-            </a:pPr>
-            <a:r>
-              <a:rPr lang="en-US" dirty="0"/>
-              <a:t>The student is able to evaluate the feasibility of the application of reinforcement learning to  the creation and development of a robot controller.</a:t>
-            </a:r>
-            <a:endParaRPr lang="en-GB" dirty="0"/>
+            <a:r>
+              <a:rPr lang="en-US" i="0" dirty="0"/>
+              <a:t>The student is able to create a cognitive model of language learning for a given use-case</a:t>
+            </a:r>
+            <a:endParaRPr lang="en-US" dirty="0"/>
           </a:p>
         </p:txBody>
       </p:sp>
@@ -25320,8 +26050,8 @@
         </p:nvSpPr>
         <p:spPr>
           <a:xfrm>
-            <a:off x="845550" y="0"/>
-            <a:ext cx="3524744" cy="576000"/>
+            <a:off x="845550" y="-6079"/>
+            <a:ext cx="2083836" cy="576000"/>
           </a:xfrm>
           <a:prstGeom prst="rect">
             <a:avLst/>
@@ -25333,26 +26063,57 @@
           </a:bodyPr>
           <a:lstStyle/>
           <a:p>
-            <a:pPr marL="0" lvl="0" indent="0" algn="l" rtl="0">
-              <a:spcBef>
-                <a:spcPts val="0"/>
-              </a:spcBef>
-              <a:spcAft>
-                <a:spcPts val="0"/>
-              </a:spcAft>
-              <a:buNone/>
-            </a:pPr>
-            <a:r>
-              <a:rPr lang="en-US" sz="1100" dirty="0"/>
-              <a:t>Application: Robotic Control Theory and Reinforcement Learning</a:t>
-            </a:r>
+            <a:r>
+              <a:rPr lang="en-US" sz="1100" b="1" dirty="0"/>
+              <a:t>Cognition Fundamentals : Cognitive Models of Language Learning</a:t>
+            </a:r>
+            <a:endParaRPr lang="en-US" dirty="0"/>
+          </a:p>
+        </p:txBody>
+      </p:sp>
+      <p:sp>
+        <p:nvSpPr>
+          <p:cNvPr id="4" name="Google Shape;459;p48">
+            <a:extLst>
+              <a:ext uri="{FF2B5EF4-FFF2-40B4-BE49-F238E27FC236}">
+                <a16:creationId xmlns:a16="http://schemas.microsoft.com/office/drawing/2014/main" id="{DF712CDF-A13F-0749-18B9-BB5188306C34}"/>
+              </a:ext>
+            </a:extLst>
+          </p:cNvPr>
+          <p:cNvSpPr txBox="1">
+            <a:spLocks noGrp="1"/>
+          </p:cNvSpPr>
+          <p:nvPr>
+            <p:ph type="title" idx="3"/>
+          </p:nvPr>
+        </p:nvSpPr>
+        <p:spPr>
+          <a:xfrm>
+            <a:off x="3277579" y="-6080"/>
+            <a:ext cx="4206300" cy="576000"/>
+          </a:xfrm>
+          <a:prstGeom prst="rect">
+            <a:avLst/>
+          </a:prstGeom>
+        </p:spPr>
+        <p:txBody>
+          <a:bodyPr spcFirstLastPara="1" wrap="square" lIns="91425" tIns="91425" rIns="91425" bIns="91425" anchor="ctr" anchorCtr="0">
+            <a:noAutofit/>
+          </a:bodyPr>
+          <a:lstStyle/>
+          <a:p>
+            <a:r>
+              <a:rPr lang="en-US" i="0" dirty="0"/>
+              <a:t>The student is able to create a cognitive model of language learning for a given use-case</a:t>
+            </a:r>
+            <a:endParaRPr lang="en-US" dirty="0"/>
           </a:p>
         </p:txBody>
       </p:sp>
     </p:spTree>
     <p:extLst>
       <p:ext uri="{BB962C8B-B14F-4D97-AF65-F5344CB8AC3E}">
-        <p14:creationId xmlns:p14="http://schemas.microsoft.com/office/powerpoint/2010/main" val="2961102828"/>
+        <p14:creationId xmlns:p14="http://schemas.microsoft.com/office/powerpoint/2010/main" val="282750339"/>
       </p:ext>
     </p:extLst>
   </p:cSld>
@@ -25362,7 +26123,7 @@
 </p:sld>
 </file>
 
-<file path=ppt/slides/slide37.xml><?xml version="1.0" encoding="utf-8"?>
+<file path=ppt/slides/slide38.xml><?xml version="1.0" encoding="utf-8"?>
 <p:sld xmlns:a="http://schemas.openxmlformats.org/drawingml/2006/main" xmlns:r="http://schemas.openxmlformats.org/officeDocument/2006/relationships" xmlns:p="http://schemas.openxmlformats.org/presentationml/2006/main">
   <p:cSld>
     <p:spTree>
@@ -25520,7 +26281,7 @@
 </p:sld>
 </file>
 
-<file path=ppt/slides/slide38.xml><?xml version="1.0" encoding="utf-8"?>
+<file path=ppt/slides/slide39.xml><?xml version="1.0" encoding="utf-8"?>
 <p:sld xmlns:a="http://schemas.openxmlformats.org/drawingml/2006/main" xmlns:r="http://schemas.openxmlformats.org/officeDocument/2006/relationships" xmlns:p="http://schemas.openxmlformats.org/presentationml/2006/main">
   <p:cSld>
     <p:spTree>
@@ -25854,177 +26615,6 @@
 </p:sld>
 </file>
 
-<file path=ppt/slides/slide39.xml><?xml version="1.0" encoding="utf-8"?>
-<p:sld xmlns:a="http://schemas.openxmlformats.org/drawingml/2006/main" xmlns:r="http://schemas.openxmlformats.org/officeDocument/2006/relationships" xmlns:p="http://schemas.openxmlformats.org/presentationml/2006/main">
-  <p:cSld>
-    <p:spTree>
-      <p:nvGrpSpPr>
-        <p:cNvPr id="1" name="Shape 496"/>
-        <p:cNvGrpSpPr/>
-        <p:nvPr/>
-      </p:nvGrpSpPr>
-      <p:grpSpPr>
-        <a:xfrm>
-          <a:off x="0" y="0"/>
-          <a:ext cx="0" cy="0"/>
-          <a:chOff x="0" y="0"/>
-          <a:chExt cx="0" cy="0"/>
-        </a:xfrm>
-      </p:grpSpPr>
-      <p:sp>
-        <p:nvSpPr>
-          <p:cNvPr id="497" name="Google Shape;497;p52"/>
-          <p:cNvSpPr txBox="1">
-            <a:spLocks noGrp="1"/>
-          </p:cNvSpPr>
-          <p:nvPr>
-            <p:ph type="ctrTitle"/>
-          </p:nvPr>
-        </p:nvSpPr>
-        <p:spPr>
-          <a:xfrm>
-            <a:off x="1828800" y="1453896"/>
-            <a:ext cx="7315200" cy="1501800"/>
-          </a:xfrm>
-          <a:prstGeom prst="rect">
-            <a:avLst/>
-          </a:prstGeom>
-        </p:spPr>
-        <p:txBody>
-          <a:bodyPr spcFirstLastPara="1" wrap="square" lIns="91425" tIns="91425" rIns="91425" bIns="91425" anchor="ctr" anchorCtr="0">
-            <a:noAutofit/>
-          </a:bodyPr>
-          <a:lstStyle/>
-          <a:p>
-            <a:pPr marL="0" lvl="0" indent="0" algn="ctr" rtl="0">
-              <a:spcBef>
-                <a:spcPts val="0"/>
-              </a:spcBef>
-              <a:spcAft>
-                <a:spcPts val="0"/>
-              </a:spcAft>
-              <a:buNone/>
-            </a:pPr>
-            <a:r>
-              <a:rPr lang="en" sz="6000"/>
-              <a:t>Section </a:t>
-            </a:r>
-            <a:r>
-              <a:rPr lang="en"/>
-              <a:t>C</a:t>
-            </a:r>
-            <a:endParaRPr sz="6000"/>
-          </a:p>
-        </p:txBody>
-      </p:sp>
-      <p:sp>
-        <p:nvSpPr>
-          <p:cNvPr id="498" name="Google Shape;498;p52"/>
-          <p:cNvSpPr txBox="1">
-            <a:spLocks noGrp="1"/>
-          </p:cNvSpPr>
-          <p:nvPr>
-            <p:ph type="subTitle" idx="1"/>
-          </p:nvPr>
-        </p:nvSpPr>
-        <p:spPr>
-          <a:xfrm>
-            <a:off x="1828800" y="2953512"/>
-            <a:ext cx="7315200" cy="685800"/>
-          </a:xfrm>
-          <a:prstGeom prst="rect">
-            <a:avLst/>
-          </a:prstGeom>
-        </p:spPr>
-        <p:txBody>
-          <a:bodyPr spcFirstLastPara="1" wrap="square" lIns="91425" tIns="91425" rIns="91425" bIns="91425" anchor="ctr" anchorCtr="0">
-            <a:noAutofit/>
-          </a:bodyPr>
-          <a:lstStyle/>
-          <a:p>
-            <a:pPr marL="0" lvl="0" indent="0" algn="ctr" rtl="0">
-              <a:spcBef>
-                <a:spcPts val="0"/>
-              </a:spcBef>
-              <a:spcAft>
-                <a:spcPts val="0"/>
-              </a:spcAft>
-              <a:buNone/>
-            </a:pPr>
-            <a:r>
-              <a:rPr lang="en"/>
-              <a:t>Reflection</a:t>
-            </a:r>
-            <a:endParaRPr sz="3000"/>
-          </a:p>
-        </p:txBody>
-      </p:sp>
-      <p:sp>
-        <p:nvSpPr>
-          <p:cNvPr id="499" name="Google Shape;499;p52"/>
-          <p:cNvSpPr txBox="1"/>
-          <p:nvPr/>
-        </p:nvSpPr>
-        <p:spPr>
-          <a:xfrm>
-            <a:off x="-420624" y="749808"/>
-            <a:ext cx="3383400" cy="5120700"/>
-          </a:xfrm>
-          <a:prstGeom prst="rect">
-            <a:avLst/>
-          </a:prstGeom>
-          <a:noFill/>
-          <a:ln>
-            <a:noFill/>
-          </a:ln>
-        </p:spPr>
-        <p:txBody>
-          <a:bodyPr spcFirstLastPara="1" wrap="square" lIns="0" tIns="0" rIns="0" bIns="0" anchor="ctr" anchorCtr="0">
-            <a:noAutofit/>
-          </a:bodyPr>
-          <a:lstStyle/>
-          <a:p>
-            <a:pPr marL="0" lvl="0" indent="0" algn="l" rtl="0">
-              <a:spcBef>
-                <a:spcPts val="0"/>
-              </a:spcBef>
-              <a:spcAft>
-                <a:spcPts val="0"/>
-              </a:spcAft>
-              <a:buNone/>
-            </a:pPr>
-            <a:r>
-              <a:rPr lang="en" sz="40000">
-                <a:solidFill>
-                  <a:srgbClr val="999999"/>
-                </a:solidFill>
-                <a:latin typeface="Roboto"/>
-                <a:ea typeface="Roboto"/>
-                <a:cs typeface="Roboto"/>
-                <a:sym typeface="Roboto"/>
-              </a:rPr>
-              <a:t>C</a:t>
-            </a:r>
-            <a:endParaRPr sz="40000">
-              <a:solidFill>
-                <a:srgbClr val="999999"/>
-              </a:solidFill>
-              <a:latin typeface="Roboto"/>
-              <a:ea typeface="Roboto"/>
-              <a:cs typeface="Roboto"/>
-              <a:sym typeface="Roboto"/>
-            </a:endParaRPr>
-          </a:p>
-        </p:txBody>
-      </p:sp>
-    </p:spTree>
-  </p:cSld>
-  <p:clrMapOvr>
-    <a:masterClrMapping/>
-  </p:clrMapOvr>
-</p:sld>
-</file>
-
 <file path=ppt/slides/slide4.xml><?xml version="1.0" encoding="utf-8"?>
 <p:sld xmlns:a="http://schemas.openxmlformats.org/drawingml/2006/main" xmlns:r="http://schemas.openxmlformats.org/officeDocument/2006/relationships" xmlns:p="http://schemas.openxmlformats.org/presentationml/2006/main">
   <p:cSld>
@@ -26252,6 +26842,176 @@
   <p:cSld>
     <p:spTree>
       <p:nvGrpSpPr>
+        <p:cNvPr id="1" name="Shape 496"/>
+        <p:cNvGrpSpPr/>
+        <p:nvPr/>
+      </p:nvGrpSpPr>
+      <p:grpSpPr>
+        <a:xfrm>
+          <a:off x="0" y="0"/>
+          <a:ext cx="0" cy="0"/>
+          <a:chOff x="0" y="0"/>
+          <a:chExt cx="0" cy="0"/>
+        </a:xfrm>
+      </p:grpSpPr>
+      <p:sp>
+        <p:nvSpPr>
+          <p:cNvPr id="497" name="Google Shape;497;p52"/>
+          <p:cNvSpPr txBox="1">
+            <a:spLocks noGrp="1"/>
+          </p:cNvSpPr>
+          <p:nvPr>
+            <p:ph type="ctrTitle"/>
+          </p:nvPr>
+        </p:nvSpPr>
+        <p:spPr>
+          <a:xfrm>
+            <a:off x="1828800" y="1453896"/>
+            <a:ext cx="7315200" cy="1501800"/>
+          </a:xfrm>
+          <a:prstGeom prst="rect">
+            <a:avLst/>
+          </a:prstGeom>
+        </p:spPr>
+        <p:txBody>
+          <a:bodyPr spcFirstLastPara="1" wrap="square" lIns="91425" tIns="91425" rIns="91425" bIns="91425" anchor="ctr" anchorCtr="0">
+            <a:noAutofit/>
+          </a:bodyPr>
+          <a:lstStyle/>
+          <a:p>
+            <a:pPr marL="0" lvl="0" indent="0" algn="ctr" rtl="0">
+              <a:spcBef>
+                <a:spcPts val="0"/>
+              </a:spcBef>
+              <a:spcAft>
+                <a:spcPts val="0"/>
+              </a:spcAft>
+              <a:buNone/>
+            </a:pPr>
+            <a:r>
+              <a:rPr lang="en" sz="6000" dirty="0"/>
+              <a:t>Section </a:t>
+            </a:r>
+            <a:r>
+              <a:rPr lang="en" dirty="0"/>
+              <a:t>D</a:t>
+            </a:r>
+            <a:endParaRPr sz="6000" dirty="0"/>
+          </a:p>
+        </p:txBody>
+      </p:sp>
+      <p:sp>
+        <p:nvSpPr>
+          <p:cNvPr id="498" name="Google Shape;498;p52"/>
+          <p:cNvSpPr txBox="1">
+            <a:spLocks noGrp="1"/>
+          </p:cNvSpPr>
+          <p:nvPr>
+            <p:ph type="subTitle" idx="1"/>
+          </p:nvPr>
+        </p:nvSpPr>
+        <p:spPr>
+          <a:xfrm>
+            <a:off x="1828800" y="2953512"/>
+            <a:ext cx="7315200" cy="685800"/>
+          </a:xfrm>
+          <a:prstGeom prst="rect">
+            <a:avLst/>
+          </a:prstGeom>
+        </p:spPr>
+        <p:txBody>
+          <a:bodyPr spcFirstLastPara="1" wrap="square" lIns="91425" tIns="91425" rIns="91425" bIns="91425" anchor="ctr" anchorCtr="0">
+            <a:noAutofit/>
+          </a:bodyPr>
+          <a:lstStyle/>
+          <a:p>
+            <a:pPr marL="0" lvl="0" indent="0" algn="ctr" rtl="0">
+              <a:spcBef>
+                <a:spcPts val="0"/>
+              </a:spcBef>
+              <a:spcAft>
+                <a:spcPts val="0"/>
+              </a:spcAft>
+              <a:buNone/>
+            </a:pPr>
+            <a:r>
+              <a:rPr lang="en"/>
+              <a:t>Reflection</a:t>
+            </a:r>
+            <a:endParaRPr sz="3000"/>
+          </a:p>
+        </p:txBody>
+      </p:sp>
+      <p:sp>
+        <p:nvSpPr>
+          <p:cNvPr id="499" name="Google Shape;499;p52"/>
+          <p:cNvSpPr txBox="1"/>
+          <p:nvPr/>
+        </p:nvSpPr>
+        <p:spPr>
+          <a:xfrm>
+            <a:off x="-420624" y="749808"/>
+            <a:ext cx="3383400" cy="5120700"/>
+          </a:xfrm>
+          <a:prstGeom prst="rect">
+            <a:avLst/>
+          </a:prstGeom>
+          <a:noFill/>
+          <a:ln>
+            <a:noFill/>
+          </a:ln>
+        </p:spPr>
+        <p:txBody>
+          <a:bodyPr spcFirstLastPara="1" wrap="square" lIns="0" tIns="0" rIns="0" bIns="0" anchor="ctr" anchorCtr="0">
+            <a:noAutofit/>
+          </a:bodyPr>
+          <a:lstStyle/>
+          <a:p>
+            <a:pPr marL="0" lvl="0" indent="0" algn="l" rtl="0">
+              <a:spcBef>
+                <a:spcPts val="0"/>
+              </a:spcBef>
+              <a:spcAft>
+                <a:spcPts val="0"/>
+              </a:spcAft>
+              <a:buNone/>
+            </a:pPr>
+            <a:r>
+              <a:rPr lang="en" sz="40000" dirty="0">
+                <a:solidFill>
+                  <a:srgbClr val="999999"/>
+                </a:solidFill>
+                <a:latin typeface="Roboto"/>
+                <a:ea typeface="Roboto"/>
+                <a:cs typeface="Roboto"/>
+                <a:sym typeface="Roboto"/>
+              </a:rPr>
+              <a:t>D</a:t>
+            </a:r>
+            <a:endParaRPr lang="en" sz="40000" dirty="0">
+              <a:solidFill>
+                <a:srgbClr val="999999"/>
+              </a:solidFill>
+              <a:latin typeface="Roboto"/>
+              <a:ea typeface="Roboto"/>
+              <a:cs typeface="Roboto"/>
+            </a:endParaRPr>
+          </a:p>
+        </p:txBody>
+      </p:sp>
+    </p:spTree>
+  </p:cSld>
+  <p:clrMapOvr>
+    <a:masterClrMapping/>
+  </p:clrMapOvr>
+</p:sld>
+</file>
+
+<file path=ppt/slides/slide41.xml><?xml version="1.0" encoding="utf-8"?>
+<p:sld xmlns:a="http://schemas.openxmlformats.org/drawingml/2006/main" xmlns:r="http://schemas.openxmlformats.org/officeDocument/2006/relationships" xmlns:p="http://schemas.openxmlformats.org/presentationml/2006/main">
+  <p:cSld>
+    <p:spTree>
+      <p:nvGrpSpPr>
         <p:cNvPr id="1" name="Shape 503"/>
         <p:cNvGrpSpPr/>
         <p:nvPr/>
@@ -26555,10 +27315,9 @@
               <a:buNone/>
             </a:pPr>
             <a:r>
-              <a:rPr lang="en"/>
-              <a:t>C</a:t>
-            </a:r>
-            <a:endParaRPr/>
+              <a:rPr lang="en" dirty="0"/>
+              <a:t>D</a:t>
+            </a:r>
           </a:p>
         </p:txBody>
       </p:sp>
@@ -26570,7 +27329,7 @@
 </p:sld>
 </file>
 
-<file path=ppt/slides/slide41.xml><?xml version="1.0" encoding="utf-8"?>
+<file path=ppt/slides/slide42.xml><?xml version="1.0" encoding="utf-8"?>
 <p:sld xmlns:a="http://schemas.openxmlformats.org/drawingml/2006/main" xmlns:r="http://schemas.openxmlformats.org/officeDocument/2006/relationships" xmlns:p="http://schemas.openxmlformats.org/presentationml/2006/main">
   <p:cSld>
     <p:spTree>
@@ -26714,10 +27473,9 @@
               <a:buNone/>
             </a:pPr>
             <a:r>
-              <a:rPr lang="en"/>
-              <a:t>C</a:t>
-            </a:r>
-            <a:endParaRPr/>
+              <a:rPr lang="en" dirty="0"/>
+              <a:t>D</a:t>
+            </a:r>
           </a:p>
         </p:txBody>
       </p:sp>
@@ -29752,20 +30510,11 @@
           </a:bodyPr>
           <a:lstStyle/>
           <a:p>
-            <a:pPr marL="0" lvl="0" indent="0" algn="r" rtl="0">
-              <a:spcBef>
-                <a:spcPts val="0"/>
-              </a:spcBef>
-              <a:spcAft>
-                <a:spcPts val="0"/>
-              </a:spcAft>
-              <a:buNone/>
-            </a:pPr>
-            <a:r>
-              <a:rPr lang="en"/>
-              <a:t>1/3</a:t>
-            </a:r>
-            <a:endParaRPr/>
+            <a:r>
+              <a:rPr lang="en" dirty="0"/>
+              <a:t>1/2</a:t>
+            </a:r>
+            <a:endParaRPr dirty="0"/>
           </a:p>
         </p:txBody>
       </p:sp>
@@ -30422,27 +31171,31 @@
 </file>
 
 <file path=customXml/item1.xml><?xml version="1.0" encoding="utf-8"?>
-<?mso-contentType ?>
-<FormTemplates xmlns="http://schemas.microsoft.com/sharepoint/v3/contenttype/forms">
-  <Display>DocumentLibraryForm</Display>
-  <Edit>DocumentLibraryForm</Edit>
-  <New>DocumentLibraryForm</New>
-</FormTemplates>
-</file>
-
-<file path=customXml/item2.xml><?xml version="1.0" encoding="utf-8"?>
-<ct:contentTypeSchema xmlns:ct="http://schemas.microsoft.com/office/2006/metadata/contentType" xmlns:ma="http://schemas.microsoft.com/office/2006/metadata/properties/metaAttributes" ct:_="" ma:_="" ma:contentTypeName="Document" ma:contentTypeID="0x01010060D07512EFF14A4ABD044BE0FCD6C60D" ma:contentTypeVersion="3" ma:contentTypeDescription="Create a new document." ma:contentTypeScope="" ma:versionID="c2b15550350b222693d659ce129ff451">
-  <xsd:schema xmlns:xsd="http://www.w3.org/2001/XMLSchema" xmlns:xs="http://www.w3.org/2001/XMLSchema" xmlns:p="http://schemas.microsoft.com/office/2006/metadata/properties" xmlns:ns2="c152f6e4-8646-42a0-bdef-6957e39d6540" targetNamespace="http://schemas.microsoft.com/office/2006/metadata/properties" ma:root="true" ma:fieldsID="1d336d9eed8042ae42b1aad047849339" ns2:_="">
-    <xsd:import namespace="c152f6e4-8646-42a0-bdef-6957e39d6540"/>
+<ct:contentTypeSchema xmlns:ct="http://schemas.microsoft.com/office/2006/metadata/contentType" xmlns:ma="http://schemas.microsoft.com/office/2006/metadata/properties/metaAttributes" ct:_="" ma:_="" ma:contentTypeName="Document" ma:contentTypeID="0x01010064DEF28CA2629948A9F801C782641252" ma:contentTypeVersion="16" ma:contentTypeDescription="Create a new document." ma:contentTypeScope="" ma:versionID="9c6005e7f719c391f8a081f21693d65f">
+  <xsd:schema xmlns:xsd="http://www.w3.org/2001/XMLSchema" xmlns:xs="http://www.w3.org/2001/XMLSchema" xmlns:p="http://schemas.microsoft.com/office/2006/metadata/properties" xmlns:ns2="bd38d267-56bb-4e22-b975-199a06fd69fa" xmlns:ns3="d8c712e5-67fc-4595-93cb-a4164dd8eff3" targetNamespace="http://schemas.microsoft.com/office/2006/metadata/properties" ma:root="true" ma:fieldsID="ac16135cc8f915f339c57eb2d0574bad" ns2:_="" ns3:_="">
+    <xsd:import namespace="bd38d267-56bb-4e22-b975-199a06fd69fa"/>
+    <xsd:import namespace="d8c712e5-67fc-4595-93cb-a4164dd8eff3"/>
     <xsd:element name="properties">
       <xsd:complexType>
         <xsd:sequence>
           <xsd:element name="documentManagement">
             <xsd:complexType>
               <xsd:all>
-                <xsd:element ref="ns2:ReferenceId" minOccurs="0"/>
                 <xsd:element ref="ns2:MediaServiceMetadata" minOccurs="0"/>
                 <xsd:element ref="ns2:MediaServiceFastMetadata" minOccurs="0"/>
+                <xsd:element ref="ns2:MediaServiceDateTaken" minOccurs="0"/>
+                <xsd:element ref="ns2:MediaLengthInSeconds" minOccurs="0"/>
+                <xsd:element ref="ns2:MediaServiceAutoTags" minOccurs="0"/>
+                <xsd:element ref="ns2:MediaServiceLocation" minOccurs="0"/>
+                <xsd:element ref="ns2:MediaServiceGenerationTime" minOccurs="0"/>
+                <xsd:element ref="ns2:MediaServiceEventHashCode" minOccurs="0"/>
+                <xsd:element ref="ns2:MediaServiceAutoKeyPoints" minOccurs="0"/>
+                <xsd:element ref="ns2:MediaServiceKeyPoints" minOccurs="0"/>
+                <xsd:element ref="ns3:SharedWithUsers" minOccurs="0"/>
+                <xsd:element ref="ns3:SharedWithDetails" minOccurs="0"/>
+                <xsd:element ref="ns2:lcf76f155ced4ddcb4097134ff3c332f" minOccurs="0"/>
+                <xsd:element ref="ns3:TaxCatchAll" minOccurs="0"/>
+                <xsd:element ref="ns2:MediaServiceOCR" minOccurs="0"/>
               </xsd:all>
             </xsd:complexType>
           </xsd:element>
@@ -30450,23 +31203,115 @@
       </xsd:complexType>
     </xsd:element>
   </xsd:schema>
-  <xsd:schema xmlns:xsd="http://www.w3.org/2001/XMLSchema" xmlns:xs="http://www.w3.org/2001/XMLSchema" xmlns:dms="http://schemas.microsoft.com/office/2006/documentManagement/types" xmlns:pc="http://schemas.microsoft.com/office/infopath/2007/PartnerControls" targetNamespace="c152f6e4-8646-42a0-bdef-6957e39d6540" elementFormDefault="qualified">
+  <xsd:schema xmlns:xsd="http://www.w3.org/2001/XMLSchema" xmlns:xs="http://www.w3.org/2001/XMLSchema" xmlns:dms="http://schemas.microsoft.com/office/2006/documentManagement/types" xmlns:pc="http://schemas.microsoft.com/office/infopath/2007/PartnerControls" targetNamespace="bd38d267-56bb-4e22-b975-199a06fd69fa" elementFormDefault="qualified">
     <xsd:import namespace="http://schemas.microsoft.com/office/2006/documentManagement/types"/>
     <xsd:import namespace="http://schemas.microsoft.com/office/infopath/2007/PartnerControls"/>
-    <xsd:element name="ReferenceId" ma:index="8" nillable="true" ma:displayName="ReferenceId" ma:indexed="true" ma:internalName="ReferenceId">
+    <xsd:element name="MediaServiceMetadata" ma:index="8" nillable="true" ma:displayName="MediaServiceMetadata" ma:hidden="true" ma:internalName="MediaServiceMetadata" ma:readOnly="true">
+      <xsd:simpleType>
+        <xsd:restriction base="dms:Note"/>
+      </xsd:simpleType>
+    </xsd:element>
+    <xsd:element name="MediaServiceFastMetadata" ma:index="9" nillable="true" ma:displayName="MediaServiceFastMetadata" ma:hidden="true" ma:internalName="MediaServiceFastMetadata" ma:readOnly="true">
+      <xsd:simpleType>
+        <xsd:restriction base="dms:Note"/>
+      </xsd:simpleType>
+    </xsd:element>
+    <xsd:element name="MediaServiceDateTaken" ma:index="10" nillable="true" ma:displayName="MediaServiceDateTaken" ma:hidden="true" ma:internalName="MediaServiceDateTaken" ma:readOnly="true">
       <xsd:simpleType>
         <xsd:restriction base="dms:Text"/>
       </xsd:simpleType>
     </xsd:element>
-    <xsd:element name="MediaServiceMetadata" ma:index="9" nillable="true" ma:displayName="MediaServiceMetadata" ma:hidden="true" ma:internalName="MediaServiceMetadata" ma:readOnly="true">
+    <xsd:element name="MediaLengthInSeconds" ma:index="11" nillable="true" ma:displayName="MediaLengthInSeconds" ma:hidden="true" ma:internalName="MediaLengthInSeconds" ma:readOnly="true">
+      <xsd:simpleType>
+        <xsd:restriction base="dms:Unknown"/>
+      </xsd:simpleType>
+    </xsd:element>
+    <xsd:element name="MediaServiceAutoTags" ma:index="12" nillable="true" ma:displayName="Tags" ma:internalName="MediaServiceAutoTags" ma:readOnly="true">
+      <xsd:simpleType>
+        <xsd:restriction base="dms:Text"/>
+      </xsd:simpleType>
+    </xsd:element>
+    <xsd:element name="MediaServiceLocation" ma:index="13" nillable="true" ma:displayName="Location" ma:internalName="MediaServiceLocation" ma:readOnly="true">
+      <xsd:simpleType>
+        <xsd:restriction base="dms:Text"/>
+      </xsd:simpleType>
+    </xsd:element>
+    <xsd:element name="MediaServiceGenerationTime" ma:index="14" nillable="true" ma:displayName="MediaServiceGenerationTime" ma:hidden="true" ma:internalName="MediaServiceGenerationTime" ma:readOnly="true">
+      <xsd:simpleType>
+        <xsd:restriction base="dms:Text"/>
+      </xsd:simpleType>
+    </xsd:element>
+    <xsd:element name="MediaServiceEventHashCode" ma:index="15" nillable="true" ma:displayName="MediaServiceEventHashCode" ma:hidden="true" ma:internalName="MediaServiceEventHashCode" ma:readOnly="true">
+      <xsd:simpleType>
+        <xsd:restriction base="dms:Text"/>
+      </xsd:simpleType>
+    </xsd:element>
+    <xsd:element name="MediaServiceAutoKeyPoints" ma:index="16" nillable="true" ma:displayName="MediaServiceAutoKeyPoints" ma:hidden="true" ma:internalName="MediaServiceAutoKeyPoints" ma:readOnly="true">
       <xsd:simpleType>
         <xsd:restriction base="dms:Note"/>
       </xsd:simpleType>
     </xsd:element>
-    <xsd:element name="MediaServiceFastMetadata" ma:index="10" nillable="true" ma:displayName="MediaServiceFastMetadata" ma:hidden="true" ma:internalName="MediaServiceFastMetadata" ma:readOnly="true">
+    <xsd:element name="MediaServiceKeyPoints" ma:index="17" nillable="true" ma:displayName="KeyPoints" ma:internalName="MediaServiceKeyPoints" ma:readOnly="true">
       <xsd:simpleType>
-        <xsd:restriction base="dms:Note"/>
+        <xsd:restriction base="dms:Note">
+          <xsd:maxLength value="255"/>
+        </xsd:restriction>
       </xsd:simpleType>
+    </xsd:element>
+    <xsd:element name="lcf76f155ced4ddcb4097134ff3c332f" ma:index="21" nillable="true" ma:taxonomy="true" ma:internalName="lcf76f155ced4ddcb4097134ff3c332f" ma:taxonomyFieldName="MediaServiceImageTags" ma:displayName="Image Tags" ma:readOnly="false" ma:fieldId="{5cf76f15-5ced-4ddc-b409-7134ff3c332f}" ma:taxonomyMulti="true" ma:sspId="365a90ea-d0e7-4aae-8ef9-9f5dd1eb65e3" ma:termSetId="09814cd3-568e-fe90-9814-8d621ff8fb84" ma:anchorId="fba54fb3-c3e1-fe81-a776-ca4b69148c4d" ma:open="true" ma:isKeyword="false">
+      <xsd:complexType>
+        <xsd:sequence>
+          <xsd:element ref="pc:Terms" minOccurs="0" maxOccurs="1"/>
+        </xsd:sequence>
+      </xsd:complexType>
+    </xsd:element>
+    <xsd:element name="MediaServiceOCR" ma:index="23" nillable="true" ma:displayName="Extracted Text" ma:internalName="MediaServiceOCR" ma:readOnly="true">
+      <xsd:simpleType>
+        <xsd:restriction base="dms:Note">
+          <xsd:maxLength value="255"/>
+        </xsd:restriction>
+      </xsd:simpleType>
+    </xsd:element>
+  </xsd:schema>
+  <xsd:schema xmlns:xsd="http://www.w3.org/2001/XMLSchema" xmlns:xs="http://www.w3.org/2001/XMLSchema" xmlns:dms="http://schemas.microsoft.com/office/2006/documentManagement/types" xmlns:pc="http://schemas.microsoft.com/office/infopath/2007/PartnerControls" targetNamespace="d8c712e5-67fc-4595-93cb-a4164dd8eff3" elementFormDefault="qualified">
+    <xsd:import namespace="http://schemas.microsoft.com/office/2006/documentManagement/types"/>
+    <xsd:import namespace="http://schemas.microsoft.com/office/infopath/2007/PartnerControls"/>
+    <xsd:element name="SharedWithUsers" ma:index="18" nillable="true" ma:displayName="Shared With" ma:internalName="SharedWithUsers" ma:readOnly="true">
+      <xsd:complexType>
+        <xsd:complexContent>
+          <xsd:extension base="dms:UserMulti">
+            <xsd:sequence>
+              <xsd:element name="UserInfo" minOccurs="0" maxOccurs="unbounded">
+                <xsd:complexType>
+                  <xsd:sequence>
+                    <xsd:element name="DisplayName" type="xsd:string" minOccurs="0"/>
+                    <xsd:element name="AccountId" type="dms:UserId" minOccurs="0" nillable="true"/>
+                    <xsd:element name="AccountType" type="xsd:string" minOccurs="0"/>
+                  </xsd:sequence>
+                </xsd:complexType>
+              </xsd:element>
+            </xsd:sequence>
+          </xsd:extension>
+        </xsd:complexContent>
+      </xsd:complexType>
+    </xsd:element>
+    <xsd:element name="SharedWithDetails" ma:index="19" nillable="true" ma:displayName="Shared With Details" ma:internalName="SharedWithDetails" ma:readOnly="true">
+      <xsd:simpleType>
+        <xsd:restriction base="dms:Note">
+          <xsd:maxLength value="255"/>
+        </xsd:restriction>
+      </xsd:simpleType>
+    </xsd:element>
+    <xsd:element name="TaxCatchAll" ma:index="22" nillable="true" ma:displayName="Taxonomy Catch All Column" ma:hidden="true" ma:list="{5e624992-a676-4554-99c9-a3d8ae70b3e3}" ma:internalName="TaxCatchAll" ma:showField="CatchAllData" ma:web="d8c712e5-67fc-4595-93cb-a4164dd8eff3">
+      <xsd:complexType>
+        <xsd:complexContent>
+          <xsd:extension base="dms:MultiChoiceLookup">
+            <xsd:sequence>
+              <xsd:element name="Value" type="dms:Lookup" maxOccurs="unbounded" minOccurs="0" nillable="true"/>
+            </xsd:sequence>
+          </xsd:extension>
+        </xsd:complexContent>
+      </xsd:complexType>
     </xsd:element>
   </xsd:schema>
   <xsd:schema xmlns="http://schemas.openxmlformats.org/package/2006/metadata/core-properties" xmlns:xsd="http://www.w3.org/2001/XMLSchema" xmlns:xsi="http://www.w3.org/2001/XMLSchema-instance" xmlns:dc="http://purl.org/dc/elements/1.1/" xmlns:dcterms="http://purl.org/dc/terms/" xmlns:odoc="http://schemas.microsoft.com/internal/obd" targetNamespace="http://schemas.openxmlformats.org/package/2006/metadata/core-properties" elementFormDefault="qualified" attributeFormDefault="unqualified" blockDefault="#all">
@@ -30568,30 +31413,35 @@
 </ct:contentTypeSchema>
 </file>
 
-<file path=customXml/item3.xml><?xml version="1.0" encoding="utf-8"?>
+<file path=customXml/item2.xml><?xml version="1.0" encoding="utf-8"?>
 <p:properties xmlns:p="http://schemas.microsoft.com/office/2006/metadata/properties" xmlns:xsi="http://www.w3.org/2001/XMLSchema-instance" xmlns:pc="http://schemas.microsoft.com/office/infopath/2007/PartnerControls">
   <documentManagement>
-    <ReferenceId xmlns="c152f6e4-8646-42a0-bdef-6957e39d6540" xsi:nil="true"/>
+    <lcf76f155ced4ddcb4097134ff3c332f xmlns="bd38d267-56bb-4e22-b975-199a06fd69fa">
+      <Terms xmlns="http://schemas.microsoft.com/office/infopath/2007/PartnerControls"/>
+    </lcf76f155ced4ddcb4097134ff3c332f>
+    <TaxCatchAll xmlns="d8c712e5-67fc-4595-93cb-a4164dd8eff3" xsi:nil="true"/>
   </documentManagement>
 </p:properties>
 </file>
 
-<file path=customXml/itemProps1.xml><?xml version="1.0" encoding="utf-8"?>
-<ds:datastoreItem xmlns:ds="http://schemas.openxmlformats.org/officeDocument/2006/customXml" ds:itemID="{98D9791E-52D0-4ABB-925A-4EAECF798D9B}">
-  <ds:schemaRefs>
-    <ds:schemaRef ds:uri="http://schemas.microsoft.com/sharepoint/v3/contenttype/forms"/>
-  </ds:schemaRefs>
-</ds:datastoreItem>
+<file path=customXml/item3.xml><?xml version="1.0" encoding="utf-8"?>
+<?mso-contentType ?>
+<FormTemplates xmlns="http://schemas.microsoft.com/sharepoint/v3/contenttype/forms">
+  <Display>DocumentLibraryForm</Display>
+  <Edit>DocumentLibraryForm</Edit>
+  <New>DocumentLibraryForm</New>
+</FormTemplates>
 </file>
 
-<file path=customXml/itemProps2.xml><?xml version="1.0" encoding="utf-8"?>
-<ds:datastoreItem xmlns:ds="http://schemas.openxmlformats.org/officeDocument/2006/customXml" ds:itemID="{4F96C4B0-FAA7-4740-B299-8221BDCA7209}">
+<file path=customXml/itemProps1.xml><?xml version="1.0" encoding="utf-8"?>
+<ds:datastoreItem xmlns:ds="http://schemas.openxmlformats.org/officeDocument/2006/customXml" ds:itemID="{4F9A67D2-20FB-4626-8EBC-D892417DCCE9}">
   <ds:schemaRefs>
     <ds:schemaRef ds:uri="http://schemas.microsoft.com/office/2006/metadata/contentType"/>
     <ds:schemaRef ds:uri="http://schemas.microsoft.com/office/2006/metadata/properties/metaAttributes"/>
     <ds:schemaRef ds:uri="http://www.w3.org/2001/XMLSchema"/>
     <ds:schemaRef ds:uri="http://schemas.microsoft.com/office/2006/metadata/properties"/>
-    <ds:schemaRef ds:uri="c152f6e4-8646-42a0-bdef-6957e39d6540"/>
+    <ds:schemaRef ds:uri="bd38d267-56bb-4e22-b975-199a06fd69fa"/>
+    <ds:schemaRef ds:uri="d8c712e5-67fc-4595-93cb-a4164dd8eff3"/>
     <ds:schemaRef ds:uri="http://schemas.microsoft.com/office/2006/documentManagement/types"/>
     <ds:schemaRef ds:uri="http://schemas.microsoft.com/office/infopath/2007/PartnerControls"/>
     <ds:schemaRef ds:uri="http://schemas.openxmlformats.org/package/2006/metadata/core-properties"/>
@@ -30602,7 +31452,7 @@
 </ds:datastoreItem>
 </file>
 
-<file path=customXml/itemProps3.xml><?xml version="1.0" encoding="utf-8"?>
+<file path=customXml/itemProps2.xml><?xml version="1.0" encoding="utf-8"?>
 <ds:datastoreItem xmlns:ds="http://schemas.openxmlformats.org/officeDocument/2006/customXml" ds:itemID="{3067B86F-F5BB-4BE6-9A37-0E19E53CB68B}">
   <ds:schemaRefs>
     <ds:schemaRef ds:uri="04457b0b-0490-4995-8f27-e0b7141e5786"/>
@@ -30615,6 +31465,16 @@
     <ds:schemaRef ds:uri="http://schemas.openxmlformats.org/package/2006/metadata/core-properties"/>
     <ds:schemaRef ds:uri="http://www.w3.org/XML/1998/namespace"/>
     <ds:schemaRef ds:uri="c152f6e4-8646-42a0-bdef-6957e39d6540"/>
+    <ds:schemaRef ds:uri="bd38d267-56bb-4e22-b975-199a06fd69fa"/>
+    <ds:schemaRef ds:uri="d8c712e5-67fc-4595-93cb-a4164dd8eff3"/>
+  </ds:schemaRefs>
+</ds:datastoreItem>
+</file>
+
+<file path=customXml/itemProps3.xml><?xml version="1.0" encoding="utf-8"?>
+<ds:datastoreItem xmlns:ds="http://schemas.openxmlformats.org/officeDocument/2006/customXml" ds:itemID="{98D9791E-52D0-4ABB-925A-4EAECF798D9B}">
+  <ds:schemaRefs>
+    <ds:schemaRef ds:uri="http://schemas.microsoft.com/sharepoint/v3/contenttype/forms"/>
   </ds:schemaRefs>
 </ds:datastoreItem>
 </file>